--- a/docs/Final Submission/Final_show_1.pptx
+++ b/docs/Final Submission/Final_show_1.pptx
@@ -6,16 +6,17 @@
     <p:sldMasterId id="2147483661" r:id="rId3"/>
     <p:sldMasterId id="2147483674" r:id="rId4"/>
     <p:sldMasterId id="2147483687" r:id="rId5"/>
-    <p:sldMasterId id="2147483700" r:id="rId6"/>
   </p:sldMasterIdLst>
   <p:sldIdLst>
-    <p:sldId id="256" r:id="rId7"/>
-    <p:sldId id="257" r:id="rId8"/>
-    <p:sldId id="258" r:id="rId9"/>
-    <p:sldId id="259" r:id="rId10"/>
-    <p:sldId id="260" r:id="rId11"/>
-    <p:sldId id="261" r:id="rId12"/>
-    <p:sldId id="262" r:id="rId13"/>
+    <p:sldId id="256" r:id="rId6"/>
+    <p:sldId id="257" r:id="rId7"/>
+    <p:sldId id="258" r:id="rId8"/>
+    <p:sldId id="259" r:id="rId9"/>
+    <p:sldId id="260" r:id="rId10"/>
+    <p:sldId id="261" r:id="rId11"/>
+    <p:sldId id="262" r:id="rId12"/>
+    <p:sldId id="263" r:id="rId13"/>
+    <p:sldId id="264" r:id="rId14"/>
   </p:sldIdLst>
   <p:sldSz cx="10080625" cy="7559675"/>
   <p:notesSz cx="7772400" cy="10058400"/>
@@ -63,7 +64,7 @@
       </p:grpSpPr>
       <p:sp>
         <p:nvSpPr>
-          <p:cNvPr id="26" name="PlaceHolder 1"/>
+          <p:cNvPr id="23" name="PlaceHolder 1"/>
           <p:cNvSpPr>
             <a:spLocks noGrp="1"/>
           </p:cNvSpPr>
@@ -74,7 +75,7 @@
         <p:spPr>
           <a:xfrm>
             <a:off x="503640" y="93600"/>
-            <a:ext cx="9075600" cy="1675080"/>
+            <a:ext cx="9075240" cy="1674720"/>
           </a:xfrm>
           <a:prstGeom prst="rect">
             <a:avLst/>
@@ -83,13 +84,14 @@
         <p:txBody>
           <a:bodyPr lIns="0" rIns="0" tIns="0" bIns="0" anchor="ctr"/>
           <a:p>
-            <a:endParaRPr/>
-          </a:p>
-        </p:txBody>
-      </p:sp>
-      <p:sp>
-        <p:nvSpPr>
-          <p:cNvPr id="27" name="PlaceHolder 2"/>
+            <a:pPr algn="ctr"/>
+            <a:endParaRPr/>
+          </a:p>
+        </p:txBody>
+      </p:sp>
+      <p:sp>
+        <p:nvSpPr>
+          <p:cNvPr id="24" name="PlaceHolder 2"/>
           <p:cNvSpPr>
             <a:spLocks noGrp="1"/>
           </p:cNvSpPr>
@@ -100,22 +102,22 @@
         <p:spPr>
           <a:xfrm>
             <a:off x="503640" y="1769040"/>
-            <a:ext cx="9075600" cy="2761920"/>
-          </a:xfrm>
-          <a:prstGeom prst="rect">
-            <a:avLst/>
-          </a:prstGeom>
-        </p:spPr>
-        <p:txBody>
-          <a:bodyPr lIns="0" rIns="0" tIns="0" bIns="0"/>
-          <a:p>
-            <a:endParaRPr/>
-          </a:p>
-        </p:txBody>
-      </p:sp>
-      <p:sp>
-        <p:nvSpPr>
-          <p:cNvPr id="28" name="PlaceHolder 3"/>
+            <a:ext cx="9075240" cy="2761920"/>
+          </a:xfrm>
+          <a:prstGeom prst="rect">
+            <a:avLst/>
+          </a:prstGeom>
+        </p:spPr>
+        <p:txBody>
+          <a:bodyPr lIns="0" rIns="0" tIns="0" bIns="0"/>
+          <a:p>
+            <a:endParaRPr/>
+          </a:p>
+        </p:txBody>
+      </p:sp>
+      <p:sp>
+        <p:nvSpPr>
+          <p:cNvPr id="25" name="PlaceHolder 3"/>
           <p:cNvSpPr>
             <a:spLocks noGrp="1"/>
           </p:cNvSpPr>
@@ -126,7 +128,7 @@
         <p:spPr>
           <a:xfrm>
             <a:off x="503640" y="4793760"/>
-            <a:ext cx="9075600" cy="2761920"/>
+            <a:ext cx="9075240" cy="2761920"/>
           </a:xfrm>
           <a:prstGeom prst="rect">
             <a:avLst/>
@@ -163,7 +165,7 @@
       </p:grpSpPr>
       <p:sp>
         <p:nvSpPr>
-          <p:cNvPr id="29" name="PlaceHolder 1"/>
+          <p:cNvPr id="26" name="PlaceHolder 1"/>
           <p:cNvSpPr>
             <a:spLocks noGrp="1"/>
           </p:cNvSpPr>
@@ -174,7 +176,7 @@
         <p:spPr>
           <a:xfrm>
             <a:off x="503640" y="93600"/>
-            <a:ext cx="9075600" cy="1675080"/>
+            <a:ext cx="9075240" cy="1674720"/>
           </a:xfrm>
           <a:prstGeom prst="rect">
             <a:avLst/>
@@ -183,13 +185,14 @@
         <p:txBody>
           <a:bodyPr lIns="0" rIns="0" tIns="0" bIns="0" anchor="ctr"/>
           <a:p>
-            <a:endParaRPr/>
-          </a:p>
-        </p:txBody>
-      </p:sp>
-      <p:sp>
-        <p:nvSpPr>
-          <p:cNvPr id="30" name="PlaceHolder 2"/>
+            <a:pPr algn="ctr"/>
+            <a:endParaRPr/>
+          </a:p>
+        </p:txBody>
+      </p:sp>
+      <p:sp>
+        <p:nvSpPr>
+          <p:cNvPr id="27" name="PlaceHolder 2"/>
           <p:cNvSpPr>
             <a:spLocks noGrp="1"/>
           </p:cNvSpPr>
@@ -200,74 +203,74 @@
         <p:spPr>
           <a:xfrm>
             <a:off x="503640" y="1769040"/>
-            <a:ext cx="4428720" cy="2761920"/>
-          </a:xfrm>
-          <a:prstGeom prst="rect">
-            <a:avLst/>
-          </a:prstGeom>
-        </p:spPr>
-        <p:txBody>
-          <a:bodyPr lIns="0" rIns="0" tIns="0" bIns="0"/>
-          <a:p>
-            <a:endParaRPr/>
-          </a:p>
-        </p:txBody>
-      </p:sp>
-      <p:sp>
-        <p:nvSpPr>
-          <p:cNvPr id="31" name="PlaceHolder 3"/>
-          <p:cNvSpPr>
-            <a:spLocks noGrp="1"/>
-          </p:cNvSpPr>
-          <p:nvPr>
-            <p:ph type="body"/>
-          </p:nvPr>
-        </p:nvSpPr>
-        <p:spPr>
-          <a:xfrm>
-            <a:off x="5154120" y="1769040"/>
-            <a:ext cx="4428720" cy="2761920"/>
-          </a:xfrm>
-          <a:prstGeom prst="rect">
-            <a:avLst/>
-          </a:prstGeom>
-        </p:spPr>
-        <p:txBody>
-          <a:bodyPr lIns="0" rIns="0" tIns="0" bIns="0"/>
-          <a:p>
-            <a:endParaRPr/>
-          </a:p>
-        </p:txBody>
-      </p:sp>
-      <p:sp>
-        <p:nvSpPr>
-          <p:cNvPr id="32" name="PlaceHolder 4"/>
-          <p:cNvSpPr>
-            <a:spLocks noGrp="1"/>
-          </p:cNvSpPr>
-          <p:nvPr>
-            <p:ph type="body"/>
-          </p:nvPr>
-        </p:nvSpPr>
-        <p:spPr>
-          <a:xfrm>
-            <a:off x="5154120" y="4793760"/>
-            <a:ext cx="4428720" cy="2761920"/>
-          </a:xfrm>
-          <a:prstGeom prst="rect">
-            <a:avLst/>
-          </a:prstGeom>
-        </p:spPr>
-        <p:txBody>
-          <a:bodyPr lIns="0" rIns="0" tIns="0" bIns="0"/>
-          <a:p>
-            <a:endParaRPr/>
-          </a:p>
-        </p:txBody>
-      </p:sp>
-      <p:sp>
-        <p:nvSpPr>
-          <p:cNvPr id="33" name="PlaceHolder 5"/>
+            <a:ext cx="4428360" cy="2761920"/>
+          </a:xfrm>
+          <a:prstGeom prst="rect">
+            <a:avLst/>
+          </a:prstGeom>
+        </p:spPr>
+        <p:txBody>
+          <a:bodyPr lIns="0" rIns="0" tIns="0" bIns="0"/>
+          <a:p>
+            <a:endParaRPr/>
+          </a:p>
+        </p:txBody>
+      </p:sp>
+      <p:sp>
+        <p:nvSpPr>
+          <p:cNvPr id="28" name="PlaceHolder 3"/>
+          <p:cNvSpPr>
+            <a:spLocks noGrp="1"/>
+          </p:cNvSpPr>
+          <p:nvPr>
+            <p:ph type="body"/>
+          </p:nvPr>
+        </p:nvSpPr>
+        <p:spPr>
+          <a:xfrm>
+            <a:off x="5153760" y="1769040"/>
+            <a:ext cx="4428360" cy="2761920"/>
+          </a:xfrm>
+          <a:prstGeom prst="rect">
+            <a:avLst/>
+          </a:prstGeom>
+        </p:spPr>
+        <p:txBody>
+          <a:bodyPr lIns="0" rIns="0" tIns="0" bIns="0"/>
+          <a:p>
+            <a:endParaRPr/>
+          </a:p>
+        </p:txBody>
+      </p:sp>
+      <p:sp>
+        <p:nvSpPr>
+          <p:cNvPr id="29" name="PlaceHolder 4"/>
+          <p:cNvSpPr>
+            <a:spLocks noGrp="1"/>
+          </p:cNvSpPr>
+          <p:nvPr>
+            <p:ph type="body"/>
+          </p:nvPr>
+        </p:nvSpPr>
+        <p:spPr>
+          <a:xfrm>
+            <a:off x="5153760" y="4793760"/>
+            <a:ext cx="4428360" cy="2761920"/>
+          </a:xfrm>
+          <a:prstGeom prst="rect">
+            <a:avLst/>
+          </a:prstGeom>
+        </p:spPr>
+        <p:txBody>
+          <a:bodyPr lIns="0" rIns="0" tIns="0" bIns="0"/>
+          <a:p>
+            <a:endParaRPr/>
+          </a:p>
+        </p:txBody>
+      </p:sp>
+      <p:sp>
+        <p:nvSpPr>
+          <p:cNvPr id="30" name="PlaceHolder 5"/>
           <p:cNvSpPr>
             <a:spLocks noGrp="1"/>
           </p:cNvSpPr>
@@ -278,7 +281,7 @@
         <p:spPr>
           <a:xfrm>
             <a:off x="503640" y="4793760"/>
-            <a:ext cx="4428720" cy="2761920"/>
+            <a:ext cx="4428360" cy="2761920"/>
           </a:xfrm>
           <a:prstGeom prst="rect">
             <a:avLst/>
@@ -315,7 +318,7 @@
       </p:grpSpPr>
       <p:sp>
         <p:nvSpPr>
-          <p:cNvPr id="34" name="PlaceHolder 1"/>
+          <p:cNvPr id="31" name="PlaceHolder 1"/>
           <p:cNvSpPr>
             <a:spLocks noGrp="1"/>
           </p:cNvSpPr>
@@ -326,7 +329,7 @@
         <p:spPr>
           <a:xfrm>
             <a:off x="503640" y="93600"/>
-            <a:ext cx="9075600" cy="1675080"/>
+            <a:ext cx="9075240" cy="1674720"/>
           </a:xfrm>
           <a:prstGeom prst="rect">
             <a:avLst/>
@@ -335,13 +338,14 @@
         <p:txBody>
           <a:bodyPr lIns="0" rIns="0" tIns="0" bIns="0" anchor="ctr"/>
           <a:p>
-            <a:endParaRPr/>
-          </a:p>
-        </p:txBody>
-      </p:sp>
-      <p:sp>
-        <p:nvSpPr>
-          <p:cNvPr id="35" name="PlaceHolder 2"/>
+            <a:pPr algn="ctr"/>
+            <a:endParaRPr/>
+          </a:p>
+        </p:txBody>
+      </p:sp>
+      <p:sp>
+        <p:nvSpPr>
+          <p:cNvPr id="32" name="PlaceHolder 2"/>
           <p:cNvSpPr>
             <a:spLocks noGrp="1"/>
           </p:cNvSpPr>
@@ -352,22 +356,22 @@
         <p:spPr>
           <a:xfrm>
             <a:off x="503640" y="1769040"/>
-            <a:ext cx="9075600" cy="5790600"/>
-          </a:xfrm>
-          <a:prstGeom prst="rect">
-            <a:avLst/>
-          </a:prstGeom>
-        </p:spPr>
-        <p:txBody>
-          <a:bodyPr lIns="0" rIns="0" tIns="0" bIns="0"/>
-          <a:p>
-            <a:endParaRPr/>
-          </a:p>
-        </p:txBody>
-      </p:sp>
-      <p:sp>
-        <p:nvSpPr>
-          <p:cNvPr id="36" name="PlaceHolder 3"/>
+            <a:ext cx="9075240" cy="5790240"/>
+          </a:xfrm>
+          <a:prstGeom prst="rect">
+            <a:avLst/>
+          </a:prstGeom>
+        </p:spPr>
+        <p:txBody>
+          <a:bodyPr lIns="0" rIns="0" tIns="0" bIns="0"/>
+          <a:p>
+            <a:endParaRPr/>
+          </a:p>
+        </p:txBody>
+      </p:sp>
+      <p:sp>
+        <p:nvSpPr>
+          <p:cNvPr id="33" name="PlaceHolder 3"/>
           <p:cNvSpPr>
             <a:spLocks noGrp="1"/>
           </p:cNvSpPr>
@@ -378,7 +382,7 @@
         <p:spPr>
           <a:xfrm>
             <a:off x="503640" y="1769040"/>
-            <a:ext cx="9075600" cy="5790600"/>
+            <a:ext cx="9075240" cy="5790240"/>
           </a:xfrm>
           <a:prstGeom prst="rect">
             <a:avLst/>
@@ -393,7 +397,7 @@
       </p:sp>
       <p:pic>
         <p:nvPicPr>
-          <p:cNvPr id="37" name="" descr=""/>
+          <p:cNvPr id="34" name="" descr=""/>
           <p:cNvPicPr/>
           <p:nvPr/>
         </p:nvPicPr>
@@ -403,8 +407,8 @@
         </p:blipFill>
         <p:spPr>
           <a:xfrm>
-            <a:off x="1412640" y="1768680"/>
-            <a:ext cx="7257600" cy="5790600"/>
+            <a:off x="1412640" y="1769040"/>
+            <a:ext cx="7256880" cy="5790240"/>
           </a:xfrm>
           <a:prstGeom prst="rect">
             <a:avLst/>
@@ -416,7 +420,7 @@
       </p:pic>
       <p:pic>
         <p:nvPicPr>
-          <p:cNvPr id="38" name="" descr=""/>
+          <p:cNvPr id="35" name="" descr=""/>
           <p:cNvPicPr/>
           <p:nvPr/>
         </p:nvPicPr>
@@ -426,8 +430,8 @@
         </p:blipFill>
         <p:spPr>
           <a:xfrm>
-            <a:off x="1412640" y="1768680"/>
-            <a:ext cx="7257600" cy="5790600"/>
+            <a:off x="1412640" y="1769040"/>
+            <a:ext cx="7256880" cy="5790240"/>
           </a:xfrm>
           <a:prstGeom prst="rect">
             <a:avLst/>
@@ -483,7 +487,7 @@
       </p:grpSpPr>
       <p:sp>
         <p:nvSpPr>
-          <p:cNvPr id="39" name="PlaceHolder 1"/>
+          <p:cNvPr id="38" name="PlaceHolder 1"/>
           <p:cNvSpPr>
             <a:spLocks noGrp="1"/>
           </p:cNvSpPr>
@@ -494,7 +498,7 @@
         <p:spPr>
           <a:xfrm>
             <a:off x="503640" y="93600"/>
-            <a:ext cx="9075600" cy="1675080"/>
+            <a:ext cx="9075240" cy="1674720"/>
           </a:xfrm>
           <a:prstGeom prst="rect">
             <a:avLst/>
@@ -503,13 +507,14 @@
         <p:txBody>
           <a:bodyPr lIns="0" rIns="0" tIns="0" bIns="0" anchor="ctr"/>
           <a:p>
-            <a:endParaRPr/>
-          </a:p>
-        </p:txBody>
-      </p:sp>
-      <p:sp>
-        <p:nvSpPr>
-          <p:cNvPr id="40" name="PlaceHolder 2"/>
+            <a:pPr algn="ctr"/>
+            <a:endParaRPr/>
+          </a:p>
+        </p:txBody>
+      </p:sp>
+      <p:sp>
+        <p:nvSpPr>
+          <p:cNvPr id="39" name="PlaceHolder 2"/>
           <p:cNvSpPr>
             <a:spLocks noGrp="1"/>
           </p:cNvSpPr>
@@ -520,7 +525,7 @@
         <p:spPr>
           <a:xfrm>
             <a:off x="503640" y="1769040"/>
-            <a:ext cx="9075600" cy="5790600"/>
+            <a:ext cx="9075240" cy="5790240"/>
           </a:xfrm>
           <a:prstGeom prst="rect">
             <a:avLst/>
@@ -558,7 +563,7 @@
       </p:grpSpPr>
       <p:sp>
         <p:nvSpPr>
-          <p:cNvPr id="41" name="PlaceHolder 1"/>
+          <p:cNvPr id="40" name="PlaceHolder 1"/>
           <p:cNvSpPr>
             <a:spLocks noGrp="1"/>
           </p:cNvSpPr>
@@ -569,7 +574,7 @@
         <p:spPr>
           <a:xfrm>
             <a:off x="503640" y="93600"/>
-            <a:ext cx="9075600" cy="1675080"/>
+            <a:ext cx="9075240" cy="1674720"/>
           </a:xfrm>
           <a:prstGeom prst="rect">
             <a:avLst/>
@@ -578,13 +583,14 @@
         <p:txBody>
           <a:bodyPr lIns="0" rIns="0" tIns="0" bIns="0" anchor="ctr"/>
           <a:p>
-            <a:endParaRPr/>
-          </a:p>
-        </p:txBody>
-      </p:sp>
-      <p:sp>
-        <p:nvSpPr>
-          <p:cNvPr id="42" name="PlaceHolder 2"/>
+            <a:pPr algn="ctr"/>
+            <a:endParaRPr/>
+          </a:p>
+        </p:txBody>
+      </p:sp>
+      <p:sp>
+        <p:nvSpPr>
+          <p:cNvPr id="41" name="PlaceHolder 2"/>
           <p:cNvSpPr>
             <a:spLocks noGrp="1"/>
           </p:cNvSpPr>
@@ -595,7 +601,7 @@
         <p:spPr>
           <a:xfrm>
             <a:off x="503640" y="1769040"/>
-            <a:ext cx="9075600" cy="5790600"/>
+            <a:ext cx="9075240" cy="5790240"/>
           </a:xfrm>
           <a:prstGeom prst="rect">
             <a:avLst/>
@@ -632,7 +638,7 @@
       </p:grpSpPr>
       <p:sp>
         <p:nvSpPr>
-          <p:cNvPr id="43" name="PlaceHolder 1"/>
+          <p:cNvPr id="42" name="PlaceHolder 1"/>
           <p:cNvSpPr>
             <a:spLocks noGrp="1"/>
           </p:cNvSpPr>
@@ -643,7 +649,7 @@
         <p:spPr>
           <a:xfrm>
             <a:off x="503640" y="93600"/>
-            <a:ext cx="9075600" cy="1675080"/>
+            <a:ext cx="9075240" cy="1674720"/>
           </a:xfrm>
           <a:prstGeom prst="rect">
             <a:avLst/>
@@ -652,13 +658,14 @@
         <p:txBody>
           <a:bodyPr lIns="0" rIns="0" tIns="0" bIns="0" anchor="ctr"/>
           <a:p>
-            <a:endParaRPr/>
-          </a:p>
-        </p:txBody>
-      </p:sp>
-      <p:sp>
-        <p:nvSpPr>
-          <p:cNvPr id="44" name="PlaceHolder 2"/>
+            <a:pPr algn="ctr"/>
+            <a:endParaRPr/>
+          </a:p>
+        </p:txBody>
+      </p:sp>
+      <p:sp>
+        <p:nvSpPr>
+          <p:cNvPr id="43" name="PlaceHolder 2"/>
           <p:cNvSpPr>
             <a:spLocks noGrp="1"/>
           </p:cNvSpPr>
@@ -669,33 +676,33 @@
         <p:spPr>
           <a:xfrm>
             <a:off x="503640" y="1769040"/>
-            <a:ext cx="4428720" cy="5790600"/>
-          </a:xfrm>
-          <a:prstGeom prst="rect">
-            <a:avLst/>
-          </a:prstGeom>
-        </p:spPr>
-        <p:txBody>
-          <a:bodyPr lIns="0" rIns="0" tIns="0" bIns="0"/>
-          <a:p>
-            <a:endParaRPr/>
-          </a:p>
-        </p:txBody>
-      </p:sp>
-      <p:sp>
-        <p:nvSpPr>
-          <p:cNvPr id="45" name="PlaceHolder 3"/>
-          <p:cNvSpPr>
-            <a:spLocks noGrp="1"/>
-          </p:cNvSpPr>
-          <p:nvPr>
-            <p:ph type="body"/>
-          </p:nvPr>
-        </p:nvSpPr>
-        <p:spPr>
-          <a:xfrm>
-            <a:off x="5154120" y="1769040"/>
-            <a:ext cx="4428720" cy="5790600"/>
+            <a:ext cx="4428360" cy="5790240"/>
+          </a:xfrm>
+          <a:prstGeom prst="rect">
+            <a:avLst/>
+          </a:prstGeom>
+        </p:spPr>
+        <p:txBody>
+          <a:bodyPr lIns="0" rIns="0" tIns="0" bIns="0"/>
+          <a:p>
+            <a:endParaRPr/>
+          </a:p>
+        </p:txBody>
+      </p:sp>
+      <p:sp>
+        <p:nvSpPr>
+          <p:cNvPr id="44" name="PlaceHolder 3"/>
+          <p:cNvSpPr>
+            <a:spLocks noGrp="1"/>
+          </p:cNvSpPr>
+          <p:nvPr>
+            <p:ph type="body"/>
+          </p:nvPr>
+        </p:nvSpPr>
+        <p:spPr>
+          <a:xfrm>
+            <a:off x="5153760" y="1769040"/>
+            <a:ext cx="4428360" cy="5790240"/>
           </a:xfrm>
           <a:prstGeom prst="rect">
             <a:avLst/>
@@ -732,7 +739,7 @@
       </p:grpSpPr>
       <p:sp>
         <p:nvSpPr>
-          <p:cNvPr id="46" name="PlaceHolder 1"/>
+          <p:cNvPr id="45" name="PlaceHolder 1"/>
           <p:cNvSpPr>
             <a:spLocks noGrp="1"/>
           </p:cNvSpPr>
@@ -743,7 +750,7 @@
         <p:spPr>
           <a:xfrm>
             <a:off x="503640" y="93600"/>
-            <a:ext cx="9075600" cy="1675080"/>
+            <a:ext cx="9075240" cy="1674720"/>
           </a:xfrm>
           <a:prstGeom prst="rect">
             <a:avLst/>
@@ -752,6 +759,7 @@
         <p:txBody>
           <a:bodyPr lIns="0" rIns="0" tIns="0" bIns="0" anchor="ctr"/>
           <a:p>
+            <a:pPr algn="ctr"/>
             <a:endParaRPr/>
           </a:p>
         </p:txBody>
@@ -780,7 +788,7 @@
       </p:grpSpPr>
       <p:sp>
         <p:nvSpPr>
-          <p:cNvPr id="47" name="PlaceHolder 1"/>
+          <p:cNvPr id="46" name="PlaceHolder 1"/>
           <p:cNvSpPr>
             <a:spLocks noGrp="1"/>
           </p:cNvSpPr>
@@ -791,7 +799,7 @@
         <p:spPr>
           <a:xfrm>
             <a:off x="503640" y="93600"/>
-            <a:ext cx="9075600" cy="7765920"/>
+            <a:ext cx="9075240" cy="7764480"/>
           </a:xfrm>
           <a:prstGeom prst="rect">
             <a:avLst/>
@@ -829,7 +837,7 @@
       </p:grpSpPr>
       <p:sp>
         <p:nvSpPr>
-          <p:cNvPr id="48" name="PlaceHolder 1"/>
+          <p:cNvPr id="47" name="PlaceHolder 1"/>
           <p:cNvSpPr>
             <a:spLocks noGrp="1"/>
           </p:cNvSpPr>
@@ -840,7 +848,7 @@
         <p:spPr>
           <a:xfrm>
             <a:off x="503640" y="93600"/>
-            <a:ext cx="9075600" cy="1675080"/>
+            <a:ext cx="9075240" cy="1674720"/>
           </a:xfrm>
           <a:prstGeom prst="rect">
             <a:avLst/>
@@ -849,13 +857,14 @@
         <p:txBody>
           <a:bodyPr lIns="0" rIns="0" tIns="0" bIns="0" anchor="ctr"/>
           <a:p>
-            <a:endParaRPr/>
-          </a:p>
-        </p:txBody>
-      </p:sp>
-      <p:sp>
-        <p:nvSpPr>
-          <p:cNvPr id="49" name="PlaceHolder 2"/>
+            <a:pPr algn="ctr"/>
+            <a:endParaRPr/>
+          </a:p>
+        </p:txBody>
+      </p:sp>
+      <p:sp>
+        <p:nvSpPr>
+          <p:cNvPr id="48" name="PlaceHolder 2"/>
           <p:cNvSpPr>
             <a:spLocks noGrp="1"/>
           </p:cNvSpPr>
@@ -866,22 +875,22 @@
         <p:spPr>
           <a:xfrm>
             <a:off x="503640" y="1769040"/>
-            <a:ext cx="4428720" cy="2761920"/>
-          </a:xfrm>
-          <a:prstGeom prst="rect">
-            <a:avLst/>
-          </a:prstGeom>
-        </p:spPr>
-        <p:txBody>
-          <a:bodyPr lIns="0" rIns="0" tIns="0" bIns="0"/>
-          <a:p>
-            <a:endParaRPr/>
-          </a:p>
-        </p:txBody>
-      </p:sp>
-      <p:sp>
-        <p:nvSpPr>
-          <p:cNvPr id="50" name="PlaceHolder 3"/>
+            <a:ext cx="4428360" cy="2761920"/>
+          </a:xfrm>
+          <a:prstGeom prst="rect">
+            <a:avLst/>
+          </a:prstGeom>
+        </p:spPr>
+        <p:txBody>
+          <a:bodyPr lIns="0" rIns="0" tIns="0" bIns="0"/>
+          <a:p>
+            <a:endParaRPr/>
+          </a:p>
+        </p:txBody>
+      </p:sp>
+      <p:sp>
+        <p:nvSpPr>
+          <p:cNvPr id="49" name="PlaceHolder 3"/>
           <p:cNvSpPr>
             <a:spLocks noGrp="1"/>
           </p:cNvSpPr>
@@ -892,33 +901,33 @@
         <p:spPr>
           <a:xfrm>
             <a:off x="503640" y="4793760"/>
-            <a:ext cx="4428720" cy="2761920"/>
-          </a:xfrm>
-          <a:prstGeom prst="rect">
-            <a:avLst/>
-          </a:prstGeom>
-        </p:spPr>
-        <p:txBody>
-          <a:bodyPr lIns="0" rIns="0" tIns="0" bIns="0"/>
-          <a:p>
-            <a:endParaRPr/>
-          </a:p>
-        </p:txBody>
-      </p:sp>
-      <p:sp>
-        <p:nvSpPr>
-          <p:cNvPr id="51" name="PlaceHolder 4"/>
-          <p:cNvSpPr>
-            <a:spLocks noGrp="1"/>
-          </p:cNvSpPr>
-          <p:nvPr>
-            <p:ph type="body"/>
-          </p:nvPr>
-        </p:nvSpPr>
-        <p:spPr>
-          <a:xfrm>
-            <a:off x="5154120" y="1769040"/>
-            <a:ext cx="4428720" cy="5790600"/>
+            <a:ext cx="4428360" cy="2761920"/>
+          </a:xfrm>
+          <a:prstGeom prst="rect">
+            <a:avLst/>
+          </a:prstGeom>
+        </p:spPr>
+        <p:txBody>
+          <a:bodyPr lIns="0" rIns="0" tIns="0" bIns="0"/>
+          <a:p>
+            <a:endParaRPr/>
+          </a:p>
+        </p:txBody>
+      </p:sp>
+      <p:sp>
+        <p:nvSpPr>
+          <p:cNvPr id="50" name="PlaceHolder 4"/>
+          <p:cNvSpPr>
+            <a:spLocks noGrp="1"/>
+          </p:cNvSpPr>
+          <p:nvPr>
+            <p:ph type="body"/>
+          </p:nvPr>
+        </p:nvSpPr>
+        <p:spPr>
+          <a:xfrm>
+            <a:off x="5153760" y="1769040"/>
+            <a:ext cx="4428360" cy="5790240"/>
           </a:xfrm>
           <a:prstGeom prst="rect">
             <a:avLst/>
@@ -955,7 +964,7 @@
       </p:grpSpPr>
       <p:sp>
         <p:nvSpPr>
-          <p:cNvPr id="5" name="PlaceHolder 1"/>
+          <p:cNvPr id="2" name="PlaceHolder 1"/>
           <p:cNvSpPr>
             <a:spLocks noGrp="1"/>
           </p:cNvSpPr>
@@ -966,7 +975,7 @@
         <p:spPr>
           <a:xfrm>
             <a:off x="503640" y="93600"/>
-            <a:ext cx="9075600" cy="1675080"/>
+            <a:ext cx="9075240" cy="1674720"/>
           </a:xfrm>
           <a:prstGeom prst="rect">
             <a:avLst/>
@@ -975,13 +984,14 @@
         <p:txBody>
           <a:bodyPr lIns="0" rIns="0" tIns="0" bIns="0" anchor="ctr"/>
           <a:p>
-            <a:endParaRPr/>
-          </a:p>
-        </p:txBody>
-      </p:sp>
-      <p:sp>
-        <p:nvSpPr>
-          <p:cNvPr id="6" name="PlaceHolder 2"/>
+            <a:pPr algn="ctr"/>
+            <a:endParaRPr/>
+          </a:p>
+        </p:txBody>
+      </p:sp>
+      <p:sp>
+        <p:nvSpPr>
+          <p:cNvPr id="3" name="PlaceHolder 2"/>
           <p:cNvSpPr>
             <a:spLocks noGrp="1"/>
           </p:cNvSpPr>
@@ -992,7 +1002,7 @@
         <p:spPr>
           <a:xfrm>
             <a:off x="503640" y="1769040"/>
-            <a:ext cx="9075600" cy="5790600"/>
+            <a:ext cx="9075240" cy="5790240"/>
           </a:xfrm>
           <a:prstGeom prst="rect">
             <a:avLst/>
@@ -1030,7 +1040,7 @@
       </p:grpSpPr>
       <p:sp>
         <p:nvSpPr>
-          <p:cNvPr id="52" name="PlaceHolder 1"/>
+          <p:cNvPr id="51" name="PlaceHolder 1"/>
           <p:cNvSpPr>
             <a:spLocks noGrp="1"/>
           </p:cNvSpPr>
@@ -1041,7 +1051,7 @@
         <p:spPr>
           <a:xfrm>
             <a:off x="503640" y="93600"/>
-            <a:ext cx="9075600" cy="1675080"/>
+            <a:ext cx="9075240" cy="1674720"/>
           </a:xfrm>
           <a:prstGeom prst="rect">
             <a:avLst/>
@@ -1050,13 +1060,14 @@
         <p:txBody>
           <a:bodyPr lIns="0" rIns="0" tIns="0" bIns="0" anchor="ctr"/>
           <a:p>
-            <a:endParaRPr/>
-          </a:p>
-        </p:txBody>
-      </p:sp>
-      <p:sp>
-        <p:nvSpPr>
-          <p:cNvPr id="53" name="PlaceHolder 2"/>
+            <a:pPr algn="ctr"/>
+            <a:endParaRPr/>
+          </a:p>
+        </p:txBody>
+      </p:sp>
+      <p:sp>
+        <p:nvSpPr>
+          <p:cNvPr id="52" name="PlaceHolder 2"/>
           <p:cNvSpPr>
             <a:spLocks noGrp="1"/>
           </p:cNvSpPr>
@@ -1067,59 +1078,59 @@
         <p:spPr>
           <a:xfrm>
             <a:off x="503640" y="1769040"/>
-            <a:ext cx="4428720" cy="5790600"/>
-          </a:xfrm>
-          <a:prstGeom prst="rect">
-            <a:avLst/>
-          </a:prstGeom>
-        </p:spPr>
-        <p:txBody>
-          <a:bodyPr lIns="0" rIns="0" tIns="0" bIns="0"/>
-          <a:p>
-            <a:endParaRPr/>
-          </a:p>
-        </p:txBody>
-      </p:sp>
-      <p:sp>
-        <p:nvSpPr>
-          <p:cNvPr id="54" name="PlaceHolder 3"/>
-          <p:cNvSpPr>
-            <a:spLocks noGrp="1"/>
-          </p:cNvSpPr>
-          <p:nvPr>
-            <p:ph type="body"/>
-          </p:nvPr>
-        </p:nvSpPr>
-        <p:spPr>
-          <a:xfrm>
-            <a:off x="5154120" y="1769040"/>
-            <a:ext cx="4428720" cy="2761920"/>
-          </a:xfrm>
-          <a:prstGeom prst="rect">
-            <a:avLst/>
-          </a:prstGeom>
-        </p:spPr>
-        <p:txBody>
-          <a:bodyPr lIns="0" rIns="0" tIns="0" bIns="0"/>
-          <a:p>
-            <a:endParaRPr/>
-          </a:p>
-        </p:txBody>
-      </p:sp>
-      <p:sp>
-        <p:nvSpPr>
-          <p:cNvPr id="55" name="PlaceHolder 4"/>
-          <p:cNvSpPr>
-            <a:spLocks noGrp="1"/>
-          </p:cNvSpPr>
-          <p:nvPr>
-            <p:ph type="body"/>
-          </p:nvPr>
-        </p:nvSpPr>
-        <p:spPr>
-          <a:xfrm>
-            <a:off x="5154120" y="4793760"/>
-            <a:ext cx="4428720" cy="2761920"/>
+            <a:ext cx="4428360" cy="5790240"/>
+          </a:xfrm>
+          <a:prstGeom prst="rect">
+            <a:avLst/>
+          </a:prstGeom>
+        </p:spPr>
+        <p:txBody>
+          <a:bodyPr lIns="0" rIns="0" tIns="0" bIns="0"/>
+          <a:p>
+            <a:endParaRPr/>
+          </a:p>
+        </p:txBody>
+      </p:sp>
+      <p:sp>
+        <p:nvSpPr>
+          <p:cNvPr id="53" name="PlaceHolder 3"/>
+          <p:cNvSpPr>
+            <a:spLocks noGrp="1"/>
+          </p:cNvSpPr>
+          <p:nvPr>
+            <p:ph type="body"/>
+          </p:nvPr>
+        </p:nvSpPr>
+        <p:spPr>
+          <a:xfrm>
+            <a:off x="5153760" y="1769040"/>
+            <a:ext cx="4428360" cy="2761920"/>
+          </a:xfrm>
+          <a:prstGeom prst="rect">
+            <a:avLst/>
+          </a:prstGeom>
+        </p:spPr>
+        <p:txBody>
+          <a:bodyPr lIns="0" rIns="0" tIns="0" bIns="0"/>
+          <a:p>
+            <a:endParaRPr/>
+          </a:p>
+        </p:txBody>
+      </p:sp>
+      <p:sp>
+        <p:nvSpPr>
+          <p:cNvPr id="54" name="PlaceHolder 4"/>
+          <p:cNvSpPr>
+            <a:spLocks noGrp="1"/>
+          </p:cNvSpPr>
+          <p:nvPr>
+            <p:ph type="body"/>
+          </p:nvPr>
+        </p:nvSpPr>
+        <p:spPr>
+          <a:xfrm>
+            <a:off x="5153760" y="4793760"/>
+            <a:ext cx="4428360" cy="2761920"/>
           </a:xfrm>
           <a:prstGeom prst="rect">
             <a:avLst/>
@@ -1156,7 +1167,7 @@
       </p:grpSpPr>
       <p:sp>
         <p:nvSpPr>
-          <p:cNvPr id="56" name="PlaceHolder 1"/>
+          <p:cNvPr id="55" name="PlaceHolder 1"/>
           <p:cNvSpPr>
             <a:spLocks noGrp="1"/>
           </p:cNvSpPr>
@@ -1167,7 +1178,7 @@
         <p:spPr>
           <a:xfrm>
             <a:off x="503640" y="93600"/>
-            <a:ext cx="9075600" cy="1675080"/>
+            <a:ext cx="9075240" cy="1674720"/>
           </a:xfrm>
           <a:prstGeom prst="rect">
             <a:avLst/>
@@ -1176,13 +1187,14 @@
         <p:txBody>
           <a:bodyPr lIns="0" rIns="0" tIns="0" bIns="0" anchor="ctr"/>
           <a:p>
-            <a:endParaRPr/>
-          </a:p>
-        </p:txBody>
-      </p:sp>
-      <p:sp>
-        <p:nvSpPr>
-          <p:cNvPr id="57" name="PlaceHolder 2"/>
+            <a:pPr algn="ctr"/>
+            <a:endParaRPr/>
+          </a:p>
+        </p:txBody>
+      </p:sp>
+      <p:sp>
+        <p:nvSpPr>
+          <p:cNvPr id="56" name="PlaceHolder 2"/>
           <p:cNvSpPr>
             <a:spLocks noGrp="1"/>
           </p:cNvSpPr>
@@ -1193,48 +1205,48 @@
         <p:spPr>
           <a:xfrm>
             <a:off x="503640" y="1769040"/>
-            <a:ext cx="4428720" cy="2761920"/>
-          </a:xfrm>
-          <a:prstGeom prst="rect">
-            <a:avLst/>
-          </a:prstGeom>
-        </p:spPr>
-        <p:txBody>
-          <a:bodyPr lIns="0" rIns="0" tIns="0" bIns="0"/>
-          <a:p>
-            <a:endParaRPr/>
-          </a:p>
-        </p:txBody>
-      </p:sp>
-      <p:sp>
-        <p:nvSpPr>
-          <p:cNvPr id="58" name="PlaceHolder 3"/>
-          <p:cNvSpPr>
-            <a:spLocks noGrp="1"/>
-          </p:cNvSpPr>
-          <p:nvPr>
-            <p:ph type="body"/>
-          </p:nvPr>
-        </p:nvSpPr>
-        <p:spPr>
-          <a:xfrm>
-            <a:off x="5154120" y="1769040"/>
-            <a:ext cx="4428720" cy="2761920"/>
-          </a:xfrm>
-          <a:prstGeom prst="rect">
-            <a:avLst/>
-          </a:prstGeom>
-        </p:spPr>
-        <p:txBody>
-          <a:bodyPr lIns="0" rIns="0" tIns="0" bIns="0"/>
-          <a:p>
-            <a:endParaRPr/>
-          </a:p>
-        </p:txBody>
-      </p:sp>
-      <p:sp>
-        <p:nvSpPr>
-          <p:cNvPr id="59" name="PlaceHolder 4"/>
+            <a:ext cx="4428360" cy="2761920"/>
+          </a:xfrm>
+          <a:prstGeom prst="rect">
+            <a:avLst/>
+          </a:prstGeom>
+        </p:spPr>
+        <p:txBody>
+          <a:bodyPr lIns="0" rIns="0" tIns="0" bIns="0"/>
+          <a:p>
+            <a:endParaRPr/>
+          </a:p>
+        </p:txBody>
+      </p:sp>
+      <p:sp>
+        <p:nvSpPr>
+          <p:cNvPr id="57" name="PlaceHolder 3"/>
+          <p:cNvSpPr>
+            <a:spLocks noGrp="1"/>
+          </p:cNvSpPr>
+          <p:nvPr>
+            <p:ph type="body"/>
+          </p:nvPr>
+        </p:nvSpPr>
+        <p:spPr>
+          <a:xfrm>
+            <a:off x="5153760" y="1769040"/>
+            <a:ext cx="4428360" cy="2761920"/>
+          </a:xfrm>
+          <a:prstGeom prst="rect">
+            <a:avLst/>
+          </a:prstGeom>
+        </p:spPr>
+        <p:txBody>
+          <a:bodyPr lIns="0" rIns="0" tIns="0" bIns="0"/>
+          <a:p>
+            <a:endParaRPr/>
+          </a:p>
+        </p:txBody>
+      </p:sp>
+      <p:sp>
+        <p:nvSpPr>
+          <p:cNvPr id="58" name="PlaceHolder 4"/>
           <p:cNvSpPr>
             <a:spLocks noGrp="1"/>
           </p:cNvSpPr>
@@ -1245,7 +1257,7 @@
         <p:spPr>
           <a:xfrm>
             <a:off x="503640" y="4793760"/>
-            <a:ext cx="9075600" cy="2761920"/>
+            <a:ext cx="9075240" cy="2761920"/>
           </a:xfrm>
           <a:prstGeom prst="rect">
             <a:avLst/>
@@ -1282,7 +1294,7 @@
       </p:grpSpPr>
       <p:sp>
         <p:nvSpPr>
-          <p:cNvPr id="60" name="PlaceHolder 1"/>
+          <p:cNvPr id="59" name="PlaceHolder 1"/>
           <p:cNvSpPr>
             <a:spLocks noGrp="1"/>
           </p:cNvSpPr>
@@ -1293,7 +1305,7 @@
         <p:spPr>
           <a:xfrm>
             <a:off x="503640" y="93600"/>
-            <a:ext cx="9075600" cy="1675080"/>
+            <a:ext cx="9075240" cy="1674720"/>
           </a:xfrm>
           <a:prstGeom prst="rect">
             <a:avLst/>
@@ -1302,13 +1314,14 @@
         <p:txBody>
           <a:bodyPr lIns="0" rIns="0" tIns="0" bIns="0" anchor="ctr"/>
           <a:p>
-            <a:endParaRPr/>
-          </a:p>
-        </p:txBody>
-      </p:sp>
-      <p:sp>
-        <p:nvSpPr>
-          <p:cNvPr id="61" name="PlaceHolder 2"/>
+            <a:pPr algn="ctr"/>
+            <a:endParaRPr/>
+          </a:p>
+        </p:txBody>
+      </p:sp>
+      <p:sp>
+        <p:nvSpPr>
+          <p:cNvPr id="60" name="PlaceHolder 2"/>
           <p:cNvSpPr>
             <a:spLocks noGrp="1"/>
           </p:cNvSpPr>
@@ -1319,22 +1332,22 @@
         <p:spPr>
           <a:xfrm>
             <a:off x="503640" y="1769040"/>
-            <a:ext cx="9075600" cy="2761920"/>
-          </a:xfrm>
-          <a:prstGeom prst="rect">
-            <a:avLst/>
-          </a:prstGeom>
-        </p:spPr>
-        <p:txBody>
-          <a:bodyPr lIns="0" rIns="0" tIns="0" bIns="0"/>
-          <a:p>
-            <a:endParaRPr/>
-          </a:p>
-        </p:txBody>
-      </p:sp>
-      <p:sp>
-        <p:nvSpPr>
-          <p:cNvPr id="62" name="PlaceHolder 3"/>
+            <a:ext cx="9075240" cy="2761920"/>
+          </a:xfrm>
+          <a:prstGeom prst="rect">
+            <a:avLst/>
+          </a:prstGeom>
+        </p:spPr>
+        <p:txBody>
+          <a:bodyPr lIns="0" rIns="0" tIns="0" bIns="0"/>
+          <a:p>
+            <a:endParaRPr/>
+          </a:p>
+        </p:txBody>
+      </p:sp>
+      <p:sp>
+        <p:nvSpPr>
+          <p:cNvPr id="61" name="PlaceHolder 3"/>
           <p:cNvSpPr>
             <a:spLocks noGrp="1"/>
           </p:cNvSpPr>
@@ -1345,7 +1358,7 @@
         <p:spPr>
           <a:xfrm>
             <a:off x="503640" y="4793760"/>
-            <a:ext cx="9075600" cy="2761920"/>
+            <a:ext cx="9075240" cy="2761920"/>
           </a:xfrm>
           <a:prstGeom prst="rect">
             <a:avLst/>
@@ -1382,7 +1395,7 @@
       </p:grpSpPr>
       <p:sp>
         <p:nvSpPr>
-          <p:cNvPr id="63" name="PlaceHolder 1"/>
+          <p:cNvPr id="62" name="PlaceHolder 1"/>
           <p:cNvSpPr>
             <a:spLocks noGrp="1"/>
           </p:cNvSpPr>
@@ -1393,7 +1406,7 @@
         <p:spPr>
           <a:xfrm>
             <a:off x="503640" y="93600"/>
-            <a:ext cx="9075600" cy="1675080"/>
+            <a:ext cx="9075240" cy="1674720"/>
           </a:xfrm>
           <a:prstGeom prst="rect">
             <a:avLst/>
@@ -1402,13 +1415,14 @@
         <p:txBody>
           <a:bodyPr lIns="0" rIns="0" tIns="0" bIns="0" anchor="ctr"/>
           <a:p>
-            <a:endParaRPr/>
-          </a:p>
-        </p:txBody>
-      </p:sp>
-      <p:sp>
-        <p:nvSpPr>
-          <p:cNvPr id="64" name="PlaceHolder 2"/>
+            <a:pPr algn="ctr"/>
+            <a:endParaRPr/>
+          </a:p>
+        </p:txBody>
+      </p:sp>
+      <p:sp>
+        <p:nvSpPr>
+          <p:cNvPr id="63" name="PlaceHolder 2"/>
           <p:cNvSpPr>
             <a:spLocks noGrp="1"/>
           </p:cNvSpPr>
@@ -1419,74 +1433,74 @@
         <p:spPr>
           <a:xfrm>
             <a:off x="503640" y="1769040"/>
-            <a:ext cx="4428720" cy="2761920"/>
-          </a:xfrm>
-          <a:prstGeom prst="rect">
-            <a:avLst/>
-          </a:prstGeom>
-        </p:spPr>
-        <p:txBody>
-          <a:bodyPr lIns="0" rIns="0" tIns="0" bIns="0"/>
-          <a:p>
-            <a:endParaRPr/>
-          </a:p>
-        </p:txBody>
-      </p:sp>
-      <p:sp>
-        <p:nvSpPr>
-          <p:cNvPr id="65" name="PlaceHolder 3"/>
-          <p:cNvSpPr>
-            <a:spLocks noGrp="1"/>
-          </p:cNvSpPr>
-          <p:nvPr>
-            <p:ph type="body"/>
-          </p:nvPr>
-        </p:nvSpPr>
-        <p:spPr>
-          <a:xfrm>
-            <a:off x="5154120" y="1769040"/>
-            <a:ext cx="4428720" cy="2761920"/>
-          </a:xfrm>
-          <a:prstGeom prst="rect">
-            <a:avLst/>
-          </a:prstGeom>
-        </p:spPr>
-        <p:txBody>
-          <a:bodyPr lIns="0" rIns="0" tIns="0" bIns="0"/>
-          <a:p>
-            <a:endParaRPr/>
-          </a:p>
-        </p:txBody>
-      </p:sp>
-      <p:sp>
-        <p:nvSpPr>
-          <p:cNvPr id="66" name="PlaceHolder 4"/>
-          <p:cNvSpPr>
-            <a:spLocks noGrp="1"/>
-          </p:cNvSpPr>
-          <p:nvPr>
-            <p:ph type="body"/>
-          </p:nvPr>
-        </p:nvSpPr>
-        <p:spPr>
-          <a:xfrm>
-            <a:off x="5154120" y="4793760"/>
-            <a:ext cx="4428720" cy="2761920"/>
-          </a:xfrm>
-          <a:prstGeom prst="rect">
-            <a:avLst/>
-          </a:prstGeom>
-        </p:spPr>
-        <p:txBody>
-          <a:bodyPr lIns="0" rIns="0" tIns="0" bIns="0"/>
-          <a:p>
-            <a:endParaRPr/>
-          </a:p>
-        </p:txBody>
-      </p:sp>
-      <p:sp>
-        <p:nvSpPr>
-          <p:cNvPr id="67" name="PlaceHolder 5"/>
+            <a:ext cx="4428360" cy="2761920"/>
+          </a:xfrm>
+          <a:prstGeom prst="rect">
+            <a:avLst/>
+          </a:prstGeom>
+        </p:spPr>
+        <p:txBody>
+          <a:bodyPr lIns="0" rIns="0" tIns="0" bIns="0"/>
+          <a:p>
+            <a:endParaRPr/>
+          </a:p>
+        </p:txBody>
+      </p:sp>
+      <p:sp>
+        <p:nvSpPr>
+          <p:cNvPr id="64" name="PlaceHolder 3"/>
+          <p:cNvSpPr>
+            <a:spLocks noGrp="1"/>
+          </p:cNvSpPr>
+          <p:nvPr>
+            <p:ph type="body"/>
+          </p:nvPr>
+        </p:nvSpPr>
+        <p:spPr>
+          <a:xfrm>
+            <a:off x="5153760" y="1769040"/>
+            <a:ext cx="4428360" cy="2761920"/>
+          </a:xfrm>
+          <a:prstGeom prst="rect">
+            <a:avLst/>
+          </a:prstGeom>
+        </p:spPr>
+        <p:txBody>
+          <a:bodyPr lIns="0" rIns="0" tIns="0" bIns="0"/>
+          <a:p>
+            <a:endParaRPr/>
+          </a:p>
+        </p:txBody>
+      </p:sp>
+      <p:sp>
+        <p:nvSpPr>
+          <p:cNvPr id="65" name="PlaceHolder 4"/>
+          <p:cNvSpPr>
+            <a:spLocks noGrp="1"/>
+          </p:cNvSpPr>
+          <p:nvPr>
+            <p:ph type="body"/>
+          </p:nvPr>
+        </p:nvSpPr>
+        <p:spPr>
+          <a:xfrm>
+            <a:off x="5153760" y="4793760"/>
+            <a:ext cx="4428360" cy="2761920"/>
+          </a:xfrm>
+          <a:prstGeom prst="rect">
+            <a:avLst/>
+          </a:prstGeom>
+        </p:spPr>
+        <p:txBody>
+          <a:bodyPr lIns="0" rIns="0" tIns="0" bIns="0"/>
+          <a:p>
+            <a:endParaRPr/>
+          </a:p>
+        </p:txBody>
+      </p:sp>
+      <p:sp>
+        <p:nvSpPr>
+          <p:cNvPr id="66" name="PlaceHolder 5"/>
           <p:cNvSpPr>
             <a:spLocks noGrp="1"/>
           </p:cNvSpPr>
@@ -1497,7 +1511,7 @@
         <p:spPr>
           <a:xfrm>
             <a:off x="503640" y="4793760"/>
-            <a:ext cx="4428720" cy="2761920"/>
+            <a:ext cx="4428360" cy="2761920"/>
           </a:xfrm>
           <a:prstGeom prst="rect">
             <a:avLst/>
@@ -1534,7 +1548,7 @@
       </p:grpSpPr>
       <p:sp>
         <p:nvSpPr>
-          <p:cNvPr id="68" name="PlaceHolder 1"/>
+          <p:cNvPr id="67" name="PlaceHolder 1"/>
           <p:cNvSpPr>
             <a:spLocks noGrp="1"/>
           </p:cNvSpPr>
@@ -1545,7 +1559,7 @@
         <p:spPr>
           <a:xfrm>
             <a:off x="503640" y="93600"/>
-            <a:ext cx="9075600" cy="1675080"/>
+            <a:ext cx="9075240" cy="1674720"/>
           </a:xfrm>
           <a:prstGeom prst="rect">
             <a:avLst/>
@@ -1554,13 +1568,14 @@
         <p:txBody>
           <a:bodyPr lIns="0" rIns="0" tIns="0" bIns="0" anchor="ctr"/>
           <a:p>
-            <a:endParaRPr/>
-          </a:p>
-        </p:txBody>
-      </p:sp>
-      <p:sp>
-        <p:nvSpPr>
-          <p:cNvPr id="69" name="PlaceHolder 2"/>
+            <a:pPr algn="ctr"/>
+            <a:endParaRPr/>
+          </a:p>
+        </p:txBody>
+      </p:sp>
+      <p:sp>
+        <p:nvSpPr>
+          <p:cNvPr id="68" name="PlaceHolder 2"/>
           <p:cNvSpPr>
             <a:spLocks noGrp="1"/>
           </p:cNvSpPr>
@@ -1571,22 +1586,22 @@
         <p:spPr>
           <a:xfrm>
             <a:off x="503640" y="1769040"/>
-            <a:ext cx="9075600" cy="5790600"/>
-          </a:xfrm>
-          <a:prstGeom prst="rect">
-            <a:avLst/>
-          </a:prstGeom>
-        </p:spPr>
-        <p:txBody>
-          <a:bodyPr lIns="0" rIns="0" tIns="0" bIns="0"/>
-          <a:p>
-            <a:endParaRPr/>
-          </a:p>
-        </p:txBody>
-      </p:sp>
-      <p:sp>
-        <p:nvSpPr>
-          <p:cNvPr id="70" name="PlaceHolder 3"/>
+            <a:ext cx="9075240" cy="5790240"/>
+          </a:xfrm>
+          <a:prstGeom prst="rect">
+            <a:avLst/>
+          </a:prstGeom>
+        </p:spPr>
+        <p:txBody>
+          <a:bodyPr lIns="0" rIns="0" tIns="0" bIns="0"/>
+          <a:p>
+            <a:endParaRPr/>
+          </a:p>
+        </p:txBody>
+      </p:sp>
+      <p:sp>
+        <p:nvSpPr>
+          <p:cNvPr id="69" name="PlaceHolder 3"/>
           <p:cNvSpPr>
             <a:spLocks noGrp="1"/>
           </p:cNvSpPr>
@@ -1597,19 +1612,42 @@
         <p:spPr>
           <a:xfrm>
             <a:off x="503640" y="1769040"/>
-            <a:ext cx="9075600" cy="5790600"/>
-          </a:xfrm>
-          <a:prstGeom prst="rect">
-            <a:avLst/>
-          </a:prstGeom>
-        </p:spPr>
-        <p:txBody>
-          <a:bodyPr lIns="0" rIns="0" tIns="0" bIns="0"/>
-          <a:p>
-            <a:endParaRPr/>
-          </a:p>
-        </p:txBody>
-      </p:sp>
+            <a:ext cx="9075240" cy="5790240"/>
+          </a:xfrm>
+          <a:prstGeom prst="rect">
+            <a:avLst/>
+          </a:prstGeom>
+        </p:spPr>
+        <p:txBody>
+          <a:bodyPr lIns="0" rIns="0" tIns="0" bIns="0"/>
+          <a:p>
+            <a:endParaRPr/>
+          </a:p>
+        </p:txBody>
+      </p:sp>
+      <p:pic>
+        <p:nvPicPr>
+          <p:cNvPr id="70" name="" descr=""/>
+          <p:cNvPicPr/>
+          <p:nvPr/>
+        </p:nvPicPr>
+        <p:blipFill>
+          <a:blip r:embed="rId2"/>
+          <a:stretch/>
+        </p:blipFill>
+        <p:spPr>
+          <a:xfrm>
+            <a:off x="1412640" y="1769040"/>
+            <a:ext cx="7256880" cy="5790240"/>
+          </a:xfrm>
+          <a:prstGeom prst="rect">
+            <a:avLst/>
+          </a:prstGeom>
+          <a:ln>
+            <a:noFill/>
+          </a:ln>
+        </p:spPr>
+      </p:pic>
       <p:pic>
         <p:nvPicPr>
           <p:cNvPr id="71" name="" descr=""/>
@@ -1617,36 +1655,13 @@
           <p:nvPr/>
         </p:nvPicPr>
         <p:blipFill>
-          <a:blip r:embed="rId2"/>
-          <a:stretch/>
-        </p:blipFill>
-        <p:spPr>
-          <a:xfrm>
-            <a:off x="1412640" y="1768680"/>
-            <a:ext cx="7257600" cy="5790600"/>
-          </a:xfrm>
-          <a:prstGeom prst="rect">
-            <a:avLst/>
-          </a:prstGeom>
-          <a:ln>
-            <a:noFill/>
-          </a:ln>
-        </p:spPr>
-      </p:pic>
-      <p:pic>
-        <p:nvPicPr>
-          <p:cNvPr id="72" name="" descr=""/>
-          <p:cNvPicPr/>
-          <p:nvPr/>
-        </p:nvPicPr>
-        <p:blipFill>
           <a:blip r:embed="rId3"/>
           <a:stretch/>
         </p:blipFill>
         <p:spPr>
           <a:xfrm>
-            <a:off x="1412640" y="1768680"/>
-            <a:ext cx="7257600" cy="5790600"/>
+            <a:off x="1412640" y="1769040"/>
+            <a:ext cx="7256880" cy="5790240"/>
           </a:xfrm>
           <a:prstGeom prst="rect">
             <a:avLst/>
@@ -1702,7 +1717,7 @@
       </p:grpSpPr>
       <p:sp>
         <p:nvSpPr>
-          <p:cNvPr id="76" name="PlaceHolder 1"/>
+          <p:cNvPr id="74" name="PlaceHolder 1"/>
           <p:cNvSpPr>
             <a:spLocks noGrp="1"/>
           </p:cNvSpPr>
@@ -1713,7 +1728,7 @@
         <p:spPr>
           <a:xfrm>
             <a:off x="503640" y="93600"/>
-            <a:ext cx="9075600" cy="1675080"/>
+            <a:ext cx="9075240" cy="1674720"/>
           </a:xfrm>
           <a:prstGeom prst="rect">
             <a:avLst/>
@@ -1722,13 +1737,14 @@
         <p:txBody>
           <a:bodyPr lIns="0" rIns="0" tIns="0" bIns="0" anchor="ctr"/>
           <a:p>
-            <a:endParaRPr/>
-          </a:p>
-        </p:txBody>
-      </p:sp>
-      <p:sp>
-        <p:nvSpPr>
-          <p:cNvPr id="77" name="PlaceHolder 2"/>
+            <a:pPr algn="ctr"/>
+            <a:endParaRPr/>
+          </a:p>
+        </p:txBody>
+      </p:sp>
+      <p:sp>
+        <p:nvSpPr>
+          <p:cNvPr id="75" name="PlaceHolder 2"/>
           <p:cNvSpPr>
             <a:spLocks noGrp="1"/>
           </p:cNvSpPr>
@@ -1739,7 +1755,7 @@
         <p:spPr>
           <a:xfrm>
             <a:off x="503640" y="1769040"/>
-            <a:ext cx="9075600" cy="5790600"/>
+            <a:ext cx="9075240" cy="5790240"/>
           </a:xfrm>
           <a:prstGeom prst="rect">
             <a:avLst/>
@@ -1777,7 +1793,7 @@
       </p:grpSpPr>
       <p:sp>
         <p:nvSpPr>
-          <p:cNvPr id="78" name="PlaceHolder 1"/>
+          <p:cNvPr id="76" name="PlaceHolder 1"/>
           <p:cNvSpPr>
             <a:spLocks noGrp="1"/>
           </p:cNvSpPr>
@@ -1788,7 +1804,7 @@
         <p:spPr>
           <a:xfrm>
             <a:off x="503640" y="93600"/>
-            <a:ext cx="9075600" cy="1675080"/>
+            <a:ext cx="9075240" cy="1674720"/>
           </a:xfrm>
           <a:prstGeom prst="rect">
             <a:avLst/>
@@ -1797,13 +1813,14 @@
         <p:txBody>
           <a:bodyPr lIns="0" rIns="0" tIns="0" bIns="0" anchor="ctr"/>
           <a:p>
-            <a:endParaRPr/>
-          </a:p>
-        </p:txBody>
-      </p:sp>
-      <p:sp>
-        <p:nvSpPr>
-          <p:cNvPr id="79" name="PlaceHolder 2"/>
+            <a:pPr algn="ctr"/>
+            <a:endParaRPr/>
+          </a:p>
+        </p:txBody>
+      </p:sp>
+      <p:sp>
+        <p:nvSpPr>
+          <p:cNvPr id="77" name="PlaceHolder 2"/>
           <p:cNvSpPr>
             <a:spLocks noGrp="1"/>
           </p:cNvSpPr>
@@ -1814,7 +1831,7 @@
         <p:spPr>
           <a:xfrm>
             <a:off x="503640" y="1769040"/>
-            <a:ext cx="9075600" cy="5790600"/>
+            <a:ext cx="9075240" cy="5790240"/>
           </a:xfrm>
           <a:prstGeom prst="rect">
             <a:avLst/>
@@ -1851,7 +1868,7 @@
       </p:grpSpPr>
       <p:sp>
         <p:nvSpPr>
-          <p:cNvPr id="80" name="PlaceHolder 1"/>
+          <p:cNvPr id="78" name="PlaceHolder 1"/>
           <p:cNvSpPr>
             <a:spLocks noGrp="1"/>
           </p:cNvSpPr>
@@ -1862,7 +1879,7 @@
         <p:spPr>
           <a:xfrm>
             <a:off x="503640" y="93600"/>
-            <a:ext cx="9075600" cy="1675080"/>
+            <a:ext cx="9075240" cy="1674720"/>
           </a:xfrm>
           <a:prstGeom prst="rect">
             <a:avLst/>
@@ -1871,13 +1888,14 @@
         <p:txBody>
           <a:bodyPr lIns="0" rIns="0" tIns="0" bIns="0" anchor="ctr"/>
           <a:p>
-            <a:endParaRPr/>
-          </a:p>
-        </p:txBody>
-      </p:sp>
-      <p:sp>
-        <p:nvSpPr>
-          <p:cNvPr id="81" name="PlaceHolder 2"/>
+            <a:pPr algn="ctr"/>
+            <a:endParaRPr/>
+          </a:p>
+        </p:txBody>
+      </p:sp>
+      <p:sp>
+        <p:nvSpPr>
+          <p:cNvPr id="79" name="PlaceHolder 2"/>
           <p:cNvSpPr>
             <a:spLocks noGrp="1"/>
           </p:cNvSpPr>
@@ -1888,33 +1906,33 @@
         <p:spPr>
           <a:xfrm>
             <a:off x="503640" y="1769040"/>
-            <a:ext cx="4428720" cy="5790600"/>
-          </a:xfrm>
-          <a:prstGeom prst="rect">
-            <a:avLst/>
-          </a:prstGeom>
-        </p:spPr>
-        <p:txBody>
-          <a:bodyPr lIns="0" rIns="0" tIns="0" bIns="0"/>
-          <a:p>
-            <a:endParaRPr/>
-          </a:p>
-        </p:txBody>
-      </p:sp>
-      <p:sp>
-        <p:nvSpPr>
-          <p:cNvPr id="82" name="PlaceHolder 3"/>
-          <p:cNvSpPr>
-            <a:spLocks noGrp="1"/>
-          </p:cNvSpPr>
-          <p:nvPr>
-            <p:ph type="body"/>
-          </p:nvPr>
-        </p:nvSpPr>
-        <p:spPr>
-          <a:xfrm>
-            <a:off x="5154120" y="1769040"/>
-            <a:ext cx="4428720" cy="5790600"/>
+            <a:ext cx="4428360" cy="5790240"/>
+          </a:xfrm>
+          <a:prstGeom prst="rect">
+            <a:avLst/>
+          </a:prstGeom>
+        </p:spPr>
+        <p:txBody>
+          <a:bodyPr lIns="0" rIns="0" tIns="0" bIns="0"/>
+          <a:p>
+            <a:endParaRPr/>
+          </a:p>
+        </p:txBody>
+      </p:sp>
+      <p:sp>
+        <p:nvSpPr>
+          <p:cNvPr id="80" name="PlaceHolder 3"/>
+          <p:cNvSpPr>
+            <a:spLocks noGrp="1"/>
+          </p:cNvSpPr>
+          <p:nvPr>
+            <p:ph type="body"/>
+          </p:nvPr>
+        </p:nvSpPr>
+        <p:spPr>
+          <a:xfrm>
+            <a:off x="5153760" y="1769040"/>
+            <a:ext cx="4428360" cy="5790240"/>
           </a:xfrm>
           <a:prstGeom prst="rect">
             <a:avLst/>
@@ -1951,7 +1969,7 @@
       </p:grpSpPr>
       <p:sp>
         <p:nvSpPr>
-          <p:cNvPr id="83" name="PlaceHolder 1"/>
+          <p:cNvPr id="81" name="PlaceHolder 1"/>
           <p:cNvSpPr>
             <a:spLocks noGrp="1"/>
           </p:cNvSpPr>
@@ -1962,7 +1980,7 @@
         <p:spPr>
           <a:xfrm>
             <a:off x="503640" y="93600"/>
-            <a:ext cx="9075600" cy="1675080"/>
+            <a:ext cx="9075240" cy="1674720"/>
           </a:xfrm>
           <a:prstGeom prst="rect">
             <a:avLst/>
@@ -1971,6 +1989,7 @@
         <p:txBody>
           <a:bodyPr lIns="0" rIns="0" tIns="0" bIns="0" anchor="ctr"/>
           <a:p>
+            <a:pPr algn="ctr"/>
             <a:endParaRPr/>
           </a:p>
         </p:txBody>
@@ -1999,7 +2018,7 @@
       </p:grpSpPr>
       <p:sp>
         <p:nvSpPr>
-          <p:cNvPr id="7" name="PlaceHolder 1"/>
+          <p:cNvPr id="4" name="PlaceHolder 1"/>
           <p:cNvSpPr>
             <a:spLocks noGrp="1"/>
           </p:cNvSpPr>
@@ -2010,7 +2029,7 @@
         <p:spPr>
           <a:xfrm>
             <a:off x="503640" y="93600"/>
-            <a:ext cx="9075600" cy="1675080"/>
+            <a:ext cx="9075240" cy="1674720"/>
           </a:xfrm>
           <a:prstGeom prst="rect">
             <a:avLst/>
@@ -2019,13 +2038,14 @@
         <p:txBody>
           <a:bodyPr lIns="0" rIns="0" tIns="0" bIns="0" anchor="ctr"/>
           <a:p>
-            <a:endParaRPr/>
-          </a:p>
-        </p:txBody>
-      </p:sp>
-      <p:sp>
-        <p:nvSpPr>
-          <p:cNvPr id="8" name="PlaceHolder 2"/>
+            <a:pPr algn="ctr"/>
+            <a:endParaRPr/>
+          </a:p>
+        </p:txBody>
+      </p:sp>
+      <p:sp>
+        <p:nvSpPr>
+          <p:cNvPr id="5" name="PlaceHolder 2"/>
           <p:cNvSpPr>
             <a:spLocks noGrp="1"/>
           </p:cNvSpPr>
@@ -2036,7 +2056,7 @@
         <p:spPr>
           <a:xfrm>
             <a:off x="503640" y="1769040"/>
-            <a:ext cx="9075600" cy="5790600"/>
+            <a:ext cx="9075240" cy="5790240"/>
           </a:xfrm>
           <a:prstGeom prst="rect">
             <a:avLst/>
@@ -2073,7 +2093,7 @@
       </p:grpSpPr>
       <p:sp>
         <p:nvSpPr>
-          <p:cNvPr id="84" name="PlaceHolder 1"/>
+          <p:cNvPr id="82" name="PlaceHolder 1"/>
           <p:cNvSpPr>
             <a:spLocks noGrp="1"/>
           </p:cNvSpPr>
@@ -2084,7 +2104,7 @@
         <p:spPr>
           <a:xfrm>
             <a:off x="503640" y="93600"/>
-            <a:ext cx="9075600" cy="7765920"/>
+            <a:ext cx="9075240" cy="7764480"/>
           </a:xfrm>
           <a:prstGeom prst="rect">
             <a:avLst/>
@@ -2122,7 +2142,7 @@
       </p:grpSpPr>
       <p:sp>
         <p:nvSpPr>
-          <p:cNvPr id="85" name="PlaceHolder 1"/>
+          <p:cNvPr id="83" name="PlaceHolder 1"/>
           <p:cNvSpPr>
             <a:spLocks noGrp="1"/>
           </p:cNvSpPr>
@@ -2133,7 +2153,7 @@
         <p:spPr>
           <a:xfrm>
             <a:off x="503640" y="93600"/>
-            <a:ext cx="9075600" cy="1675080"/>
+            <a:ext cx="9075240" cy="1674720"/>
           </a:xfrm>
           <a:prstGeom prst="rect">
             <a:avLst/>
@@ -2142,13 +2162,14 @@
         <p:txBody>
           <a:bodyPr lIns="0" rIns="0" tIns="0" bIns="0" anchor="ctr"/>
           <a:p>
-            <a:endParaRPr/>
-          </a:p>
-        </p:txBody>
-      </p:sp>
-      <p:sp>
-        <p:nvSpPr>
-          <p:cNvPr id="86" name="PlaceHolder 2"/>
+            <a:pPr algn="ctr"/>
+            <a:endParaRPr/>
+          </a:p>
+        </p:txBody>
+      </p:sp>
+      <p:sp>
+        <p:nvSpPr>
+          <p:cNvPr id="84" name="PlaceHolder 2"/>
           <p:cNvSpPr>
             <a:spLocks noGrp="1"/>
           </p:cNvSpPr>
@@ -2159,22 +2180,22 @@
         <p:spPr>
           <a:xfrm>
             <a:off x="503640" y="1769040"/>
-            <a:ext cx="4428720" cy="2761920"/>
-          </a:xfrm>
-          <a:prstGeom prst="rect">
-            <a:avLst/>
-          </a:prstGeom>
-        </p:spPr>
-        <p:txBody>
-          <a:bodyPr lIns="0" rIns="0" tIns="0" bIns="0"/>
-          <a:p>
-            <a:endParaRPr/>
-          </a:p>
-        </p:txBody>
-      </p:sp>
-      <p:sp>
-        <p:nvSpPr>
-          <p:cNvPr id="87" name="PlaceHolder 3"/>
+            <a:ext cx="4428360" cy="2761920"/>
+          </a:xfrm>
+          <a:prstGeom prst="rect">
+            <a:avLst/>
+          </a:prstGeom>
+        </p:spPr>
+        <p:txBody>
+          <a:bodyPr lIns="0" rIns="0" tIns="0" bIns="0"/>
+          <a:p>
+            <a:endParaRPr/>
+          </a:p>
+        </p:txBody>
+      </p:sp>
+      <p:sp>
+        <p:nvSpPr>
+          <p:cNvPr id="85" name="PlaceHolder 3"/>
           <p:cNvSpPr>
             <a:spLocks noGrp="1"/>
           </p:cNvSpPr>
@@ -2185,33 +2206,33 @@
         <p:spPr>
           <a:xfrm>
             <a:off x="503640" y="4793760"/>
-            <a:ext cx="4428720" cy="2761920"/>
-          </a:xfrm>
-          <a:prstGeom prst="rect">
-            <a:avLst/>
-          </a:prstGeom>
-        </p:spPr>
-        <p:txBody>
-          <a:bodyPr lIns="0" rIns="0" tIns="0" bIns="0"/>
-          <a:p>
-            <a:endParaRPr/>
-          </a:p>
-        </p:txBody>
-      </p:sp>
-      <p:sp>
-        <p:nvSpPr>
-          <p:cNvPr id="88" name="PlaceHolder 4"/>
-          <p:cNvSpPr>
-            <a:spLocks noGrp="1"/>
-          </p:cNvSpPr>
-          <p:nvPr>
-            <p:ph type="body"/>
-          </p:nvPr>
-        </p:nvSpPr>
-        <p:spPr>
-          <a:xfrm>
-            <a:off x="5154120" y="1769040"/>
-            <a:ext cx="4428720" cy="5790600"/>
+            <a:ext cx="4428360" cy="2761920"/>
+          </a:xfrm>
+          <a:prstGeom prst="rect">
+            <a:avLst/>
+          </a:prstGeom>
+        </p:spPr>
+        <p:txBody>
+          <a:bodyPr lIns="0" rIns="0" tIns="0" bIns="0"/>
+          <a:p>
+            <a:endParaRPr/>
+          </a:p>
+        </p:txBody>
+      </p:sp>
+      <p:sp>
+        <p:nvSpPr>
+          <p:cNvPr id="86" name="PlaceHolder 4"/>
+          <p:cNvSpPr>
+            <a:spLocks noGrp="1"/>
+          </p:cNvSpPr>
+          <p:nvPr>
+            <p:ph type="body"/>
+          </p:nvPr>
+        </p:nvSpPr>
+        <p:spPr>
+          <a:xfrm>
+            <a:off x="5153760" y="1769040"/>
+            <a:ext cx="4428360" cy="5790240"/>
           </a:xfrm>
           <a:prstGeom prst="rect">
             <a:avLst/>
@@ -2248,7 +2269,7 @@
       </p:grpSpPr>
       <p:sp>
         <p:nvSpPr>
-          <p:cNvPr id="89" name="PlaceHolder 1"/>
+          <p:cNvPr id="87" name="PlaceHolder 1"/>
           <p:cNvSpPr>
             <a:spLocks noGrp="1"/>
           </p:cNvSpPr>
@@ -2259,7 +2280,7 @@
         <p:spPr>
           <a:xfrm>
             <a:off x="503640" y="93600"/>
-            <a:ext cx="9075600" cy="1675080"/>
+            <a:ext cx="9075240" cy="1674720"/>
           </a:xfrm>
           <a:prstGeom prst="rect">
             <a:avLst/>
@@ -2268,13 +2289,14 @@
         <p:txBody>
           <a:bodyPr lIns="0" rIns="0" tIns="0" bIns="0" anchor="ctr"/>
           <a:p>
-            <a:endParaRPr/>
-          </a:p>
-        </p:txBody>
-      </p:sp>
-      <p:sp>
-        <p:nvSpPr>
-          <p:cNvPr id="90" name="PlaceHolder 2"/>
+            <a:pPr algn="ctr"/>
+            <a:endParaRPr/>
+          </a:p>
+        </p:txBody>
+      </p:sp>
+      <p:sp>
+        <p:nvSpPr>
+          <p:cNvPr id="88" name="PlaceHolder 2"/>
           <p:cNvSpPr>
             <a:spLocks noGrp="1"/>
           </p:cNvSpPr>
@@ -2285,59 +2307,59 @@
         <p:spPr>
           <a:xfrm>
             <a:off x="503640" y="1769040"/>
-            <a:ext cx="4428720" cy="5790600"/>
-          </a:xfrm>
-          <a:prstGeom prst="rect">
-            <a:avLst/>
-          </a:prstGeom>
-        </p:spPr>
-        <p:txBody>
-          <a:bodyPr lIns="0" rIns="0" tIns="0" bIns="0"/>
-          <a:p>
-            <a:endParaRPr/>
-          </a:p>
-        </p:txBody>
-      </p:sp>
-      <p:sp>
-        <p:nvSpPr>
-          <p:cNvPr id="91" name="PlaceHolder 3"/>
-          <p:cNvSpPr>
-            <a:spLocks noGrp="1"/>
-          </p:cNvSpPr>
-          <p:nvPr>
-            <p:ph type="body"/>
-          </p:nvPr>
-        </p:nvSpPr>
-        <p:spPr>
-          <a:xfrm>
-            <a:off x="5154120" y="1769040"/>
-            <a:ext cx="4428720" cy="2761920"/>
-          </a:xfrm>
-          <a:prstGeom prst="rect">
-            <a:avLst/>
-          </a:prstGeom>
-        </p:spPr>
-        <p:txBody>
-          <a:bodyPr lIns="0" rIns="0" tIns="0" bIns="0"/>
-          <a:p>
-            <a:endParaRPr/>
-          </a:p>
-        </p:txBody>
-      </p:sp>
-      <p:sp>
-        <p:nvSpPr>
-          <p:cNvPr id="92" name="PlaceHolder 4"/>
-          <p:cNvSpPr>
-            <a:spLocks noGrp="1"/>
-          </p:cNvSpPr>
-          <p:nvPr>
-            <p:ph type="body"/>
-          </p:nvPr>
-        </p:nvSpPr>
-        <p:spPr>
-          <a:xfrm>
-            <a:off x="5154120" y="4793760"/>
-            <a:ext cx="4428720" cy="2761920"/>
+            <a:ext cx="4428360" cy="5790240"/>
+          </a:xfrm>
+          <a:prstGeom prst="rect">
+            <a:avLst/>
+          </a:prstGeom>
+        </p:spPr>
+        <p:txBody>
+          <a:bodyPr lIns="0" rIns="0" tIns="0" bIns="0"/>
+          <a:p>
+            <a:endParaRPr/>
+          </a:p>
+        </p:txBody>
+      </p:sp>
+      <p:sp>
+        <p:nvSpPr>
+          <p:cNvPr id="89" name="PlaceHolder 3"/>
+          <p:cNvSpPr>
+            <a:spLocks noGrp="1"/>
+          </p:cNvSpPr>
+          <p:nvPr>
+            <p:ph type="body"/>
+          </p:nvPr>
+        </p:nvSpPr>
+        <p:spPr>
+          <a:xfrm>
+            <a:off x="5153760" y="1769040"/>
+            <a:ext cx="4428360" cy="2761920"/>
+          </a:xfrm>
+          <a:prstGeom prst="rect">
+            <a:avLst/>
+          </a:prstGeom>
+        </p:spPr>
+        <p:txBody>
+          <a:bodyPr lIns="0" rIns="0" tIns="0" bIns="0"/>
+          <a:p>
+            <a:endParaRPr/>
+          </a:p>
+        </p:txBody>
+      </p:sp>
+      <p:sp>
+        <p:nvSpPr>
+          <p:cNvPr id="90" name="PlaceHolder 4"/>
+          <p:cNvSpPr>
+            <a:spLocks noGrp="1"/>
+          </p:cNvSpPr>
+          <p:nvPr>
+            <p:ph type="body"/>
+          </p:nvPr>
+        </p:nvSpPr>
+        <p:spPr>
+          <a:xfrm>
+            <a:off x="5153760" y="4793760"/>
+            <a:ext cx="4428360" cy="2761920"/>
           </a:xfrm>
           <a:prstGeom prst="rect">
             <a:avLst/>
@@ -2374,7 +2396,7 @@
       </p:grpSpPr>
       <p:sp>
         <p:nvSpPr>
-          <p:cNvPr id="93" name="PlaceHolder 1"/>
+          <p:cNvPr id="91" name="PlaceHolder 1"/>
           <p:cNvSpPr>
             <a:spLocks noGrp="1"/>
           </p:cNvSpPr>
@@ -2385,7 +2407,7 @@
         <p:spPr>
           <a:xfrm>
             <a:off x="503640" y="93600"/>
-            <a:ext cx="9075600" cy="1675080"/>
+            <a:ext cx="9075240" cy="1674720"/>
           </a:xfrm>
           <a:prstGeom prst="rect">
             <a:avLst/>
@@ -2394,13 +2416,14 @@
         <p:txBody>
           <a:bodyPr lIns="0" rIns="0" tIns="0" bIns="0" anchor="ctr"/>
           <a:p>
-            <a:endParaRPr/>
-          </a:p>
-        </p:txBody>
-      </p:sp>
-      <p:sp>
-        <p:nvSpPr>
-          <p:cNvPr id="94" name="PlaceHolder 2"/>
+            <a:pPr algn="ctr"/>
+            <a:endParaRPr/>
+          </a:p>
+        </p:txBody>
+      </p:sp>
+      <p:sp>
+        <p:nvSpPr>
+          <p:cNvPr id="92" name="PlaceHolder 2"/>
           <p:cNvSpPr>
             <a:spLocks noGrp="1"/>
           </p:cNvSpPr>
@@ -2411,48 +2434,48 @@
         <p:spPr>
           <a:xfrm>
             <a:off x="503640" y="1769040"/>
-            <a:ext cx="4428720" cy="2761920"/>
-          </a:xfrm>
-          <a:prstGeom prst="rect">
-            <a:avLst/>
-          </a:prstGeom>
-        </p:spPr>
-        <p:txBody>
-          <a:bodyPr lIns="0" rIns="0" tIns="0" bIns="0"/>
-          <a:p>
-            <a:endParaRPr/>
-          </a:p>
-        </p:txBody>
-      </p:sp>
-      <p:sp>
-        <p:nvSpPr>
-          <p:cNvPr id="95" name="PlaceHolder 3"/>
-          <p:cNvSpPr>
-            <a:spLocks noGrp="1"/>
-          </p:cNvSpPr>
-          <p:nvPr>
-            <p:ph type="body"/>
-          </p:nvPr>
-        </p:nvSpPr>
-        <p:spPr>
-          <a:xfrm>
-            <a:off x="5154120" y="1769040"/>
-            <a:ext cx="4428720" cy="2761920"/>
-          </a:xfrm>
-          <a:prstGeom prst="rect">
-            <a:avLst/>
-          </a:prstGeom>
-        </p:spPr>
-        <p:txBody>
-          <a:bodyPr lIns="0" rIns="0" tIns="0" bIns="0"/>
-          <a:p>
-            <a:endParaRPr/>
-          </a:p>
-        </p:txBody>
-      </p:sp>
-      <p:sp>
-        <p:nvSpPr>
-          <p:cNvPr id="96" name="PlaceHolder 4"/>
+            <a:ext cx="4428360" cy="2761920"/>
+          </a:xfrm>
+          <a:prstGeom prst="rect">
+            <a:avLst/>
+          </a:prstGeom>
+        </p:spPr>
+        <p:txBody>
+          <a:bodyPr lIns="0" rIns="0" tIns="0" bIns="0"/>
+          <a:p>
+            <a:endParaRPr/>
+          </a:p>
+        </p:txBody>
+      </p:sp>
+      <p:sp>
+        <p:nvSpPr>
+          <p:cNvPr id="93" name="PlaceHolder 3"/>
+          <p:cNvSpPr>
+            <a:spLocks noGrp="1"/>
+          </p:cNvSpPr>
+          <p:nvPr>
+            <p:ph type="body"/>
+          </p:nvPr>
+        </p:nvSpPr>
+        <p:spPr>
+          <a:xfrm>
+            <a:off x="5153760" y="1769040"/>
+            <a:ext cx="4428360" cy="2761920"/>
+          </a:xfrm>
+          <a:prstGeom prst="rect">
+            <a:avLst/>
+          </a:prstGeom>
+        </p:spPr>
+        <p:txBody>
+          <a:bodyPr lIns="0" rIns="0" tIns="0" bIns="0"/>
+          <a:p>
+            <a:endParaRPr/>
+          </a:p>
+        </p:txBody>
+      </p:sp>
+      <p:sp>
+        <p:nvSpPr>
+          <p:cNvPr id="94" name="PlaceHolder 4"/>
           <p:cNvSpPr>
             <a:spLocks noGrp="1"/>
           </p:cNvSpPr>
@@ -2463,7 +2486,7 @@
         <p:spPr>
           <a:xfrm>
             <a:off x="503640" y="4793760"/>
-            <a:ext cx="9075600" cy="2761920"/>
+            <a:ext cx="9075240" cy="2761920"/>
           </a:xfrm>
           <a:prstGeom prst="rect">
             <a:avLst/>
@@ -2500,7 +2523,7 @@
       </p:grpSpPr>
       <p:sp>
         <p:nvSpPr>
-          <p:cNvPr id="97" name="PlaceHolder 1"/>
+          <p:cNvPr id="95" name="PlaceHolder 1"/>
           <p:cNvSpPr>
             <a:spLocks noGrp="1"/>
           </p:cNvSpPr>
@@ -2511,7 +2534,7 @@
         <p:spPr>
           <a:xfrm>
             <a:off x="503640" y="93600"/>
-            <a:ext cx="9075600" cy="1675080"/>
+            <a:ext cx="9075240" cy="1674720"/>
           </a:xfrm>
           <a:prstGeom prst="rect">
             <a:avLst/>
@@ -2520,13 +2543,14 @@
         <p:txBody>
           <a:bodyPr lIns="0" rIns="0" tIns="0" bIns="0" anchor="ctr"/>
           <a:p>
-            <a:endParaRPr/>
-          </a:p>
-        </p:txBody>
-      </p:sp>
-      <p:sp>
-        <p:nvSpPr>
-          <p:cNvPr id="98" name="PlaceHolder 2"/>
+            <a:pPr algn="ctr"/>
+            <a:endParaRPr/>
+          </a:p>
+        </p:txBody>
+      </p:sp>
+      <p:sp>
+        <p:nvSpPr>
+          <p:cNvPr id="96" name="PlaceHolder 2"/>
           <p:cNvSpPr>
             <a:spLocks noGrp="1"/>
           </p:cNvSpPr>
@@ -2537,22 +2561,22 @@
         <p:spPr>
           <a:xfrm>
             <a:off x="503640" y="1769040"/>
-            <a:ext cx="9075600" cy="2761920"/>
-          </a:xfrm>
-          <a:prstGeom prst="rect">
-            <a:avLst/>
-          </a:prstGeom>
-        </p:spPr>
-        <p:txBody>
-          <a:bodyPr lIns="0" rIns="0" tIns="0" bIns="0"/>
-          <a:p>
-            <a:endParaRPr/>
-          </a:p>
-        </p:txBody>
-      </p:sp>
-      <p:sp>
-        <p:nvSpPr>
-          <p:cNvPr id="99" name="PlaceHolder 3"/>
+            <a:ext cx="9075240" cy="2761920"/>
+          </a:xfrm>
+          <a:prstGeom prst="rect">
+            <a:avLst/>
+          </a:prstGeom>
+        </p:spPr>
+        <p:txBody>
+          <a:bodyPr lIns="0" rIns="0" tIns="0" bIns="0"/>
+          <a:p>
+            <a:endParaRPr/>
+          </a:p>
+        </p:txBody>
+      </p:sp>
+      <p:sp>
+        <p:nvSpPr>
+          <p:cNvPr id="97" name="PlaceHolder 3"/>
           <p:cNvSpPr>
             <a:spLocks noGrp="1"/>
           </p:cNvSpPr>
@@ -2563,7 +2587,7 @@
         <p:spPr>
           <a:xfrm>
             <a:off x="503640" y="4793760"/>
-            <a:ext cx="9075600" cy="2761920"/>
+            <a:ext cx="9075240" cy="2761920"/>
           </a:xfrm>
           <a:prstGeom prst="rect">
             <a:avLst/>
@@ -2600,7 +2624,7 @@
       </p:grpSpPr>
       <p:sp>
         <p:nvSpPr>
-          <p:cNvPr id="100" name="PlaceHolder 1"/>
+          <p:cNvPr id="98" name="PlaceHolder 1"/>
           <p:cNvSpPr>
             <a:spLocks noGrp="1"/>
           </p:cNvSpPr>
@@ -2611,7 +2635,7 @@
         <p:spPr>
           <a:xfrm>
             <a:off x="503640" y="93600"/>
-            <a:ext cx="9075600" cy="1675080"/>
+            <a:ext cx="9075240" cy="1674720"/>
           </a:xfrm>
           <a:prstGeom prst="rect">
             <a:avLst/>
@@ -2620,13 +2644,14 @@
         <p:txBody>
           <a:bodyPr lIns="0" rIns="0" tIns="0" bIns="0" anchor="ctr"/>
           <a:p>
-            <a:endParaRPr/>
-          </a:p>
-        </p:txBody>
-      </p:sp>
-      <p:sp>
-        <p:nvSpPr>
-          <p:cNvPr id="101" name="PlaceHolder 2"/>
+            <a:pPr algn="ctr"/>
+            <a:endParaRPr/>
+          </a:p>
+        </p:txBody>
+      </p:sp>
+      <p:sp>
+        <p:nvSpPr>
+          <p:cNvPr id="99" name="PlaceHolder 2"/>
           <p:cNvSpPr>
             <a:spLocks noGrp="1"/>
           </p:cNvSpPr>
@@ -2637,74 +2662,74 @@
         <p:spPr>
           <a:xfrm>
             <a:off x="503640" y="1769040"/>
-            <a:ext cx="4428720" cy="2761920"/>
-          </a:xfrm>
-          <a:prstGeom prst="rect">
-            <a:avLst/>
-          </a:prstGeom>
-        </p:spPr>
-        <p:txBody>
-          <a:bodyPr lIns="0" rIns="0" tIns="0" bIns="0"/>
-          <a:p>
-            <a:endParaRPr/>
-          </a:p>
-        </p:txBody>
-      </p:sp>
-      <p:sp>
-        <p:nvSpPr>
-          <p:cNvPr id="102" name="PlaceHolder 3"/>
-          <p:cNvSpPr>
-            <a:spLocks noGrp="1"/>
-          </p:cNvSpPr>
-          <p:nvPr>
-            <p:ph type="body"/>
-          </p:nvPr>
-        </p:nvSpPr>
-        <p:spPr>
-          <a:xfrm>
-            <a:off x="5154120" y="1769040"/>
-            <a:ext cx="4428720" cy="2761920"/>
-          </a:xfrm>
-          <a:prstGeom prst="rect">
-            <a:avLst/>
-          </a:prstGeom>
-        </p:spPr>
-        <p:txBody>
-          <a:bodyPr lIns="0" rIns="0" tIns="0" bIns="0"/>
-          <a:p>
-            <a:endParaRPr/>
-          </a:p>
-        </p:txBody>
-      </p:sp>
-      <p:sp>
-        <p:nvSpPr>
-          <p:cNvPr id="103" name="PlaceHolder 4"/>
-          <p:cNvSpPr>
-            <a:spLocks noGrp="1"/>
-          </p:cNvSpPr>
-          <p:nvPr>
-            <p:ph type="body"/>
-          </p:nvPr>
-        </p:nvSpPr>
-        <p:spPr>
-          <a:xfrm>
-            <a:off x="5154120" y="4793760"/>
-            <a:ext cx="4428720" cy="2761920"/>
-          </a:xfrm>
-          <a:prstGeom prst="rect">
-            <a:avLst/>
-          </a:prstGeom>
-        </p:spPr>
-        <p:txBody>
-          <a:bodyPr lIns="0" rIns="0" tIns="0" bIns="0"/>
-          <a:p>
-            <a:endParaRPr/>
-          </a:p>
-        </p:txBody>
-      </p:sp>
-      <p:sp>
-        <p:nvSpPr>
-          <p:cNvPr id="104" name="PlaceHolder 5"/>
+            <a:ext cx="4428360" cy="2761920"/>
+          </a:xfrm>
+          <a:prstGeom prst="rect">
+            <a:avLst/>
+          </a:prstGeom>
+        </p:spPr>
+        <p:txBody>
+          <a:bodyPr lIns="0" rIns="0" tIns="0" bIns="0"/>
+          <a:p>
+            <a:endParaRPr/>
+          </a:p>
+        </p:txBody>
+      </p:sp>
+      <p:sp>
+        <p:nvSpPr>
+          <p:cNvPr id="100" name="PlaceHolder 3"/>
+          <p:cNvSpPr>
+            <a:spLocks noGrp="1"/>
+          </p:cNvSpPr>
+          <p:nvPr>
+            <p:ph type="body"/>
+          </p:nvPr>
+        </p:nvSpPr>
+        <p:spPr>
+          <a:xfrm>
+            <a:off x="5153760" y="1769040"/>
+            <a:ext cx="4428360" cy="2761920"/>
+          </a:xfrm>
+          <a:prstGeom prst="rect">
+            <a:avLst/>
+          </a:prstGeom>
+        </p:spPr>
+        <p:txBody>
+          <a:bodyPr lIns="0" rIns="0" tIns="0" bIns="0"/>
+          <a:p>
+            <a:endParaRPr/>
+          </a:p>
+        </p:txBody>
+      </p:sp>
+      <p:sp>
+        <p:nvSpPr>
+          <p:cNvPr id="101" name="PlaceHolder 4"/>
+          <p:cNvSpPr>
+            <a:spLocks noGrp="1"/>
+          </p:cNvSpPr>
+          <p:nvPr>
+            <p:ph type="body"/>
+          </p:nvPr>
+        </p:nvSpPr>
+        <p:spPr>
+          <a:xfrm>
+            <a:off x="5153760" y="4793760"/>
+            <a:ext cx="4428360" cy="2761920"/>
+          </a:xfrm>
+          <a:prstGeom prst="rect">
+            <a:avLst/>
+          </a:prstGeom>
+        </p:spPr>
+        <p:txBody>
+          <a:bodyPr lIns="0" rIns="0" tIns="0" bIns="0"/>
+          <a:p>
+            <a:endParaRPr/>
+          </a:p>
+        </p:txBody>
+      </p:sp>
+      <p:sp>
+        <p:nvSpPr>
+          <p:cNvPr id="102" name="PlaceHolder 5"/>
           <p:cNvSpPr>
             <a:spLocks noGrp="1"/>
           </p:cNvSpPr>
@@ -2715,7 +2740,7 @@
         <p:spPr>
           <a:xfrm>
             <a:off x="503640" y="4793760"/>
-            <a:ext cx="4428720" cy="2761920"/>
+            <a:ext cx="4428360" cy="2761920"/>
           </a:xfrm>
           <a:prstGeom prst="rect">
             <a:avLst/>
@@ -2752,7 +2777,7 @@
       </p:grpSpPr>
       <p:sp>
         <p:nvSpPr>
-          <p:cNvPr id="105" name="PlaceHolder 1"/>
+          <p:cNvPr id="103" name="PlaceHolder 1"/>
           <p:cNvSpPr>
             <a:spLocks noGrp="1"/>
           </p:cNvSpPr>
@@ -2763,7 +2788,7 @@
         <p:spPr>
           <a:xfrm>
             <a:off x="503640" y="93600"/>
-            <a:ext cx="9075600" cy="1675080"/>
+            <a:ext cx="9075240" cy="1674720"/>
           </a:xfrm>
           <a:prstGeom prst="rect">
             <a:avLst/>
@@ -2772,13 +2797,14 @@
         <p:txBody>
           <a:bodyPr lIns="0" rIns="0" tIns="0" bIns="0" anchor="ctr"/>
           <a:p>
-            <a:endParaRPr/>
-          </a:p>
-        </p:txBody>
-      </p:sp>
-      <p:sp>
-        <p:nvSpPr>
-          <p:cNvPr id="106" name="PlaceHolder 2"/>
+            <a:pPr algn="ctr"/>
+            <a:endParaRPr/>
+          </a:p>
+        </p:txBody>
+      </p:sp>
+      <p:sp>
+        <p:nvSpPr>
+          <p:cNvPr id="104" name="PlaceHolder 2"/>
           <p:cNvSpPr>
             <a:spLocks noGrp="1"/>
           </p:cNvSpPr>
@@ -2789,22 +2815,22 @@
         <p:spPr>
           <a:xfrm>
             <a:off x="503640" y="1769040"/>
-            <a:ext cx="9075600" cy="5790600"/>
-          </a:xfrm>
-          <a:prstGeom prst="rect">
-            <a:avLst/>
-          </a:prstGeom>
-        </p:spPr>
-        <p:txBody>
-          <a:bodyPr lIns="0" rIns="0" tIns="0" bIns="0"/>
-          <a:p>
-            <a:endParaRPr/>
-          </a:p>
-        </p:txBody>
-      </p:sp>
-      <p:sp>
-        <p:nvSpPr>
-          <p:cNvPr id="107" name="PlaceHolder 3"/>
+            <a:ext cx="9075240" cy="5790240"/>
+          </a:xfrm>
+          <a:prstGeom prst="rect">
+            <a:avLst/>
+          </a:prstGeom>
+        </p:spPr>
+        <p:txBody>
+          <a:bodyPr lIns="0" rIns="0" tIns="0" bIns="0"/>
+          <a:p>
+            <a:endParaRPr/>
+          </a:p>
+        </p:txBody>
+      </p:sp>
+      <p:sp>
+        <p:nvSpPr>
+          <p:cNvPr id="105" name="PlaceHolder 3"/>
           <p:cNvSpPr>
             <a:spLocks noGrp="1"/>
           </p:cNvSpPr>
@@ -2815,7 +2841,7 @@
         <p:spPr>
           <a:xfrm>
             <a:off x="503640" y="1769040"/>
-            <a:ext cx="9075600" cy="5790600"/>
+            <a:ext cx="9075240" cy="5790240"/>
           </a:xfrm>
           <a:prstGeom prst="rect">
             <a:avLst/>
@@ -2830,7 +2856,7 @@
       </p:sp>
       <p:pic>
         <p:nvPicPr>
-          <p:cNvPr id="108" name="" descr=""/>
+          <p:cNvPr id="106" name="" descr=""/>
           <p:cNvPicPr/>
           <p:nvPr/>
         </p:nvPicPr>
@@ -2840,8 +2866,8 @@
         </p:blipFill>
         <p:spPr>
           <a:xfrm>
-            <a:off x="1412640" y="1768680"/>
-            <a:ext cx="7257600" cy="5790600"/>
+            <a:off x="1412640" y="1769040"/>
+            <a:ext cx="7256880" cy="5790240"/>
           </a:xfrm>
           <a:prstGeom prst="rect">
             <a:avLst/>
@@ -2853,7 +2879,7 @@
       </p:pic>
       <p:pic>
         <p:nvPicPr>
-          <p:cNvPr id="109" name="" descr=""/>
+          <p:cNvPr id="107" name="" descr=""/>
           <p:cNvPicPr/>
           <p:nvPr/>
         </p:nvPicPr>
@@ -2863,8 +2889,8 @@
         </p:blipFill>
         <p:spPr>
           <a:xfrm>
-            <a:off x="1412640" y="1768680"/>
-            <a:ext cx="7257600" cy="5790600"/>
+            <a:off x="1412640" y="1769040"/>
+            <a:ext cx="7256880" cy="5790240"/>
           </a:xfrm>
           <a:prstGeom prst="rect">
             <a:avLst/>
@@ -2920,7 +2946,7 @@
       </p:grpSpPr>
       <p:sp>
         <p:nvSpPr>
-          <p:cNvPr id="113" name="PlaceHolder 1"/>
+          <p:cNvPr id="110" name="PlaceHolder 1"/>
           <p:cNvSpPr>
             <a:spLocks noGrp="1"/>
           </p:cNvSpPr>
@@ -2931,7 +2957,7 @@
         <p:spPr>
           <a:xfrm>
             <a:off x="503640" y="93600"/>
-            <a:ext cx="9075600" cy="1675080"/>
+            <a:ext cx="9075240" cy="1674720"/>
           </a:xfrm>
           <a:prstGeom prst="rect">
             <a:avLst/>
@@ -2940,13 +2966,14 @@
         <p:txBody>
           <a:bodyPr lIns="0" rIns="0" tIns="0" bIns="0" anchor="ctr"/>
           <a:p>
-            <a:endParaRPr/>
-          </a:p>
-        </p:txBody>
-      </p:sp>
-      <p:sp>
-        <p:nvSpPr>
-          <p:cNvPr id="114" name="PlaceHolder 2"/>
+            <a:pPr algn="ctr"/>
+            <a:endParaRPr/>
+          </a:p>
+        </p:txBody>
+      </p:sp>
+      <p:sp>
+        <p:nvSpPr>
+          <p:cNvPr id="111" name="PlaceHolder 2"/>
           <p:cNvSpPr>
             <a:spLocks noGrp="1"/>
           </p:cNvSpPr>
@@ -2957,7 +2984,7 @@
         <p:spPr>
           <a:xfrm>
             <a:off x="503640" y="1769040"/>
-            <a:ext cx="9075600" cy="5790600"/>
+            <a:ext cx="9075240" cy="5790240"/>
           </a:xfrm>
           <a:prstGeom prst="rect">
             <a:avLst/>
@@ -2995,7 +3022,7 @@
       </p:grpSpPr>
       <p:sp>
         <p:nvSpPr>
-          <p:cNvPr id="115" name="PlaceHolder 1"/>
+          <p:cNvPr id="112" name="PlaceHolder 1"/>
           <p:cNvSpPr>
             <a:spLocks noGrp="1"/>
           </p:cNvSpPr>
@@ -3006,7 +3033,7 @@
         <p:spPr>
           <a:xfrm>
             <a:off x="503640" y="93600"/>
-            <a:ext cx="9075600" cy="1675080"/>
+            <a:ext cx="9075240" cy="1674720"/>
           </a:xfrm>
           <a:prstGeom prst="rect">
             <a:avLst/>
@@ -3015,13 +3042,14 @@
         <p:txBody>
           <a:bodyPr lIns="0" rIns="0" tIns="0" bIns="0" anchor="ctr"/>
           <a:p>
-            <a:endParaRPr/>
-          </a:p>
-        </p:txBody>
-      </p:sp>
-      <p:sp>
-        <p:nvSpPr>
-          <p:cNvPr id="116" name="PlaceHolder 2"/>
+            <a:pPr algn="ctr"/>
+            <a:endParaRPr/>
+          </a:p>
+        </p:txBody>
+      </p:sp>
+      <p:sp>
+        <p:nvSpPr>
+          <p:cNvPr id="113" name="PlaceHolder 2"/>
           <p:cNvSpPr>
             <a:spLocks noGrp="1"/>
           </p:cNvSpPr>
@@ -3032,7 +3060,7 @@
         <p:spPr>
           <a:xfrm>
             <a:off x="503640" y="1769040"/>
-            <a:ext cx="9075600" cy="5790600"/>
+            <a:ext cx="9075240" cy="5790240"/>
           </a:xfrm>
           <a:prstGeom prst="rect">
             <a:avLst/>
@@ -3069,7 +3097,7 @@
       </p:grpSpPr>
       <p:sp>
         <p:nvSpPr>
-          <p:cNvPr id="9" name="PlaceHolder 1"/>
+          <p:cNvPr id="6" name="PlaceHolder 1"/>
           <p:cNvSpPr>
             <a:spLocks noGrp="1"/>
           </p:cNvSpPr>
@@ -3080,7 +3108,7 @@
         <p:spPr>
           <a:xfrm>
             <a:off x="503640" y="93600"/>
-            <a:ext cx="9075600" cy="1675080"/>
+            <a:ext cx="9075240" cy="1674720"/>
           </a:xfrm>
           <a:prstGeom prst="rect">
             <a:avLst/>
@@ -3089,13 +3117,14 @@
         <p:txBody>
           <a:bodyPr lIns="0" rIns="0" tIns="0" bIns="0" anchor="ctr"/>
           <a:p>
-            <a:endParaRPr/>
-          </a:p>
-        </p:txBody>
-      </p:sp>
-      <p:sp>
-        <p:nvSpPr>
-          <p:cNvPr id="10" name="PlaceHolder 2"/>
+            <a:pPr algn="ctr"/>
+            <a:endParaRPr/>
+          </a:p>
+        </p:txBody>
+      </p:sp>
+      <p:sp>
+        <p:nvSpPr>
+          <p:cNvPr id="7" name="PlaceHolder 2"/>
           <p:cNvSpPr>
             <a:spLocks noGrp="1"/>
           </p:cNvSpPr>
@@ -3106,33 +3135,33 @@
         <p:spPr>
           <a:xfrm>
             <a:off x="503640" y="1769040"/>
-            <a:ext cx="4428720" cy="5790600"/>
-          </a:xfrm>
-          <a:prstGeom prst="rect">
-            <a:avLst/>
-          </a:prstGeom>
-        </p:spPr>
-        <p:txBody>
-          <a:bodyPr lIns="0" rIns="0" tIns="0" bIns="0"/>
-          <a:p>
-            <a:endParaRPr/>
-          </a:p>
-        </p:txBody>
-      </p:sp>
-      <p:sp>
-        <p:nvSpPr>
-          <p:cNvPr id="11" name="PlaceHolder 3"/>
-          <p:cNvSpPr>
-            <a:spLocks noGrp="1"/>
-          </p:cNvSpPr>
-          <p:nvPr>
-            <p:ph type="body"/>
-          </p:nvPr>
-        </p:nvSpPr>
-        <p:spPr>
-          <a:xfrm>
-            <a:off x="5154120" y="1769040"/>
-            <a:ext cx="4428720" cy="5790600"/>
+            <a:ext cx="4428360" cy="5790240"/>
+          </a:xfrm>
+          <a:prstGeom prst="rect">
+            <a:avLst/>
+          </a:prstGeom>
+        </p:spPr>
+        <p:txBody>
+          <a:bodyPr lIns="0" rIns="0" tIns="0" bIns="0"/>
+          <a:p>
+            <a:endParaRPr/>
+          </a:p>
+        </p:txBody>
+      </p:sp>
+      <p:sp>
+        <p:nvSpPr>
+          <p:cNvPr id="8" name="PlaceHolder 3"/>
+          <p:cNvSpPr>
+            <a:spLocks noGrp="1"/>
+          </p:cNvSpPr>
+          <p:nvPr>
+            <p:ph type="body"/>
+          </p:nvPr>
+        </p:nvSpPr>
+        <p:spPr>
+          <a:xfrm>
+            <a:off x="5153760" y="1769040"/>
+            <a:ext cx="4428360" cy="5790240"/>
           </a:xfrm>
           <a:prstGeom prst="rect">
             <a:avLst/>
@@ -3169,7 +3198,7 @@
       </p:grpSpPr>
       <p:sp>
         <p:nvSpPr>
-          <p:cNvPr id="117" name="PlaceHolder 1"/>
+          <p:cNvPr id="114" name="PlaceHolder 1"/>
           <p:cNvSpPr>
             <a:spLocks noGrp="1"/>
           </p:cNvSpPr>
@@ -3180,7 +3209,7 @@
         <p:spPr>
           <a:xfrm>
             <a:off x="503640" y="93600"/>
-            <a:ext cx="9075600" cy="1675080"/>
+            <a:ext cx="9075240" cy="1674720"/>
           </a:xfrm>
           <a:prstGeom prst="rect">
             <a:avLst/>
@@ -3189,13 +3218,14 @@
         <p:txBody>
           <a:bodyPr lIns="0" rIns="0" tIns="0" bIns="0" anchor="ctr"/>
           <a:p>
-            <a:endParaRPr/>
-          </a:p>
-        </p:txBody>
-      </p:sp>
-      <p:sp>
-        <p:nvSpPr>
-          <p:cNvPr id="118" name="PlaceHolder 2"/>
+            <a:pPr algn="ctr"/>
+            <a:endParaRPr/>
+          </a:p>
+        </p:txBody>
+      </p:sp>
+      <p:sp>
+        <p:nvSpPr>
+          <p:cNvPr id="115" name="PlaceHolder 2"/>
           <p:cNvSpPr>
             <a:spLocks noGrp="1"/>
           </p:cNvSpPr>
@@ -3206,33 +3236,33 @@
         <p:spPr>
           <a:xfrm>
             <a:off x="503640" y="1769040"/>
-            <a:ext cx="4428720" cy="5790600"/>
-          </a:xfrm>
-          <a:prstGeom prst="rect">
-            <a:avLst/>
-          </a:prstGeom>
-        </p:spPr>
-        <p:txBody>
-          <a:bodyPr lIns="0" rIns="0" tIns="0" bIns="0"/>
-          <a:p>
-            <a:endParaRPr/>
-          </a:p>
-        </p:txBody>
-      </p:sp>
-      <p:sp>
-        <p:nvSpPr>
-          <p:cNvPr id="119" name="PlaceHolder 3"/>
-          <p:cNvSpPr>
-            <a:spLocks noGrp="1"/>
-          </p:cNvSpPr>
-          <p:nvPr>
-            <p:ph type="body"/>
-          </p:nvPr>
-        </p:nvSpPr>
-        <p:spPr>
-          <a:xfrm>
-            <a:off x="5154120" y="1769040"/>
-            <a:ext cx="4428720" cy="5790600"/>
+            <a:ext cx="4428360" cy="5790240"/>
+          </a:xfrm>
+          <a:prstGeom prst="rect">
+            <a:avLst/>
+          </a:prstGeom>
+        </p:spPr>
+        <p:txBody>
+          <a:bodyPr lIns="0" rIns="0" tIns="0" bIns="0"/>
+          <a:p>
+            <a:endParaRPr/>
+          </a:p>
+        </p:txBody>
+      </p:sp>
+      <p:sp>
+        <p:nvSpPr>
+          <p:cNvPr id="116" name="PlaceHolder 3"/>
+          <p:cNvSpPr>
+            <a:spLocks noGrp="1"/>
+          </p:cNvSpPr>
+          <p:nvPr>
+            <p:ph type="body"/>
+          </p:nvPr>
+        </p:nvSpPr>
+        <p:spPr>
+          <a:xfrm>
+            <a:off x="5153760" y="1769040"/>
+            <a:ext cx="4428360" cy="5790240"/>
           </a:xfrm>
           <a:prstGeom prst="rect">
             <a:avLst/>
@@ -3269,7 +3299,7 @@
       </p:grpSpPr>
       <p:sp>
         <p:nvSpPr>
-          <p:cNvPr id="120" name="PlaceHolder 1"/>
+          <p:cNvPr id="117" name="PlaceHolder 1"/>
           <p:cNvSpPr>
             <a:spLocks noGrp="1"/>
           </p:cNvSpPr>
@@ -3280,7 +3310,7 @@
         <p:spPr>
           <a:xfrm>
             <a:off x="503640" y="93600"/>
-            <a:ext cx="9075600" cy="1675080"/>
+            <a:ext cx="9075240" cy="1674720"/>
           </a:xfrm>
           <a:prstGeom prst="rect">
             <a:avLst/>
@@ -3289,6 +3319,7 @@
         <p:txBody>
           <a:bodyPr lIns="0" rIns="0" tIns="0" bIns="0" anchor="ctr"/>
           <a:p>
+            <a:pPr algn="ctr"/>
             <a:endParaRPr/>
           </a:p>
         </p:txBody>
@@ -3317,7 +3348,7 @@
       </p:grpSpPr>
       <p:sp>
         <p:nvSpPr>
-          <p:cNvPr id="121" name="PlaceHolder 1"/>
+          <p:cNvPr id="118" name="PlaceHolder 1"/>
           <p:cNvSpPr>
             <a:spLocks noGrp="1"/>
           </p:cNvSpPr>
@@ -3328,7 +3359,7 @@
         <p:spPr>
           <a:xfrm>
             <a:off x="503640" y="93600"/>
-            <a:ext cx="9075600" cy="7765920"/>
+            <a:ext cx="9075240" cy="7764480"/>
           </a:xfrm>
           <a:prstGeom prst="rect">
             <a:avLst/>
@@ -3366,7 +3397,7 @@
       </p:grpSpPr>
       <p:sp>
         <p:nvSpPr>
-          <p:cNvPr id="122" name="PlaceHolder 1"/>
+          <p:cNvPr id="119" name="PlaceHolder 1"/>
           <p:cNvSpPr>
             <a:spLocks noGrp="1"/>
           </p:cNvSpPr>
@@ -3377,7 +3408,7 @@
         <p:spPr>
           <a:xfrm>
             <a:off x="503640" y="93600"/>
-            <a:ext cx="9075600" cy="1675080"/>
+            <a:ext cx="9075240" cy="1674720"/>
           </a:xfrm>
           <a:prstGeom prst="rect">
             <a:avLst/>
@@ -3386,13 +3417,14 @@
         <p:txBody>
           <a:bodyPr lIns="0" rIns="0" tIns="0" bIns="0" anchor="ctr"/>
           <a:p>
-            <a:endParaRPr/>
-          </a:p>
-        </p:txBody>
-      </p:sp>
-      <p:sp>
-        <p:nvSpPr>
-          <p:cNvPr id="123" name="PlaceHolder 2"/>
+            <a:pPr algn="ctr"/>
+            <a:endParaRPr/>
+          </a:p>
+        </p:txBody>
+      </p:sp>
+      <p:sp>
+        <p:nvSpPr>
+          <p:cNvPr id="120" name="PlaceHolder 2"/>
           <p:cNvSpPr>
             <a:spLocks noGrp="1"/>
           </p:cNvSpPr>
@@ -3403,22 +3435,22 @@
         <p:spPr>
           <a:xfrm>
             <a:off x="503640" y="1769040"/>
-            <a:ext cx="4428720" cy="2761920"/>
-          </a:xfrm>
-          <a:prstGeom prst="rect">
-            <a:avLst/>
-          </a:prstGeom>
-        </p:spPr>
-        <p:txBody>
-          <a:bodyPr lIns="0" rIns="0" tIns="0" bIns="0"/>
-          <a:p>
-            <a:endParaRPr/>
-          </a:p>
-        </p:txBody>
-      </p:sp>
-      <p:sp>
-        <p:nvSpPr>
-          <p:cNvPr id="124" name="PlaceHolder 3"/>
+            <a:ext cx="4428360" cy="2761920"/>
+          </a:xfrm>
+          <a:prstGeom prst="rect">
+            <a:avLst/>
+          </a:prstGeom>
+        </p:spPr>
+        <p:txBody>
+          <a:bodyPr lIns="0" rIns="0" tIns="0" bIns="0"/>
+          <a:p>
+            <a:endParaRPr/>
+          </a:p>
+        </p:txBody>
+      </p:sp>
+      <p:sp>
+        <p:nvSpPr>
+          <p:cNvPr id="121" name="PlaceHolder 3"/>
           <p:cNvSpPr>
             <a:spLocks noGrp="1"/>
           </p:cNvSpPr>
@@ -3429,33 +3461,33 @@
         <p:spPr>
           <a:xfrm>
             <a:off x="503640" y="4793760"/>
-            <a:ext cx="4428720" cy="2761920"/>
-          </a:xfrm>
-          <a:prstGeom prst="rect">
-            <a:avLst/>
-          </a:prstGeom>
-        </p:spPr>
-        <p:txBody>
-          <a:bodyPr lIns="0" rIns="0" tIns="0" bIns="0"/>
-          <a:p>
-            <a:endParaRPr/>
-          </a:p>
-        </p:txBody>
-      </p:sp>
-      <p:sp>
-        <p:nvSpPr>
-          <p:cNvPr id="125" name="PlaceHolder 4"/>
-          <p:cNvSpPr>
-            <a:spLocks noGrp="1"/>
-          </p:cNvSpPr>
-          <p:nvPr>
-            <p:ph type="body"/>
-          </p:nvPr>
-        </p:nvSpPr>
-        <p:spPr>
-          <a:xfrm>
-            <a:off x="5154120" y="1769040"/>
-            <a:ext cx="4428720" cy="5790600"/>
+            <a:ext cx="4428360" cy="2761920"/>
+          </a:xfrm>
+          <a:prstGeom prst="rect">
+            <a:avLst/>
+          </a:prstGeom>
+        </p:spPr>
+        <p:txBody>
+          <a:bodyPr lIns="0" rIns="0" tIns="0" bIns="0"/>
+          <a:p>
+            <a:endParaRPr/>
+          </a:p>
+        </p:txBody>
+      </p:sp>
+      <p:sp>
+        <p:nvSpPr>
+          <p:cNvPr id="122" name="PlaceHolder 4"/>
+          <p:cNvSpPr>
+            <a:spLocks noGrp="1"/>
+          </p:cNvSpPr>
+          <p:nvPr>
+            <p:ph type="body"/>
+          </p:nvPr>
+        </p:nvSpPr>
+        <p:spPr>
+          <a:xfrm>
+            <a:off x="5153760" y="1769040"/>
+            <a:ext cx="4428360" cy="5790240"/>
           </a:xfrm>
           <a:prstGeom prst="rect">
             <a:avLst/>
@@ -3492,7 +3524,7 @@
       </p:grpSpPr>
       <p:sp>
         <p:nvSpPr>
-          <p:cNvPr id="126" name="PlaceHolder 1"/>
+          <p:cNvPr id="123" name="PlaceHolder 1"/>
           <p:cNvSpPr>
             <a:spLocks noGrp="1"/>
           </p:cNvSpPr>
@@ -3503,7 +3535,7 @@
         <p:spPr>
           <a:xfrm>
             <a:off x="503640" y="93600"/>
-            <a:ext cx="9075600" cy="1675080"/>
+            <a:ext cx="9075240" cy="1674720"/>
           </a:xfrm>
           <a:prstGeom prst="rect">
             <a:avLst/>
@@ -3512,13 +3544,14 @@
         <p:txBody>
           <a:bodyPr lIns="0" rIns="0" tIns="0" bIns="0" anchor="ctr"/>
           <a:p>
-            <a:endParaRPr/>
-          </a:p>
-        </p:txBody>
-      </p:sp>
-      <p:sp>
-        <p:nvSpPr>
-          <p:cNvPr id="127" name="PlaceHolder 2"/>
+            <a:pPr algn="ctr"/>
+            <a:endParaRPr/>
+          </a:p>
+        </p:txBody>
+      </p:sp>
+      <p:sp>
+        <p:nvSpPr>
+          <p:cNvPr id="124" name="PlaceHolder 2"/>
           <p:cNvSpPr>
             <a:spLocks noGrp="1"/>
           </p:cNvSpPr>
@@ -3529,59 +3562,59 @@
         <p:spPr>
           <a:xfrm>
             <a:off x="503640" y="1769040"/>
-            <a:ext cx="4428720" cy="5790600"/>
-          </a:xfrm>
-          <a:prstGeom prst="rect">
-            <a:avLst/>
-          </a:prstGeom>
-        </p:spPr>
-        <p:txBody>
-          <a:bodyPr lIns="0" rIns="0" tIns="0" bIns="0"/>
-          <a:p>
-            <a:endParaRPr/>
-          </a:p>
-        </p:txBody>
-      </p:sp>
-      <p:sp>
-        <p:nvSpPr>
-          <p:cNvPr id="128" name="PlaceHolder 3"/>
-          <p:cNvSpPr>
-            <a:spLocks noGrp="1"/>
-          </p:cNvSpPr>
-          <p:nvPr>
-            <p:ph type="body"/>
-          </p:nvPr>
-        </p:nvSpPr>
-        <p:spPr>
-          <a:xfrm>
-            <a:off x="5154120" y="1769040"/>
-            <a:ext cx="4428720" cy="2761920"/>
-          </a:xfrm>
-          <a:prstGeom prst="rect">
-            <a:avLst/>
-          </a:prstGeom>
-        </p:spPr>
-        <p:txBody>
-          <a:bodyPr lIns="0" rIns="0" tIns="0" bIns="0"/>
-          <a:p>
-            <a:endParaRPr/>
-          </a:p>
-        </p:txBody>
-      </p:sp>
-      <p:sp>
-        <p:nvSpPr>
-          <p:cNvPr id="129" name="PlaceHolder 4"/>
-          <p:cNvSpPr>
-            <a:spLocks noGrp="1"/>
-          </p:cNvSpPr>
-          <p:nvPr>
-            <p:ph type="body"/>
-          </p:nvPr>
-        </p:nvSpPr>
-        <p:spPr>
-          <a:xfrm>
-            <a:off x="5154120" y="4793760"/>
-            <a:ext cx="4428720" cy="2761920"/>
+            <a:ext cx="4428360" cy="5790240"/>
+          </a:xfrm>
+          <a:prstGeom prst="rect">
+            <a:avLst/>
+          </a:prstGeom>
+        </p:spPr>
+        <p:txBody>
+          <a:bodyPr lIns="0" rIns="0" tIns="0" bIns="0"/>
+          <a:p>
+            <a:endParaRPr/>
+          </a:p>
+        </p:txBody>
+      </p:sp>
+      <p:sp>
+        <p:nvSpPr>
+          <p:cNvPr id="125" name="PlaceHolder 3"/>
+          <p:cNvSpPr>
+            <a:spLocks noGrp="1"/>
+          </p:cNvSpPr>
+          <p:nvPr>
+            <p:ph type="body"/>
+          </p:nvPr>
+        </p:nvSpPr>
+        <p:spPr>
+          <a:xfrm>
+            <a:off x="5153760" y="1769040"/>
+            <a:ext cx="4428360" cy="2761920"/>
+          </a:xfrm>
+          <a:prstGeom prst="rect">
+            <a:avLst/>
+          </a:prstGeom>
+        </p:spPr>
+        <p:txBody>
+          <a:bodyPr lIns="0" rIns="0" tIns="0" bIns="0"/>
+          <a:p>
+            <a:endParaRPr/>
+          </a:p>
+        </p:txBody>
+      </p:sp>
+      <p:sp>
+        <p:nvSpPr>
+          <p:cNvPr id="126" name="PlaceHolder 4"/>
+          <p:cNvSpPr>
+            <a:spLocks noGrp="1"/>
+          </p:cNvSpPr>
+          <p:nvPr>
+            <p:ph type="body"/>
+          </p:nvPr>
+        </p:nvSpPr>
+        <p:spPr>
+          <a:xfrm>
+            <a:off x="5153760" y="4793760"/>
+            <a:ext cx="4428360" cy="2761920"/>
           </a:xfrm>
           <a:prstGeom prst="rect">
             <a:avLst/>
@@ -3618,7 +3651,7 @@
       </p:grpSpPr>
       <p:sp>
         <p:nvSpPr>
-          <p:cNvPr id="130" name="PlaceHolder 1"/>
+          <p:cNvPr id="127" name="PlaceHolder 1"/>
           <p:cNvSpPr>
             <a:spLocks noGrp="1"/>
           </p:cNvSpPr>
@@ -3629,7 +3662,7 @@
         <p:spPr>
           <a:xfrm>
             <a:off x="503640" y="93600"/>
-            <a:ext cx="9075600" cy="1675080"/>
+            <a:ext cx="9075240" cy="1674720"/>
           </a:xfrm>
           <a:prstGeom prst="rect">
             <a:avLst/>
@@ -3638,13 +3671,14 @@
         <p:txBody>
           <a:bodyPr lIns="0" rIns="0" tIns="0" bIns="0" anchor="ctr"/>
           <a:p>
-            <a:endParaRPr/>
-          </a:p>
-        </p:txBody>
-      </p:sp>
-      <p:sp>
-        <p:nvSpPr>
-          <p:cNvPr id="131" name="PlaceHolder 2"/>
+            <a:pPr algn="ctr"/>
+            <a:endParaRPr/>
+          </a:p>
+        </p:txBody>
+      </p:sp>
+      <p:sp>
+        <p:nvSpPr>
+          <p:cNvPr id="128" name="PlaceHolder 2"/>
           <p:cNvSpPr>
             <a:spLocks noGrp="1"/>
           </p:cNvSpPr>
@@ -3655,48 +3689,48 @@
         <p:spPr>
           <a:xfrm>
             <a:off x="503640" y="1769040"/>
-            <a:ext cx="4428720" cy="2761920"/>
-          </a:xfrm>
-          <a:prstGeom prst="rect">
-            <a:avLst/>
-          </a:prstGeom>
-        </p:spPr>
-        <p:txBody>
-          <a:bodyPr lIns="0" rIns="0" tIns="0" bIns="0"/>
-          <a:p>
-            <a:endParaRPr/>
-          </a:p>
-        </p:txBody>
-      </p:sp>
-      <p:sp>
-        <p:nvSpPr>
-          <p:cNvPr id="132" name="PlaceHolder 3"/>
-          <p:cNvSpPr>
-            <a:spLocks noGrp="1"/>
-          </p:cNvSpPr>
-          <p:nvPr>
-            <p:ph type="body"/>
-          </p:nvPr>
-        </p:nvSpPr>
-        <p:spPr>
-          <a:xfrm>
-            <a:off x="5154120" y="1769040"/>
-            <a:ext cx="4428720" cy="2761920"/>
-          </a:xfrm>
-          <a:prstGeom prst="rect">
-            <a:avLst/>
-          </a:prstGeom>
-        </p:spPr>
-        <p:txBody>
-          <a:bodyPr lIns="0" rIns="0" tIns="0" bIns="0"/>
-          <a:p>
-            <a:endParaRPr/>
-          </a:p>
-        </p:txBody>
-      </p:sp>
-      <p:sp>
-        <p:nvSpPr>
-          <p:cNvPr id="133" name="PlaceHolder 4"/>
+            <a:ext cx="4428360" cy="2761920"/>
+          </a:xfrm>
+          <a:prstGeom prst="rect">
+            <a:avLst/>
+          </a:prstGeom>
+        </p:spPr>
+        <p:txBody>
+          <a:bodyPr lIns="0" rIns="0" tIns="0" bIns="0"/>
+          <a:p>
+            <a:endParaRPr/>
+          </a:p>
+        </p:txBody>
+      </p:sp>
+      <p:sp>
+        <p:nvSpPr>
+          <p:cNvPr id="129" name="PlaceHolder 3"/>
+          <p:cNvSpPr>
+            <a:spLocks noGrp="1"/>
+          </p:cNvSpPr>
+          <p:nvPr>
+            <p:ph type="body"/>
+          </p:nvPr>
+        </p:nvSpPr>
+        <p:spPr>
+          <a:xfrm>
+            <a:off x="5153760" y="1769040"/>
+            <a:ext cx="4428360" cy="2761920"/>
+          </a:xfrm>
+          <a:prstGeom prst="rect">
+            <a:avLst/>
+          </a:prstGeom>
+        </p:spPr>
+        <p:txBody>
+          <a:bodyPr lIns="0" rIns="0" tIns="0" bIns="0"/>
+          <a:p>
+            <a:endParaRPr/>
+          </a:p>
+        </p:txBody>
+      </p:sp>
+      <p:sp>
+        <p:nvSpPr>
+          <p:cNvPr id="130" name="PlaceHolder 4"/>
           <p:cNvSpPr>
             <a:spLocks noGrp="1"/>
           </p:cNvSpPr>
@@ -3707,7 +3741,7 @@
         <p:spPr>
           <a:xfrm>
             <a:off x="503640" y="4793760"/>
-            <a:ext cx="9075600" cy="2761920"/>
+            <a:ext cx="9075240" cy="2761920"/>
           </a:xfrm>
           <a:prstGeom prst="rect">
             <a:avLst/>
@@ -3744,7 +3778,7 @@
       </p:grpSpPr>
       <p:sp>
         <p:nvSpPr>
-          <p:cNvPr id="134" name="PlaceHolder 1"/>
+          <p:cNvPr id="131" name="PlaceHolder 1"/>
           <p:cNvSpPr>
             <a:spLocks noGrp="1"/>
           </p:cNvSpPr>
@@ -3755,7 +3789,7 @@
         <p:spPr>
           <a:xfrm>
             <a:off x="503640" y="93600"/>
-            <a:ext cx="9075600" cy="1675080"/>
+            <a:ext cx="9075240" cy="1674720"/>
           </a:xfrm>
           <a:prstGeom prst="rect">
             <a:avLst/>
@@ -3764,13 +3798,14 @@
         <p:txBody>
           <a:bodyPr lIns="0" rIns="0" tIns="0" bIns="0" anchor="ctr"/>
           <a:p>
-            <a:endParaRPr/>
-          </a:p>
-        </p:txBody>
-      </p:sp>
-      <p:sp>
-        <p:nvSpPr>
-          <p:cNvPr id="135" name="PlaceHolder 2"/>
+            <a:pPr algn="ctr"/>
+            <a:endParaRPr/>
+          </a:p>
+        </p:txBody>
+      </p:sp>
+      <p:sp>
+        <p:nvSpPr>
+          <p:cNvPr id="132" name="PlaceHolder 2"/>
           <p:cNvSpPr>
             <a:spLocks noGrp="1"/>
           </p:cNvSpPr>
@@ -3781,22 +3816,22 @@
         <p:spPr>
           <a:xfrm>
             <a:off x="503640" y="1769040"/>
-            <a:ext cx="9075600" cy="2761920"/>
-          </a:xfrm>
-          <a:prstGeom prst="rect">
-            <a:avLst/>
-          </a:prstGeom>
-        </p:spPr>
-        <p:txBody>
-          <a:bodyPr lIns="0" rIns="0" tIns="0" bIns="0"/>
-          <a:p>
-            <a:endParaRPr/>
-          </a:p>
-        </p:txBody>
-      </p:sp>
-      <p:sp>
-        <p:nvSpPr>
-          <p:cNvPr id="136" name="PlaceHolder 3"/>
+            <a:ext cx="9075240" cy="2761920"/>
+          </a:xfrm>
+          <a:prstGeom prst="rect">
+            <a:avLst/>
+          </a:prstGeom>
+        </p:spPr>
+        <p:txBody>
+          <a:bodyPr lIns="0" rIns="0" tIns="0" bIns="0"/>
+          <a:p>
+            <a:endParaRPr/>
+          </a:p>
+        </p:txBody>
+      </p:sp>
+      <p:sp>
+        <p:nvSpPr>
+          <p:cNvPr id="133" name="PlaceHolder 3"/>
           <p:cNvSpPr>
             <a:spLocks noGrp="1"/>
           </p:cNvSpPr>
@@ -3807,7 +3842,7 @@
         <p:spPr>
           <a:xfrm>
             <a:off x="503640" y="4793760"/>
-            <a:ext cx="9075600" cy="2761920"/>
+            <a:ext cx="9075240" cy="2761920"/>
           </a:xfrm>
           <a:prstGeom prst="rect">
             <a:avLst/>
@@ -3844,7 +3879,7 @@
       </p:grpSpPr>
       <p:sp>
         <p:nvSpPr>
-          <p:cNvPr id="137" name="PlaceHolder 1"/>
+          <p:cNvPr id="134" name="PlaceHolder 1"/>
           <p:cNvSpPr>
             <a:spLocks noGrp="1"/>
           </p:cNvSpPr>
@@ -3855,7 +3890,7 @@
         <p:spPr>
           <a:xfrm>
             <a:off x="503640" y="93600"/>
-            <a:ext cx="9075600" cy="1675080"/>
+            <a:ext cx="9075240" cy="1674720"/>
           </a:xfrm>
           <a:prstGeom prst="rect">
             <a:avLst/>
@@ -3864,13 +3899,14 @@
         <p:txBody>
           <a:bodyPr lIns="0" rIns="0" tIns="0" bIns="0" anchor="ctr"/>
           <a:p>
-            <a:endParaRPr/>
-          </a:p>
-        </p:txBody>
-      </p:sp>
-      <p:sp>
-        <p:nvSpPr>
-          <p:cNvPr id="138" name="PlaceHolder 2"/>
+            <a:pPr algn="ctr"/>
+            <a:endParaRPr/>
+          </a:p>
+        </p:txBody>
+      </p:sp>
+      <p:sp>
+        <p:nvSpPr>
+          <p:cNvPr id="135" name="PlaceHolder 2"/>
           <p:cNvSpPr>
             <a:spLocks noGrp="1"/>
           </p:cNvSpPr>
@@ -3881,74 +3917,74 @@
         <p:spPr>
           <a:xfrm>
             <a:off x="503640" y="1769040"/>
-            <a:ext cx="4428720" cy="2761920"/>
-          </a:xfrm>
-          <a:prstGeom prst="rect">
-            <a:avLst/>
-          </a:prstGeom>
-        </p:spPr>
-        <p:txBody>
-          <a:bodyPr lIns="0" rIns="0" tIns="0" bIns="0"/>
-          <a:p>
-            <a:endParaRPr/>
-          </a:p>
-        </p:txBody>
-      </p:sp>
-      <p:sp>
-        <p:nvSpPr>
-          <p:cNvPr id="139" name="PlaceHolder 3"/>
-          <p:cNvSpPr>
-            <a:spLocks noGrp="1"/>
-          </p:cNvSpPr>
-          <p:nvPr>
-            <p:ph type="body"/>
-          </p:nvPr>
-        </p:nvSpPr>
-        <p:spPr>
-          <a:xfrm>
-            <a:off x="5154120" y="1769040"/>
-            <a:ext cx="4428720" cy="2761920"/>
-          </a:xfrm>
-          <a:prstGeom prst="rect">
-            <a:avLst/>
-          </a:prstGeom>
-        </p:spPr>
-        <p:txBody>
-          <a:bodyPr lIns="0" rIns="0" tIns="0" bIns="0"/>
-          <a:p>
-            <a:endParaRPr/>
-          </a:p>
-        </p:txBody>
-      </p:sp>
-      <p:sp>
-        <p:nvSpPr>
-          <p:cNvPr id="140" name="PlaceHolder 4"/>
-          <p:cNvSpPr>
-            <a:spLocks noGrp="1"/>
-          </p:cNvSpPr>
-          <p:nvPr>
-            <p:ph type="body"/>
-          </p:nvPr>
-        </p:nvSpPr>
-        <p:spPr>
-          <a:xfrm>
-            <a:off x="5154120" y="4793760"/>
-            <a:ext cx="4428720" cy="2761920"/>
-          </a:xfrm>
-          <a:prstGeom prst="rect">
-            <a:avLst/>
-          </a:prstGeom>
-        </p:spPr>
-        <p:txBody>
-          <a:bodyPr lIns="0" rIns="0" tIns="0" bIns="0"/>
-          <a:p>
-            <a:endParaRPr/>
-          </a:p>
-        </p:txBody>
-      </p:sp>
-      <p:sp>
-        <p:nvSpPr>
-          <p:cNvPr id="141" name="PlaceHolder 5"/>
+            <a:ext cx="4428360" cy="2761920"/>
+          </a:xfrm>
+          <a:prstGeom prst="rect">
+            <a:avLst/>
+          </a:prstGeom>
+        </p:spPr>
+        <p:txBody>
+          <a:bodyPr lIns="0" rIns="0" tIns="0" bIns="0"/>
+          <a:p>
+            <a:endParaRPr/>
+          </a:p>
+        </p:txBody>
+      </p:sp>
+      <p:sp>
+        <p:nvSpPr>
+          <p:cNvPr id="136" name="PlaceHolder 3"/>
+          <p:cNvSpPr>
+            <a:spLocks noGrp="1"/>
+          </p:cNvSpPr>
+          <p:nvPr>
+            <p:ph type="body"/>
+          </p:nvPr>
+        </p:nvSpPr>
+        <p:spPr>
+          <a:xfrm>
+            <a:off x="5153760" y="1769040"/>
+            <a:ext cx="4428360" cy="2761920"/>
+          </a:xfrm>
+          <a:prstGeom prst="rect">
+            <a:avLst/>
+          </a:prstGeom>
+        </p:spPr>
+        <p:txBody>
+          <a:bodyPr lIns="0" rIns="0" tIns="0" bIns="0"/>
+          <a:p>
+            <a:endParaRPr/>
+          </a:p>
+        </p:txBody>
+      </p:sp>
+      <p:sp>
+        <p:nvSpPr>
+          <p:cNvPr id="137" name="PlaceHolder 4"/>
+          <p:cNvSpPr>
+            <a:spLocks noGrp="1"/>
+          </p:cNvSpPr>
+          <p:nvPr>
+            <p:ph type="body"/>
+          </p:nvPr>
+        </p:nvSpPr>
+        <p:spPr>
+          <a:xfrm>
+            <a:off x="5153760" y="4793760"/>
+            <a:ext cx="4428360" cy="2761920"/>
+          </a:xfrm>
+          <a:prstGeom prst="rect">
+            <a:avLst/>
+          </a:prstGeom>
+        </p:spPr>
+        <p:txBody>
+          <a:bodyPr lIns="0" rIns="0" tIns="0" bIns="0"/>
+          <a:p>
+            <a:endParaRPr/>
+          </a:p>
+        </p:txBody>
+      </p:sp>
+      <p:sp>
+        <p:nvSpPr>
+          <p:cNvPr id="138" name="PlaceHolder 5"/>
           <p:cNvSpPr>
             <a:spLocks noGrp="1"/>
           </p:cNvSpPr>
@@ -3959,7 +3995,7 @@
         <p:spPr>
           <a:xfrm>
             <a:off x="503640" y="4793760"/>
-            <a:ext cx="4428720" cy="2761920"/>
+            <a:ext cx="4428360" cy="2761920"/>
           </a:xfrm>
           <a:prstGeom prst="rect">
             <a:avLst/>
@@ -3996,7 +4032,7 @@
       </p:grpSpPr>
       <p:sp>
         <p:nvSpPr>
-          <p:cNvPr id="142" name="PlaceHolder 1"/>
+          <p:cNvPr id="139" name="PlaceHolder 1"/>
           <p:cNvSpPr>
             <a:spLocks noGrp="1"/>
           </p:cNvSpPr>
@@ -4007,7 +4043,7 @@
         <p:spPr>
           <a:xfrm>
             <a:off x="503640" y="93600"/>
-            <a:ext cx="9075600" cy="1675080"/>
+            <a:ext cx="9075240" cy="1674720"/>
           </a:xfrm>
           <a:prstGeom prst="rect">
             <a:avLst/>
@@ -4016,13 +4052,14 @@
         <p:txBody>
           <a:bodyPr lIns="0" rIns="0" tIns="0" bIns="0" anchor="ctr"/>
           <a:p>
-            <a:endParaRPr/>
-          </a:p>
-        </p:txBody>
-      </p:sp>
-      <p:sp>
-        <p:nvSpPr>
-          <p:cNvPr id="143" name="PlaceHolder 2"/>
+            <a:pPr algn="ctr"/>
+            <a:endParaRPr/>
+          </a:p>
+        </p:txBody>
+      </p:sp>
+      <p:sp>
+        <p:nvSpPr>
+          <p:cNvPr id="140" name="PlaceHolder 2"/>
           <p:cNvSpPr>
             <a:spLocks noGrp="1"/>
           </p:cNvSpPr>
@@ -4033,22 +4070,22 @@
         <p:spPr>
           <a:xfrm>
             <a:off x="503640" y="1769040"/>
-            <a:ext cx="9075600" cy="5790600"/>
-          </a:xfrm>
-          <a:prstGeom prst="rect">
-            <a:avLst/>
-          </a:prstGeom>
-        </p:spPr>
-        <p:txBody>
-          <a:bodyPr lIns="0" rIns="0" tIns="0" bIns="0"/>
-          <a:p>
-            <a:endParaRPr/>
-          </a:p>
-        </p:txBody>
-      </p:sp>
-      <p:sp>
-        <p:nvSpPr>
-          <p:cNvPr id="144" name="PlaceHolder 3"/>
+            <a:ext cx="9075240" cy="5790240"/>
+          </a:xfrm>
+          <a:prstGeom prst="rect">
+            <a:avLst/>
+          </a:prstGeom>
+        </p:spPr>
+        <p:txBody>
+          <a:bodyPr lIns="0" rIns="0" tIns="0" bIns="0"/>
+          <a:p>
+            <a:endParaRPr/>
+          </a:p>
+        </p:txBody>
+      </p:sp>
+      <p:sp>
+        <p:nvSpPr>
+          <p:cNvPr id="141" name="PlaceHolder 3"/>
           <p:cNvSpPr>
             <a:spLocks noGrp="1"/>
           </p:cNvSpPr>
@@ -4059,7 +4096,7 @@
         <p:spPr>
           <a:xfrm>
             <a:off x="503640" y="1769040"/>
-            <a:ext cx="9075600" cy="5790600"/>
+            <a:ext cx="9075240" cy="5790240"/>
           </a:xfrm>
           <a:prstGeom prst="rect">
             <a:avLst/>
@@ -4074,7 +4111,7 @@
       </p:sp>
       <p:pic>
         <p:nvPicPr>
-          <p:cNvPr id="145" name="" descr=""/>
+          <p:cNvPr id="142" name="" descr=""/>
           <p:cNvPicPr/>
           <p:nvPr/>
         </p:nvPicPr>
@@ -4084,8 +4121,8 @@
         </p:blipFill>
         <p:spPr>
           <a:xfrm>
-            <a:off x="1412640" y="1768680"/>
-            <a:ext cx="7257600" cy="5790600"/>
+            <a:off x="1412640" y="1769040"/>
+            <a:ext cx="7256880" cy="5790240"/>
           </a:xfrm>
           <a:prstGeom prst="rect">
             <a:avLst/>
@@ -4097,7 +4134,7 @@
       </p:pic>
       <p:pic>
         <p:nvPicPr>
-          <p:cNvPr id="146" name="" descr=""/>
+          <p:cNvPr id="143" name="" descr=""/>
           <p:cNvPicPr/>
           <p:nvPr/>
         </p:nvPicPr>
@@ -4107,8 +4144,8 @@
         </p:blipFill>
         <p:spPr>
           <a:xfrm>
-            <a:off x="1412640" y="1768680"/>
-            <a:ext cx="7257600" cy="5790600"/>
+            <a:off x="1412640" y="1769040"/>
+            <a:ext cx="7256880" cy="5790240"/>
           </a:xfrm>
           <a:prstGeom prst="rect">
             <a:avLst/>
@@ -4118,28 +4155,6 @@
           </a:ln>
         </p:spPr>
       </p:pic>
-    </p:spTree>
-  </p:cSld>
-</p:sldLayout>
-</file>
-
-<file path=ppt/slideLayouts/slideLayout49.xml><?xml version="1.0" encoding="utf-8"?>
-<p:sldLayout xmlns:a="http://schemas.openxmlformats.org/drawingml/2006/main" xmlns:p="http://schemas.openxmlformats.org/presentationml/2006/main" xmlns:r="http://schemas.openxmlformats.org/officeDocument/2006/relationships" type="blank" preserve="1">
-  <p:cSld name="Blank Slide">
-    <p:spTree>
-      <p:nvGrpSpPr>
-        <p:cNvPr id="1" name=""/>
-        <p:cNvGrpSpPr/>
-        <p:nvPr/>
-      </p:nvGrpSpPr>
-      <p:grpSpPr>
-        <a:xfrm>
-          <a:off x="0" y="0"/>
-          <a:ext cx="0" cy="0"/>
-          <a:chOff x="0" y="0"/>
-          <a:chExt cx="0" cy="0"/>
-        </a:xfrm>
-      </p:grpSpPr>
     </p:spTree>
   </p:cSld>
 </p:sldLayout>
@@ -4164,7 +4179,7 @@
       </p:grpSpPr>
       <p:sp>
         <p:nvSpPr>
-          <p:cNvPr id="12" name="PlaceHolder 1"/>
+          <p:cNvPr id="9" name="PlaceHolder 1"/>
           <p:cNvSpPr>
             <a:spLocks noGrp="1"/>
           </p:cNvSpPr>
@@ -4175,7 +4190,7 @@
         <p:spPr>
           <a:xfrm>
             <a:off x="503640" y="93600"/>
-            <a:ext cx="9075600" cy="1675080"/>
+            <a:ext cx="9075240" cy="1674720"/>
           </a:xfrm>
           <a:prstGeom prst="rect">
             <a:avLst/>
@@ -4184,982 +4199,7 @@
         <p:txBody>
           <a:bodyPr lIns="0" rIns="0" tIns="0" bIns="0" anchor="ctr"/>
           <a:p>
-            <a:endParaRPr/>
-          </a:p>
-        </p:txBody>
-      </p:sp>
-    </p:spTree>
-  </p:cSld>
-</p:sldLayout>
-</file>
-
-<file path=ppt/slideLayouts/slideLayout50.xml><?xml version="1.0" encoding="utf-8"?>
-<p:sldLayout xmlns:a="http://schemas.openxmlformats.org/drawingml/2006/main" xmlns:p="http://schemas.openxmlformats.org/presentationml/2006/main" xmlns:r="http://schemas.openxmlformats.org/officeDocument/2006/relationships" type="tx" preserve="1">
-  <p:cSld name="Title Slide">
-    <p:spTree>
-      <p:nvGrpSpPr>
-        <p:cNvPr id="1" name=""/>
-        <p:cNvGrpSpPr/>
-        <p:nvPr/>
-      </p:nvGrpSpPr>
-      <p:grpSpPr>
-        <a:xfrm>
-          <a:off x="0" y="0"/>
-          <a:ext cx="0" cy="0"/>
-          <a:chOff x="0" y="0"/>
-          <a:chExt cx="0" cy="0"/>
-        </a:xfrm>
-      </p:grpSpPr>
-      <p:sp>
-        <p:nvSpPr>
-          <p:cNvPr id="150" name="PlaceHolder 1"/>
-          <p:cNvSpPr>
-            <a:spLocks noGrp="1"/>
-          </p:cNvSpPr>
-          <p:nvPr>
-            <p:ph type="title"/>
-          </p:nvPr>
-        </p:nvSpPr>
-        <p:spPr>
-          <a:xfrm>
-            <a:off x="503640" y="93600"/>
-            <a:ext cx="9075600" cy="1675080"/>
-          </a:xfrm>
-          <a:prstGeom prst="rect">
-            <a:avLst/>
-          </a:prstGeom>
-        </p:spPr>
-        <p:txBody>
-          <a:bodyPr lIns="0" rIns="0" tIns="0" bIns="0" anchor="ctr"/>
-          <a:p>
-            <a:endParaRPr/>
-          </a:p>
-        </p:txBody>
-      </p:sp>
-      <p:sp>
-        <p:nvSpPr>
-          <p:cNvPr id="151" name="PlaceHolder 2"/>
-          <p:cNvSpPr>
-            <a:spLocks noGrp="1"/>
-          </p:cNvSpPr>
-          <p:nvPr>
-            <p:ph type="subTitle"/>
-          </p:nvPr>
-        </p:nvSpPr>
-        <p:spPr>
-          <a:xfrm>
-            <a:off x="503640" y="1769040"/>
-            <a:ext cx="9075600" cy="5790600"/>
-          </a:xfrm>
-          <a:prstGeom prst="rect">
-            <a:avLst/>
-          </a:prstGeom>
-        </p:spPr>
-        <p:txBody>
-          <a:bodyPr lIns="0" rIns="0" tIns="0" bIns="0" anchor="ctr"/>
-          <a:p>
             <a:pPr algn="ctr"/>
-            <a:endParaRPr/>
-          </a:p>
-        </p:txBody>
-      </p:sp>
-    </p:spTree>
-  </p:cSld>
-</p:sldLayout>
-</file>
-
-<file path=ppt/slideLayouts/slideLayout51.xml><?xml version="1.0" encoding="utf-8"?>
-<p:sldLayout xmlns:a="http://schemas.openxmlformats.org/drawingml/2006/main" xmlns:p="http://schemas.openxmlformats.org/presentationml/2006/main" xmlns:r="http://schemas.openxmlformats.org/officeDocument/2006/relationships" type="obj" preserve="1">
-  <p:cSld name="Title, Content">
-    <p:spTree>
-      <p:nvGrpSpPr>
-        <p:cNvPr id="1" name=""/>
-        <p:cNvGrpSpPr/>
-        <p:nvPr/>
-      </p:nvGrpSpPr>
-      <p:grpSpPr>
-        <a:xfrm>
-          <a:off x="0" y="0"/>
-          <a:ext cx="0" cy="0"/>
-          <a:chOff x="0" y="0"/>
-          <a:chExt cx="0" cy="0"/>
-        </a:xfrm>
-      </p:grpSpPr>
-      <p:sp>
-        <p:nvSpPr>
-          <p:cNvPr id="152" name="PlaceHolder 1"/>
-          <p:cNvSpPr>
-            <a:spLocks noGrp="1"/>
-          </p:cNvSpPr>
-          <p:nvPr>
-            <p:ph type="title"/>
-          </p:nvPr>
-        </p:nvSpPr>
-        <p:spPr>
-          <a:xfrm>
-            <a:off x="503640" y="93600"/>
-            <a:ext cx="9075600" cy="1675080"/>
-          </a:xfrm>
-          <a:prstGeom prst="rect">
-            <a:avLst/>
-          </a:prstGeom>
-        </p:spPr>
-        <p:txBody>
-          <a:bodyPr lIns="0" rIns="0" tIns="0" bIns="0" anchor="ctr"/>
-          <a:p>
-            <a:endParaRPr/>
-          </a:p>
-        </p:txBody>
-      </p:sp>
-      <p:sp>
-        <p:nvSpPr>
-          <p:cNvPr id="153" name="PlaceHolder 2"/>
-          <p:cNvSpPr>
-            <a:spLocks noGrp="1"/>
-          </p:cNvSpPr>
-          <p:nvPr>
-            <p:ph type="body"/>
-          </p:nvPr>
-        </p:nvSpPr>
-        <p:spPr>
-          <a:xfrm>
-            <a:off x="503640" y="1769040"/>
-            <a:ext cx="9075600" cy="5790600"/>
-          </a:xfrm>
-          <a:prstGeom prst="rect">
-            <a:avLst/>
-          </a:prstGeom>
-        </p:spPr>
-        <p:txBody>
-          <a:bodyPr lIns="0" rIns="0" tIns="0" bIns="0"/>
-          <a:p>
-            <a:endParaRPr/>
-          </a:p>
-        </p:txBody>
-      </p:sp>
-    </p:spTree>
-  </p:cSld>
-</p:sldLayout>
-</file>
-
-<file path=ppt/slideLayouts/slideLayout52.xml><?xml version="1.0" encoding="utf-8"?>
-<p:sldLayout xmlns:a="http://schemas.openxmlformats.org/drawingml/2006/main" xmlns:p="http://schemas.openxmlformats.org/presentationml/2006/main" xmlns:r="http://schemas.openxmlformats.org/officeDocument/2006/relationships" type="twoObj" preserve="1">
-  <p:cSld name="Title, 2 Content">
-    <p:spTree>
-      <p:nvGrpSpPr>
-        <p:cNvPr id="1" name=""/>
-        <p:cNvGrpSpPr/>
-        <p:nvPr/>
-      </p:nvGrpSpPr>
-      <p:grpSpPr>
-        <a:xfrm>
-          <a:off x="0" y="0"/>
-          <a:ext cx="0" cy="0"/>
-          <a:chOff x="0" y="0"/>
-          <a:chExt cx="0" cy="0"/>
-        </a:xfrm>
-      </p:grpSpPr>
-      <p:sp>
-        <p:nvSpPr>
-          <p:cNvPr id="154" name="PlaceHolder 1"/>
-          <p:cNvSpPr>
-            <a:spLocks noGrp="1"/>
-          </p:cNvSpPr>
-          <p:nvPr>
-            <p:ph type="title"/>
-          </p:nvPr>
-        </p:nvSpPr>
-        <p:spPr>
-          <a:xfrm>
-            <a:off x="503640" y="93600"/>
-            <a:ext cx="9075600" cy="1675080"/>
-          </a:xfrm>
-          <a:prstGeom prst="rect">
-            <a:avLst/>
-          </a:prstGeom>
-        </p:spPr>
-        <p:txBody>
-          <a:bodyPr lIns="0" rIns="0" tIns="0" bIns="0" anchor="ctr"/>
-          <a:p>
-            <a:endParaRPr/>
-          </a:p>
-        </p:txBody>
-      </p:sp>
-      <p:sp>
-        <p:nvSpPr>
-          <p:cNvPr id="155" name="PlaceHolder 2"/>
-          <p:cNvSpPr>
-            <a:spLocks noGrp="1"/>
-          </p:cNvSpPr>
-          <p:nvPr>
-            <p:ph type="body"/>
-          </p:nvPr>
-        </p:nvSpPr>
-        <p:spPr>
-          <a:xfrm>
-            <a:off x="503640" y="1769040"/>
-            <a:ext cx="4428720" cy="5790600"/>
-          </a:xfrm>
-          <a:prstGeom prst="rect">
-            <a:avLst/>
-          </a:prstGeom>
-        </p:spPr>
-        <p:txBody>
-          <a:bodyPr lIns="0" rIns="0" tIns="0" bIns="0"/>
-          <a:p>
-            <a:endParaRPr/>
-          </a:p>
-        </p:txBody>
-      </p:sp>
-      <p:sp>
-        <p:nvSpPr>
-          <p:cNvPr id="156" name="PlaceHolder 3"/>
-          <p:cNvSpPr>
-            <a:spLocks noGrp="1"/>
-          </p:cNvSpPr>
-          <p:nvPr>
-            <p:ph type="body"/>
-          </p:nvPr>
-        </p:nvSpPr>
-        <p:spPr>
-          <a:xfrm>
-            <a:off x="5154120" y="1769040"/>
-            <a:ext cx="4428720" cy="5790600"/>
-          </a:xfrm>
-          <a:prstGeom prst="rect">
-            <a:avLst/>
-          </a:prstGeom>
-        </p:spPr>
-        <p:txBody>
-          <a:bodyPr lIns="0" rIns="0" tIns="0" bIns="0"/>
-          <a:p>
-            <a:endParaRPr/>
-          </a:p>
-        </p:txBody>
-      </p:sp>
-    </p:spTree>
-  </p:cSld>
-</p:sldLayout>
-</file>
-
-<file path=ppt/slideLayouts/slideLayout53.xml><?xml version="1.0" encoding="utf-8"?>
-<p:sldLayout xmlns:a="http://schemas.openxmlformats.org/drawingml/2006/main" xmlns:p="http://schemas.openxmlformats.org/presentationml/2006/main" xmlns:r="http://schemas.openxmlformats.org/officeDocument/2006/relationships" type="titleOnly" preserve="1">
-  <p:cSld name="Title Only">
-    <p:spTree>
-      <p:nvGrpSpPr>
-        <p:cNvPr id="1" name=""/>
-        <p:cNvGrpSpPr/>
-        <p:nvPr/>
-      </p:nvGrpSpPr>
-      <p:grpSpPr>
-        <a:xfrm>
-          <a:off x="0" y="0"/>
-          <a:ext cx="0" cy="0"/>
-          <a:chOff x="0" y="0"/>
-          <a:chExt cx="0" cy="0"/>
-        </a:xfrm>
-      </p:grpSpPr>
-      <p:sp>
-        <p:nvSpPr>
-          <p:cNvPr id="157" name="PlaceHolder 1"/>
-          <p:cNvSpPr>
-            <a:spLocks noGrp="1"/>
-          </p:cNvSpPr>
-          <p:nvPr>
-            <p:ph type="title"/>
-          </p:nvPr>
-        </p:nvSpPr>
-        <p:spPr>
-          <a:xfrm>
-            <a:off x="503640" y="93600"/>
-            <a:ext cx="9075600" cy="1675080"/>
-          </a:xfrm>
-          <a:prstGeom prst="rect">
-            <a:avLst/>
-          </a:prstGeom>
-        </p:spPr>
-        <p:txBody>
-          <a:bodyPr lIns="0" rIns="0" tIns="0" bIns="0" anchor="ctr"/>
-          <a:p>
-            <a:endParaRPr/>
-          </a:p>
-        </p:txBody>
-      </p:sp>
-    </p:spTree>
-  </p:cSld>
-</p:sldLayout>
-</file>
-
-<file path=ppt/slideLayouts/slideLayout54.xml><?xml version="1.0" encoding="utf-8"?>
-<p:sldLayout xmlns:a="http://schemas.openxmlformats.org/drawingml/2006/main" xmlns:p="http://schemas.openxmlformats.org/presentationml/2006/main" xmlns:r="http://schemas.openxmlformats.org/officeDocument/2006/relationships" type="objOnly" preserve="1">
-  <p:cSld name="Centered Text">
-    <p:spTree>
-      <p:nvGrpSpPr>
-        <p:cNvPr id="1" name=""/>
-        <p:cNvGrpSpPr/>
-        <p:nvPr/>
-      </p:nvGrpSpPr>
-      <p:grpSpPr>
-        <a:xfrm>
-          <a:off x="0" y="0"/>
-          <a:ext cx="0" cy="0"/>
-          <a:chOff x="0" y="0"/>
-          <a:chExt cx="0" cy="0"/>
-        </a:xfrm>
-      </p:grpSpPr>
-      <p:sp>
-        <p:nvSpPr>
-          <p:cNvPr id="158" name="PlaceHolder 1"/>
-          <p:cNvSpPr>
-            <a:spLocks noGrp="1"/>
-          </p:cNvSpPr>
-          <p:nvPr>
-            <p:ph type="subTitle"/>
-          </p:nvPr>
-        </p:nvSpPr>
-        <p:spPr>
-          <a:xfrm>
-            <a:off x="503640" y="93600"/>
-            <a:ext cx="9075600" cy="7765920"/>
-          </a:xfrm>
-          <a:prstGeom prst="rect">
-            <a:avLst/>
-          </a:prstGeom>
-        </p:spPr>
-        <p:txBody>
-          <a:bodyPr lIns="0" rIns="0" tIns="0" bIns="0" anchor="ctr"/>
-          <a:p>
-            <a:pPr algn="ctr"/>
-            <a:endParaRPr/>
-          </a:p>
-        </p:txBody>
-      </p:sp>
-    </p:spTree>
-  </p:cSld>
-</p:sldLayout>
-</file>
-
-<file path=ppt/slideLayouts/slideLayout55.xml><?xml version="1.0" encoding="utf-8"?>
-<p:sldLayout xmlns:a="http://schemas.openxmlformats.org/drawingml/2006/main" xmlns:p="http://schemas.openxmlformats.org/presentationml/2006/main" xmlns:r="http://schemas.openxmlformats.org/officeDocument/2006/relationships" type="twoObjAndObj" preserve="1">
-  <p:cSld name="Title, 2 Content and Content">
-    <p:spTree>
-      <p:nvGrpSpPr>
-        <p:cNvPr id="1" name=""/>
-        <p:cNvGrpSpPr/>
-        <p:nvPr/>
-      </p:nvGrpSpPr>
-      <p:grpSpPr>
-        <a:xfrm>
-          <a:off x="0" y="0"/>
-          <a:ext cx="0" cy="0"/>
-          <a:chOff x="0" y="0"/>
-          <a:chExt cx="0" cy="0"/>
-        </a:xfrm>
-      </p:grpSpPr>
-      <p:sp>
-        <p:nvSpPr>
-          <p:cNvPr id="159" name="PlaceHolder 1"/>
-          <p:cNvSpPr>
-            <a:spLocks noGrp="1"/>
-          </p:cNvSpPr>
-          <p:nvPr>
-            <p:ph type="title"/>
-          </p:nvPr>
-        </p:nvSpPr>
-        <p:spPr>
-          <a:xfrm>
-            <a:off x="503640" y="93600"/>
-            <a:ext cx="9075600" cy="1675080"/>
-          </a:xfrm>
-          <a:prstGeom prst="rect">
-            <a:avLst/>
-          </a:prstGeom>
-        </p:spPr>
-        <p:txBody>
-          <a:bodyPr lIns="0" rIns="0" tIns="0" bIns="0" anchor="ctr"/>
-          <a:p>
-            <a:endParaRPr/>
-          </a:p>
-        </p:txBody>
-      </p:sp>
-      <p:sp>
-        <p:nvSpPr>
-          <p:cNvPr id="160" name="PlaceHolder 2"/>
-          <p:cNvSpPr>
-            <a:spLocks noGrp="1"/>
-          </p:cNvSpPr>
-          <p:nvPr>
-            <p:ph type="body"/>
-          </p:nvPr>
-        </p:nvSpPr>
-        <p:spPr>
-          <a:xfrm>
-            <a:off x="503640" y="1769040"/>
-            <a:ext cx="4428720" cy="2761920"/>
-          </a:xfrm>
-          <a:prstGeom prst="rect">
-            <a:avLst/>
-          </a:prstGeom>
-        </p:spPr>
-        <p:txBody>
-          <a:bodyPr lIns="0" rIns="0" tIns="0" bIns="0"/>
-          <a:p>
-            <a:endParaRPr/>
-          </a:p>
-        </p:txBody>
-      </p:sp>
-      <p:sp>
-        <p:nvSpPr>
-          <p:cNvPr id="161" name="PlaceHolder 3"/>
-          <p:cNvSpPr>
-            <a:spLocks noGrp="1"/>
-          </p:cNvSpPr>
-          <p:nvPr>
-            <p:ph type="body"/>
-          </p:nvPr>
-        </p:nvSpPr>
-        <p:spPr>
-          <a:xfrm>
-            <a:off x="503640" y="4793760"/>
-            <a:ext cx="4428720" cy="2761920"/>
-          </a:xfrm>
-          <a:prstGeom prst="rect">
-            <a:avLst/>
-          </a:prstGeom>
-        </p:spPr>
-        <p:txBody>
-          <a:bodyPr lIns="0" rIns="0" tIns="0" bIns="0"/>
-          <a:p>
-            <a:endParaRPr/>
-          </a:p>
-        </p:txBody>
-      </p:sp>
-      <p:sp>
-        <p:nvSpPr>
-          <p:cNvPr id="162" name="PlaceHolder 4"/>
-          <p:cNvSpPr>
-            <a:spLocks noGrp="1"/>
-          </p:cNvSpPr>
-          <p:nvPr>
-            <p:ph type="body"/>
-          </p:nvPr>
-        </p:nvSpPr>
-        <p:spPr>
-          <a:xfrm>
-            <a:off x="5154120" y="1769040"/>
-            <a:ext cx="4428720" cy="5790600"/>
-          </a:xfrm>
-          <a:prstGeom prst="rect">
-            <a:avLst/>
-          </a:prstGeom>
-        </p:spPr>
-        <p:txBody>
-          <a:bodyPr lIns="0" rIns="0" tIns="0" bIns="0"/>
-          <a:p>
-            <a:endParaRPr/>
-          </a:p>
-        </p:txBody>
-      </p:sp>
-    </p:spTree>
-  </p:cSld>
-</p:sldLayout>
-</file>
-
-<file path=ppt/slideLayouts/slideLayout56.xml><?xml version="1.0" encoding="utf-8"?>
-<p:sldLayout xmlns:a="http://schemas.openxmlformats.org/drawingml/2006/main" xmlns:p="http://schemas.openxmlformats.org/presentationml/2006/main" xmlns:r="http://schemas.openxmlformats.org/officeDocument/2006/relationships" type="objAndTwoObj" preserve="1">
-  <p:cSld name="Title Content and 2 Content">
-    <p:spTree>
-      <p:nvGrpSpPr>
-        <p:cNvPr id="1" name=""/>
-        <p:cNvGrpSpPr/>
-        <p:nvPr/>
-      </p:nvGrpSpPr>
-      <p:grpSpPr>
-        <a:xfrm>
-          <a:off x="0" y="0"/>
-          <a:ext cx="0" cy="0"/>
-          <a:chOff x="0" y="0"/>
-          <a:chExt cx="0" cy="0"/>
-        </a:xfrm>
-      </p:grpSpPr>
-      <p:sp>
-        <p:nvSpPr>
-          <p:cNvPr id="163" name="PlaceHolder 1"/>
-          <p:cNvSpPr>
-            <a:spLocks noGrp="1"/>
-          </p:cNvSpPr>
-          <p:nvPr>
-            <p:ph type="title"/>
-          </p:nvPr>
-        </p:nvSpPr>
-        <p:spPr>
-          <a:xfrm>
-            <a:off x="503640" y="93600"/>
-            <a:ext cx="9075600" cy="1675080"/>
-          </a:xfrm>
-          <a:prstGeom prst="rect">
-            <a:avLst/>
-          </a:prstGeom>
-        </p:spPr>
-        <p:txBody>
-          <a:bodyPr lIns="0" rIns="0" tIns="0" bIns="0" anchor="ctr"/>
-          <a:p>
-            <a:endParaRPr/>
-          </a:p>
-        </p:txBody>
-      </p:sp>
-      <p:sp>
-        <p:nvSpPr>
-          <p:cNvPr id="164" name="PlaceHolder 2"/>
-          <p:cNvSpPr>
-            <a:spLocks noGrp="1"/>
-          </p:cNvSpPr>
-          <p:nvPr>
-            <p:ph type="body"/>
-          </p:nvPr>
-        </p:nvSpPr>
-        <p:spPr>
-          <a:xfrm>
-            <a:off x="503640" y="1769040"/>
-            <a:ext cx="4428720" cy="5790600"/>
-          </a:xfrm>
-          <a:prstGeom prst="rect">
-            <a:avLst/>
-          </a:prstGeom>
-        </p:spPr>
-        <p:txBody>
-          <a:bodyPr lIns="0" rIns="0" tIns="0" bIns="0"/>
-          <a:p>
-            <a:endParaRPr/>
-          </a:p>
-        </p:txBody>
-      </p:sp>
-      <p:sp>
-        <p:nvSpPr>
-          <p:cNvPr id="165" name="PlaceHolder 3"/>
-          <p:cNvSpPr>
-            <a:spLocks noGrp="1"/>
-          </p:cNvSpPr>
-          <p:nvPr>
-            <p:ph type="body"/>
-          </p:nvPr>
-        </p:nvSpPr>
-        <p:spPr>
-          <a:xfrm>
-            <a:off x="5154120" y="1769040"/>
-            <a:ext cx="4428720" cy="2761920"/>
-          </a:xfrm>
-          <a:prstGeom prst="rect">
-            <a:avLst/>
-          </a:prstGeom>
-        </p:spPr>
-        <p:txBody>
-          <a:bodyPr lIns="0" rIns="0" tIns="0" bIns="0"/>
-          <a:p>
-            <a:endParaRPr/>
-          </a:p>
-        </p:txBody>
-      </p:sp>
-      <p:sp>
-        <p:nvSpPr>
-          <p:cNvPr id="166" name="PlaceHolder 4"/>
-          <p:cNvSpPr>
-            <a:spLocks noGrp="1"/>
-          </p:cNvSpPr>
-          <p:nvPr>
-            <p:ph type="body"/>
-          </p:nvPr>
-        </p:nvSpPr>
-        <p:spPr>
-          <a:xfrm>
-            <a:off x="5154120" y="4793760"/>
-            <a:ext cx="4428720" cy="2761920"/>
-          </a:xfrm>
-          <a:prstGeom prst="rect">
-            <a:avLst/>
-          </a:prstGeom>
-        </p:spPr>
-        <p:txBody>
-          <a:bodyPr lIns="0" rIns="0" tIns="0" bIns="0"/>
-          <a:p>
-            <a:endParaRPr/>
-          </a:p>
-        </p:txBody>
-      </p:sp>
-    </p:spTree>
-  </p:cSld>
-</p:sldLayout>
-</file>
-
-<file path=ppt/slideLayouts/slideLayout57.xml><?xml version="1.0" encoding="utf-8"?>
-<p:sldLayout xmlns:a="http://schemas.openxmlformats.org/drawingml/2006/main" xmlns:p="http://schemas.openxmlformats.org/presentationml/2006/main" xmlns:r="http://schemas.openxmlformats.org/officeDocument/2006/relationships" type="twoObjOverTx" preserve="1">
-  <p:cSld name="Title, 2 Content over Content">
-    <p:spTree>
-      <p:nvGrpSpPr>
-        <p:cNvPr id="1" name=""/>
-        <p:cNvGrpSpPr/>
-        <p:nvPr/>
-      </p:nvGrpSpPr>
-      <p:grpSpPr>
-        <a:xfrm>
-          <a:off x="0" y="0"/>
-          <a:ext cx="0" cy="0"/>
-          <a:chOff x="0" y="0"/>
-          <a:chExt cx="0" cy="0"/>
-        </a:xfrm>
-      </p:grpSpPr>
-      <p:sp>
-        <p:nvSpPr>
-          <p:cNvPr id="167" name="PlaceHolder 1"/>
-          <p:cNvSpPr>
-            <a:spLocks noGrp="1"/>
-          </p:cNvSpPr>
-          <p:nvPr>
-            <p:ph type="title"/>
-          </p:nvPr>
-        </p:nvSpPr>
-        <p:spPr>
-          <a:xfrm>
-            <a:off x="503640" y="93600"/>
-            <a:ext cx="9075600" cy="1675080"/>
-          </a:xfrm>
-          <a:prstGeom prst="rect">
-            <a:avLst/>
-          </a:prstGeom>
-        </p:spPr>
-        <p:txBody>
-          <a:bodyPr lIns="0" rIns="0" tIns="0" bIns="0" anchor="ctr"/>
-          <a:p>
-            <a:endParaRPr/>
-          </a:p>
-        </p:txBody>
-      </p:sp>
-      <p:sp>
-        <p:nvSpPr>
-          <p:cNvPr id="168" name="PlaceHolder 2"/>
-          <p:cNvSpPr>
-            <a:spLocks noGrp="1"/>
-          </p:cNvSpPr>
-          <p:nvPr>
-            <p:ph type="body"/>
-          </p:nvPr>
-        </p:nvSpPr>
-        <p:spPr>
-          <a:xfrm>
-            <a:off x="503640" y="1769040"/>
-            <a:ext cx="4428720" cy="2761920"/>
-          </a:xfrm>
-          <a:prstGeom prst="rect">
-            <a:avLst/>
-          </a:prstGeom>
-        </p:spPr>
-        <p:txBody>
-          <a:bodyPr lIns="0" rIns="0" tIns="0" bIns="0"/>
-          <a:p>
-            <a:endParaRPr/>
-          </a:p>
-        </p:txBody>
-      </p:sp>
-      <p:sp>
-        <p:nvSpPr>
-          <p:cNvPr id="169" name="PlaceHolder 3"/>
-          <p:cNvSpPr>
-            <a:spLocks noGrp="1"/>
-          </p:cNvSpPr>
-          <p:nvPr>
-            <p:ph type="body"/>
-          </p:nvPr>
-        </p:nvSpPr>
-        <p:spPr>
-          <a:xfrm>
-            <a:off x="5154120" y="1769040"/>
-            <a:ext cx="4428720" cy="2761920"/>
-          </a:xfrm>
-          <a:prstGeom prst="rect">
-            <a:avLst/>
-          </a:prstGeom>
-        </p:spPr>
-        <p:txBody>
-          <a:bodyPr lIns="0" rIns="0" tIns="0" bIns="0"/>
-          <a:p>
-            <a:endParaRPr/>
-          </a:p>
-        </p:txBody>
-      </p:sp>
-      <p:sp>
-        <p:nvSpPr>
-          <p:cNvPr id="170" name="PlaceHolder 4"/>
-          <p:cNvSpPr>
-            <a:spLocks noGrp="1"/>
-          </p:cNvSpPr>
-          <p:nvPr>
-            <p:ph type="body"/>
-          </p:nvPr>
-        </p:nvSpPr>
-        <p:spPr>
-          <a:xfrm>
-            <a:off x="503640" y="4793760"/>
-            <a:ext cx="9075600" cy="2761920"/>
-          </a:xfrm>
-          <a:prstGeom prst="rect">
-            <a:avLst/>
-          </a:prstGeom>
-        </p:spPr>
-        <p:txBody>
-          <a:bodyPr lIns="0" rIns="0" tIns="0" bIns="0"/>
-          <a:p>
-            <a:endParaRPr/>
-          </a:p>
-        </p:txBody>
-      </p:sp>
-    </p:spTree>
-  </p:cSld>
-</p:sldLayout>
-</file>
-
-<file path=ppt/slideLayouts/slideLayout58.xml><?xml version="1.0" encoding="utf-8"?>
-<p:sldLayout xmlns:a="http://schemas.openxmlformats.org/drawingml/2006/main" xmlns:p="http://schemas.openxmlformats.org/presentationml/2006/main" xmlns:r="http://schemas.openxmlformats.org/officeDocument/2006/relationships" type="objOverTx" preserve="1">
-  <p:cSld name="Title, Content over Content">
-    <p:spTree>
-      <p:nvGrpSpPr>
-        <p:cNvPr id="1" name=""/>
-        <p:cNvGrpSpPr/>
-        <p:nvPr/>
-      </p:nvGrpSpPr>
-      <p:grpSpPr>
-        <a:xfrm>
-          <a:off x="0" y="0"/>
-          <a:ext cx="0" cy="0"/>
-          <a:chOff x="0" y="0"/>
-          <a:chExt cx="0" cy="0"/>
-        </a:xfrm>
-      </p:grpSpPr>
-      <p:sp>
-        <p:nvSpPr>
-          <p:cNvPr id="171" name="PlaceHolder 1"/>
-          <p:cNvSpPr>
-            <a:spLocks noGrp="1"/>
-          </p:cNvSpPr>
-          <p:nvPr>
-            <p:ph type="title"/>
-          </p:nvPr>
-        </p:nvSpPr>
-        <p:spPr>
-          <a:xfrm>
-            <a:off x="503640" y="93600"/>
-            <a:ext cx="9075600" cy="1675080"/>
-          </a:xfrm>
-          <a:prstGeom prst="rect">
-            <a:avLst/>
-          </a:prstGeom>
-        </p:spPr>
-        <p:txBody>
-          <a:bodyPr lIns="0" rIns="0" tIns="0" bIns="0" anchor="ctr"/>
-          <a:p>
-            <a:endParaRPr/>
-          </a:p>
-        </p:txBody>
-      </p:sp>
-      <p:sp>
-        <p:nvSpPr>
-          <p:cNvPr id="172" name="PlaceHolder 2"/>
-          <p:cNvSpPr>
-            <a:spLocks noGrp="1"/>
-          </p:cNvSpPr>
-          <p:nvPr>
-            <p:ph type="body"/>
-          </p:nvPr>
-        </p:nvSpPr>
-        <p:spPr>
-          <a:xfrm>
-            <a:off x="503640" y="1769040"/>
-            <a:ext cx="9075600" cy="2761920"/>
-          </a:xfrm>
-          <a:prstGeom prst="rect">
-            <a:avLst/>
-          </a:prstGeom>
-        </p:spPr>
-        <p:txBody>
-          <a:bodyPr lIns="0" rIns="0" tIns="0" bIns="0"/>
-          <a:p>
-            <a:endParaRPr/>
-          </a:p>
-        </p:txBody>
-      </p:sp>
-      <p:sp>
-        <p:nvSpPr>
-          <p:cNvPr id="173" name="PlaceHolder 3"/>
-          <p:cNvSpPr>
-            <a:spLocks noGrp="1"/>
-          </p:cNvSpPr>
-          <p:nvPr>
-            <p:ph type="body"/>
-          </p:nvPr>
-        </p:nvSpPr>
-        <p:spPr>
-          <a:xfrm>
-            <a:off x="503640" y="4793760"/>
-            <a:ext cx="9075600" cy="2761920"/>
-          </a:xfrm>
-          <a:prstGeom prst="rect">
-            <a:avLst/>
-          </a:prstGeom>
-        </p:spPr>
-        <p:txBody>
-          <a:bodyPr lIns="0" rIns="0" tIns="0" bIns="0"/>
-          <a:p>
-            <a:endParaRPr/>
-          </a:p>
-        </p:txBody>
-      </p:sp>
-    </p:spTree>
-  </p:cSld>
-</p:sldLayout>
-</file>
-
-<file path=ppt/slideLayouts/slideLayout59.xml><?xml version="1.0" encoding="utf-8"?>
-<p:sldLayout xmlns:a="http://schemas.openxmlformats.org/drawingml/2006/main" xmlns:p="http://schemas.openxmlformats.org/presentationml/2006/main" xmlns:r="http://schemas.openxmlformats.org/officeDocument/2006/relationships" type="fourObj" preserve="1">
-  <p:cSld name="Title, 4 Content">
-    <p:spTree>
-      <p:nvGrpSpPr>
-        <p:cNvPr id="1" name=""/>
-        <p:cNvGrpSpPr/>
-        <p:nvPr/>
-      </p:nvGrpSpPr>
-      <p:grpSpPr>
-        <a:xfrm>
-          <a:off x="0" y="0"/>
-          <a:ext cx="0" cy="0"/>
-          <a:chOff x="0" y="0"/>
-          <a:chExt cx="0" cy="0"/>
-        </a:xfrm>
-      </p:grpSpPr>
-      <p:sp>
-        <p:nvSpPr>
-          <p:cNvPr id="174" name="PlaceHolder 1"/>
-          <p:cNvSpPr>
-            <a:spLocks noGrp="1"/>
-          </p:cNvSpPr>
-          <p:nvPr>
-            <p:ph type="title"/>
-          </p:nvPr>
-        </p:nvSpPr>
-        <p:spPr>
-          <a:xfrm>
-            <a:off x="503640" y="93600"/>
-            <a:ext cx="9075600" cy="1675080"/>
-          </a:xfrm>
-          <a:prstGeom prst="rect">
-            <a:avLst/>
-          </a:prstGeom>
-        </p:spPr>
-        <p:txBody>
-          <a:bodyPr lIns="0" rIns="0" tIns="0" bIns="0" anchor="ctr"/>
-          <a:p>
-            <a:endParaRPr/>
-          </a:p>
-        </p:txBody>
-      </p:sp>
-      <p:sp>
-        <p:nvSpPr>
-          <p:cNvPr id="175" name="PlaceHolder 2"/>
-          <p:cNvSpPr>
-            <a:spLocks noGrp="1"/>
-          </p:cNvSpPr>
-          <p:nvPr>
-            <p:ph type="body"/>
-          </p:nvPr>
-        </p:nvSpPr>
-        <p:spPr>
-          <a:xfrm>
-            <a:off x="503640" y="1769040"/>
-            <a:ext cx="4428720" cy="2761920"/>
-          </a:xfrm>
-          <a:prstGeom prst="rect">
-            <a:avLst/>
-          </a:prstGeom>
-        </p:spPr>
-        <p:txBody>
-          <a:bodyPr lIns="0" rIns="0" tIns="0" bIns="0"/>
-          <a:p>
-            <a:endParaRPr/>
-          </a:p>
-        </p:txBody>
-      </p:sp>
-      <p:sp>
-        <p:nvSpPr>
-          <p:cNvPr id="176" name="PlaceHolder 3"/>
-          <p:cNvSpPr>
-            <a:spLocks noGrp="1"/>
-          </p:cNvSpPr>
-          <p:nvPr>
-            <p:ph type="body"/>
-          </p:nvPr>
-        </p:nvSpPr>
-        <p:spPr>
-          <a:xfrm>
-            <a:off x="5154120" y="1769040"/>
-            <a:ext cx="4428720" cy="2761920"/>
-          </a:xfrm>
-          <a:prstGeom prst="rect">
-            <a:avLst/>
-          </a:prstGeom>
-        </p:spPr>
-        <p:txBody>
-          <a:bodyPr lIns="0" rIns="0" tIns="0" bIns="0"/>
-          <a:p>
-            <a:endParaRPr/>
-          </a:p>
-        </p:txBody>
-      </p:sp>
-      <p:sp>
-        <p:nvSpPr>
-          <p:cNvPr id="177" name="PlaceHolder 4"/>
-          <p:cNvSpPr>
-            <a:spLocks noGrp="1"/>
-          </p:cNvSpPr>
-          <p:nvPr>
-            <p:ph type="body"/>
-          </p:nvPr>
-        </p:nvSpPr>
-        <p:spPr>
-          <a:xfrm>
-            <a:off x="5154120" y="4793760"/>
-            <a:ext cx="4428720" cy="2761920"/>
-          </a:xfrm>
-          <a:prstGeom prst="rect">
-            <a:avLst/>
-          </a:prstGeom>
-        </p:spPr>
-        <p:txBody>
-          <a:bodyPr lIns="0" rIns="0" tIns="0" bIns="0"/>
-          <a:p>
-            <a:endParaRPr/>
-          </a:p>
-        </p:txBody>
-      </p:sp>
-      <p:sp>
-        <p:nvSpPr>
-          <p:cNvPr id="178" name="PlaceHolder 5"/>
-          <p:cNvSpPr>
-            <a:spLocks noGrp="1"/>
-          </p:cNvSpPr>
-          <p:nvPr>
-            <p:ph type="body"/>
-          </p:nvPr>
-        </p:nvSpPr>
-        <p:spPr>
-          <a:xfrm>
-            <a:off x="503640" y="4793760"/>
-            <a:ext cx="4428720" cy="2761920"/>
-          </a:xfrm>
-          <a:prstGeom prst="rect">
-            <a:avLst/>
-          </a:prstGeom>
-        </p:spPr>
-        <p:txBody>
-          <a:bodyPr lIns="0" rIns="0" tIns="0" bIns="0"/>
-          <a:p>
             <a:endParaRPr/>
           </a:p>
         </p:txBody>
@@ -5188,7 +4228,7 @@
       </p:grpSpPr>
       <p:sp>
         <p:nvSpPr>
-          <p:cNvPr id="13" name="PlaceHolder 1"/>
+          <p:cNvPr id="10" name="PlaceHolder 1"/>
           <p:cNvSpPr>
             <a:spLocks noGrp="1"/>
           </p:cNvSpPr>
@@ -5199,7 +4239,7 @@
         <p:spPr>
           <a:xfrm>
             <a:off x="503640" y="93600"/>
-            <a:ext cx="9075600" cy="7765920"/>
+            <a:ext cx="9075240" cy="7764480"/>
           </a:xfrm>
           <a:prstGeom prst="rect">
             <a:avLst/>
@@ -5213,152 +4253,6 @@
           </a:p>
         </p:txBody>
       </p:sp>
-    </p:spTree>
-  </p:cSld>
-</p:sldLayout>
-</file>
-
-<file path=ppt/slideLayouts/slideLayout60.xml><?xml version="1.0" encoding="utf-8"?>
-<p:sldLayout xmlns:a="http://schemas.openxmlformats.org/drawingml/2006/main" xmlns:p="http://schemas.openxmlformats.org/presentationml/2006/main" xmlns:r="http://schemas.openxmlformats.org/officeDocument/2006/relationships" type="blank" preserve="1">
-  <p:cSld name="Title, 6 Content">
-    <p:spTree>
-      <p:nvGrpSpPr>
-        <p:cNvPr id="1" name=""/>
-        <p:cNvGrpSpPr/>
-        <p:nvPr/>
-      </p:nvGrpSpPr>
-      <p:grpSpPr>
-        <a:xfrm>
-          <a:off x="0" y="0"/>
-          <a:ext cx="0" cy="0"/>
-          <a:chOff x="0" y="0"/>
-          <a:chExt cx="0" cy="0"/>
-        </a:xfrm>
-      </p:grpSpPr>
-      <p:sp>
-        <p:nvSpPr>
-          <p:cNvPr id="179" name="PlaceHolder 1"/>
-          <p:cNvSpPr>
-            <a:spLocks noGrp="1"/>
-          </p:cNvSpPr>
-          <p:nvPr>
-            <p:ph type="title"/>
-          </p:nvPr>
-        </p:nvSpPr>
-        <p:spPr>
-          <a:xfrm>
-            <a:off x="503640" y="93600"/>
-            <a:ext cx="9075600" cy="1675080"/>
-          </a:xfrm>
-          <a:prstGeom prst="rect">
-            <a:avLst/>
-          </a:prstGeom>
-        </p:spPr>
-        <p:txBody>
-          <a:bodyPr lIns="0" rIns="0" tIns="0" bIns="0" anchor="ctr"/>
-          <a:p>
-            <a:endParaRPr/>
-          </a:p>
-        </p:txBody>
-      </p:sp>
-      <p:sp>
-        <p:nvSpPr>
-          <p:cNvPr id="180" name="PlaceHolder 2"/>
-          <p:cNvSpPr>
-            <a:spLocks noGrp="1"/>
-          </p:cNvSpPr>
-          <p:nvPr>
-            <p:ph type="body"/>
-          </p:nvPr>
-        </p:nvSpPr>
-        <p:spPr>
-          <a:xfrm>
-            <a:off x="503640" y="1769040"/>
-            <a:ext cx="9075600" cy="5790600"/>
-          </a:xfrm>
-          <a:prstGeom prst="rect">
-            <a:avLst/>
-          </a:prstGeom>
-        </p:spPr>
-        <p:txBody>
-          <a:bodyPr lIns="0" rIns="0" tIns="0" bIns="0"/>
-          <a:p>
-            <a:endParaRPr/>
-          </a:p>
-        </p:txBody>
-      </p:sp>
-      <p:sp>
-        <p:nvSpPr>
-          <p:cNvPr id="181" name="PlaceHolder 3"/>
-          <p:cNvSpPr>
-            <a:spLocks noGrp="1"/>
-          </p:cNvSpPr>
-          <p:nvPr>
-            <p:ph type="body"/>
-          </p:nvPr>
-        </p:nvSpPr>
-        <p:spPr>
-          <a:xfrm>
-            <a:off x="503640" y="1769040"/>
-            <a:ext cx="9075600" cy="5790600"/>
-          </a:xfrm>
-          <a:prstGeom prst="rect">
-            <a:avLst/>
-          </a:prstGeom>
-        </p:spPr>
-        <p:txBody>
-          <a:bodyPr lIns="0" rIns="0" tIns="0" bIns="0"/>
-          <a:p>
-            <a:endParaRPr/>
-          </a:p>
-        </p:txBody>
-      </p:sp>
-      <p:pic>
-        <p:nvPicPr>
-          <p:cNvPr id="182" name="" descr=""/>
-          <p:cNvPicPr/>
-          <p:nvPr/>
-        </p:nvPicPr>
-        <p:blipFill>
-          <a:blip r:embed="rId2"/>
-          <a:stretch/>
-        </p:blipFill>
-        <p:spPr>
-          <a:xfrm>
-            <a:off x="1412640" y="1768680"/>
-            <a:ext cx="7257600" cy="5790600"/>
-          </a:xfrm>
-          <a:prstGeom prst="rect">
-            <a:avLst/>
-          </a:prstGeom>
-          <a:ln>
-            <a:noFill/>
-          </a:ln>
-        </p:spPr>
-      </p:pic>
-      <p:pic>
-        <p:nvPicPr>
-          <p:cNvPr id="183" name="" descr=""/>
-          <p:cNvPicPr/>
-          <p:nvPr/>
-        </p:nvPicPr>
-        <p:blipFill>
-          <a:blip r:embed="rId3"/>
-          <a:stretch/>
-        </p:blipFill>
-        <p:spPr>
-          <a:xfrm>
-            <a:off x="1412640" y="1768680"/>
-            <a:ext cx="7257600" cy="5790600"/>
-          </a:xfrm>
-          <a:prstGeom prst="rect">
-            <a:avLst/>
-          </a:prstGeom>
-          <a:ln>
-            <a:noFill/>
-          </a:ln>
-        </p:spPr>
-      </p:pic>
     </p:spTree>
   </p:cSld>
 </p:sldLayout>
@@ -5383,7 +4277,7 @@
       </p:grpSpPr>
       <p:sp>
         <p:nvSpPr>
-          <p:cNvPr id="14" name="PlaceHolder 1"/>
+          <p:cNvPr id="11" name="PlaceHolder 1"/>
           <p:cNvSpPr>
             <a:spLocks noGrp="1"/>
           </p:cNvSpPr>
@@ -5394,7 +4288,7 @@
         <p:spPr>
           <a:xfrm>
             <a:off x="503640" y="93600"/>
-            <a:ext cx="9075600" cy="1675080"/>
+            <a:ext cx="9075240" cy="1674720"/>
           </a:xfrm>
           <a:prstGeom prst="rect">
             <a:avLst/>
@@ -5403,13 +4297,14 @@
         <p:txBody>
           <a:bodyPr lIns="0" rIns="0" tIns="0" bIns="0" anchor="ctr"/>
           <a:p>
-            <a:endParaRPr/>
-          </a:p>
-        </p:txBody>
-      </p:sp>
-      <p:sp>
-        <p:nvSpPr>
-          <p:cNvPr id="15" name="PlaceHolder 2"/>
+            <a:pPr algn="ctr"/>
+            <a:endParaRPr/>
+          </a:p>
+        </p:txBody>
+      </p:sp>
+      <p:sp>
+        <p:nvSpPr>
+          <p:cNvPr id="12" name="PlaceHolder 2"/>
           <p:cNvSpPr>
             <a:spLocks noGrp="1"/>
           </p:cNvSpPr>
@@ -5420,22 +4315,22 @@
         <p:spPr>
           <a:xfrm>
             <a:off x="503640" y="1769040"/>
-            <a:ext cx="4428720" cy="2761920"/>
-          </a:xfrm>
-          <a:prstGeom prst="rect">
-            <a:avLst/>
-          </a:prstGeom>
-        </p:spPr>
-        <p:txBody>
-          <a:bodyPr lIns="0" rIns="0" tIns="0" bIns="0"/>
-          <a:p>
-            <a:endParaRPr/>
-          </a:p>
-        </p:txBody>
-      </p:sp>
-      <p:sp>
-        <p:nvSpPr>
-          <p:cNvPr id="16" name="PlaceHolder 3"/>
+            <a:ext cx="4428360" cy="2761920"/>
+          </a:xfrm>
+          <a:prstGeom prst="rect">
+            <a:avLst/>
+          </a:prstGeom>
+        </p:spPr>
+        <p:txBody>
+          <a:bodyPr lIns="0" rIns="0" tIns="0" bIns="0"/>
+          <a:p>
+            <a:endParaRPr/>
+          </a:p>
+        </p:txBody>
+      </p:sp>
+      <p:sp>
+        <p:nvSpPr>
+          <p:cNvPr id="13" name="PlaceHolder 3"/>
           <p:cNvSpPr>
             <a:spLocks noGrp="1"/>
           </p:cNvSpPr>
@@ -5446,33 +4341,33 @@
         <p:spPr>
           <a:xfrm>
             <a:off x="503640" y="4793760"/>
-            <a:ext cx="4428720" cy="2761920"/>
-          </a:xfrm>
-          <a:prstGeom prst="rect">
-            <a:avLst/>
-          </a:prstGeom>
-        </p:spPr>
-        <p:txBody>
-          <a:bodyPr lIns="0" rIns="0" tIns="0" bIns="0"/>
-          <a:p>
-            <a:endParaRPr/>
-          </a:p>
-        </p:txBody>
-      </p:sp>
-      <p:sp>
-        <p:nvSpPr>
-          <p:cNvPr id="17" name="PlaceHolder 4"/>
-          <p:cNvSpPr>
-            <a:spLocks noGrp="1"/>
-          </p:cNvSpPr>
-          <p:nvPr>
-            <p:ph type="body"/>
-          </p:nvPr>
-        </p:nvSpPr>
-        <p:spPr>
-          <a:xfrm>
-            <a:off x="5154120" y="1769040"/>
-            <a:ext cx="4428720" cy="5790600"/>
+            <a:ext cx="4428360" cy="2761920"/>
+          </a:xfrm>
+          <a:prstGeom prst="rect">
+            <a:avLst/>
+          </a:prstGeom>
+        </p:spPr>
+        <p:txBody>
+          <a:bodyPr lIns="0" rIns="0" tIns="0" bIns="0"/>
+          <a:p>
+            <a:endParaRPr/>
+          </a:p>
+        </p:txBody>
+      </p:sp>
+      <p:sp>
+        <p:nvSpPr>
+          <p:cNvPr id="14" name="PlaceHolder 4"/>
+          <p:cNvSpPr>
+            <a:spLocks noGrp="1"/>
+          </p:cNvSpPr>
+          <p:nvPr>
+            <p:ph type="body"/>
+          </p:nvPr>
+        </p:nvSpPr>
+        <p:spPr>
+          <a:xfrm>
+            <a:off x="5153760" y="1769040"/>
+            <a:ext cx="4428360" cy="5790240"/>
           </a:xfrm>
           <a:prstGeom prst="rect">
             <a:avLst/>
@@ -5509,7 +4404,7 @@
       </p:grpSpPr>
       <p:sp>
         <p:nvSpPr>
-          <p:cNvPr id="18" name="PlaceHolder 1"/>
+          <p:cNvPr id="15" name="PlaceHolder 1"/>
           <p:cNvSpPr>
             <a:spLocks noGrp="1"/>
           </p:cNvSpPr>
@@ -5520,7 +4415,7 @@
         <p:spPr>
           <a:xfrm>
             <a:off x="503640" y="93600"/>
-            <a:ext cx="9075600" cy="1675080"/>
+            <a:ext cx="9075240" cy="1674720"/>
           </a:xfrm>
           <a:prstGeom prst="rect">
             <a:avLst/>
@@ -5529,13 +4424,14 @@
         <p:txBody>
           <a:bodyPr lIns="0" rIns="0" tIns="0" bIns="0" anchor="ctr"/>
           <a:p>
-            <a:endParaRPr/>
-          </a:p>
-        </p:txBody>
-      </p:sp>
-      <p:sp>
-        <p:nvSpPr>
-          <p:cNvPr id="19" name="PlaceHolder 2"/>
+            <a:pPr algn="ctr"/>
+            <a:endParaRPr/>
+          </a:p>
+        </p:txBody>
+      </p:sp>
+      <p:sp>
+        <p:nvSpPr>
+          <p:cNvPr id="16" name="PlaceHolder 2"/>
           <p:cNvSpPr>
             <a:spLocks noGrp="1"/>
           </p:cNvSpPr>
@@ -5546,59 +4442,59 @@
         <p:spPr>
           <a:xfrm>
             <a:off x="503640" y="1769040"/>
-            <a:ext cx="4428720" cy="5790600"/>
-          </a:xfrm>
-          <a:prstGeom prst="rect">
-            <a:avLst/>
-          </a:prstGeom>
-        </p:spPr>
-        <p:txBody>
-          <a:bodyPr lIns="0" rIns="0" tIns="0" bIns="0"/>
-          <a:p>
-            <a:endParaRPr/>
-          </a:p>
-        </p:txBody>
-      </p:sp>
-      <p:sp>
-        <p:nvSpPr>
-          <p:cNvPr id="20" name="PlaceHolder 3"/>
-          <p:cNvSpPr>
-            <a:spLocks noGrp="1"/>
-          </p:cNvSpPr>
-          <p:nvPr>
-            <p:ph type="body"/>
-          </p:nvPr>
-        </p:nvSpPr>
-        <p:spPr>
-          <a:xfrm>
-            <a:off x="5154120" y="1769040"/>
-            <a:ext cx="4428720" cy="2761920"/>
-          </a:xfrm>
-          <a:prstGeom prst="rect">
-            <a:avLst/>
-          </a:prstGeom>
-        </p:spPr>
-        <p:txBody>
-          <a:bodyPr lIns="0" rIns="0" tIns="0" bIns="0"/>
-          <a:p>
-            <a:endParaRPr/>
-          </a:p>
-        </p:txBody>
-      </p:sp>
-      <p:sp>
-        <p:nvSpPr>
-          <p:cNvPr id="21" name="PlaceHolder 4"/>
-          <p:cNvSpPr>
-            <a:spLocks noGrp="1"/>
-          </p:cNvSpPr>
-          <p:nvPr>
-            <p:ph type="body"/>
-          </p:nvPr>
-        </p:nvSpPr>
-        <p:spPr>
-          <a:xfrm>
-            <a:off x="5154120" y="4793760"/>
-            <a:ext cx="4428720" cy="2761920"/>
+            <a:ext cx="4428360" cy="5790240"/>
+          </a:xfrm>
+          <a:prstGeom prst="rect">
+            <a:avLst/>
+          </a:prstGeom>
+        </p:spPr>
+        <p:txBody>
+          <a:bodyPr lIns="0" rIns="0" tIns="0" bIns="0"/>
+          <a:p>
+            <a:endParaRPr/>
+          </a:p>
+        </p:txBody>
+      </p:sp>
+      <p:sp>
+        <p:nvSpPr>
+          <p:cNvPr id="17" name="PlaceHolder 3"/>
+          <p:cNvSpPr>
+            <a:spLocks noGrp="1"/>
+          </p:cNvSpPr>
+          <p:nvPr>
+            <p:ph type="body"/>
+          </p:nvPr>
+        </p:nvSpPr>
+        <p:spPr>
+          <a:xfrm>
+            <a:off x="5153760" y="1769040"/>
+            <a:ext cx="4428360" cy="2761920"/>
+          </a:xfrm>
+          <a:prstGeom prst="rect">
+            <a:avLst/>
+          </a:prstGeom>
+        </p:spPr>
+        <p:txBody>
+          <a:bodyPr lIns="0" rIns="0" tIns="0" bIns="0"/>
+          <a:p>
+            <a:endParaRPr/>
+          </a:p>
+        </p:txBody>
+      </p:sp>
+      <p:sp>
+        <p:nvSpPr>
+          <p:cNvPr id="18" name="PlaceHolder 4"/>
+          <p:cNvSpPr>
+            <a:spLocks noGrp="1"/>
+          </p:cNvSpPr>
+          <p:nvPr>
+            <p:ph type="body"/>
+          </p:nvPr>
+        </p:nvSpPr>
+        <p:spPr>
+          <a:xfrm>
+            <a:off x="5153760" y="4793760"/>
+            <a:ext cx="4428360" cy="2761920"/>
           </a:xfrm>
           <a:prstGeom prst="rect">
             <a:avLst/>
@@ -5635,7 +4531,7 @@
       </p:grpSpPr>
       <p:sp>
         <p:nvSpPr>
-          <p:cNvPr id="22" name="PlaceHolder 1"/>
+          <p:cNvPr id="19" name="PlaceHolder 1"/>
           <p:cNvSpPr>
             <a:spLocks noGrp="1"/>
           </p:cNvSpPr>
@@ -5646,7 +4542,7 @@
         <p:spPr>
           <a:xfrm>
             <a:off x="503640" y="93600"/>
-            <a:ext cx="9075600" cy="1675080"/>
+            <a:ext cx="9075240" cy="1674720"/>
           </a:xfrm>
           <a:prstGeom prst="rect">
             <a:avLst/>
@@ -5655,13 +4551,14 @@
         <p:txBody>
           <a:bodyPr lIns="0" rIns="0" tIns="0" bIns="0" anchor="ctr"/>
           <a:p>
-            <a:endParaRPr/>
-          </a:p>
-        </p:txBody>
-      </p:sp>
-      <p:sp>
-        <p:nvSpPr>
-          <p:cNvPr id="23" name="PlaceHolder 2"/>
+            <a:pPr algn="ctr"/>
+            <a:endParaRPr/>
+          </a:p>
+        </p:txBody>
+      </p:sp>
+      <p:sp>
+        <p:nvSpPr>
+          <p:cNvPr id="20" name="PlaceHolder 2"/>
           <p:cNvSpPr>
             <a:spLocks noGrp="1"/>
           </p:cNvSpPr>
@@ -5672,48 +4569,48 @@
         <p:spPr>
           <a:xfrm>
             <a:off x="503640" y="1769040"/>
-            <a:ext cx="4428720" cy="2761920"/>
-          </a:xfrm>
-          <a:prstGeom prst="rect">
-            <a:avLst/>
-          </a:prstGeom>
-        </p:spPr>
-        <p:txBody>
-          <a:bodyPr lIns="0" rIns="0" tIns="0" bIns="0"/>
-          <a:p>
-            <a:endParaRPr/>
-          </a:p>
-        </p:txBody>
-      </p:sp>
-      <p:sp>
-        <p:nvSpPr>
-          <p:cNvPr id="24" name="PlaceHolder 3"/>
-          <p:cNvSpPr>
-            <a:spLocks noGrp="1"/>
-          </p:cNvSpPr>
-          <p:nvPr>
-            <p:ph type="body"/>
-          </p:nvPr>
-        </p:nvSpPr>
-        <p:spPr>
-          <a:xfrm>
-            <a:off x="5154120" y="1769040"/>
-            <a:ext cx="4428720" cy="2761920"/>
-          </a:xfrm>
-          <a:prstGeom prst="rect">
-            <a:avLst/>
-          </a:prstGeom>
-        </p:spPr>
-        <p:txBody>
-          <a:bodyPr lIns="0" rIns="0" tIns="0" bIns="0"/>
-          <a:p>
-            <a:endParaRPr/>
-          </a:p>
-        </p:txBody>
-      </p:sp>
-      <p:sp>
-        <p:nvSpPr>
-          <p:cNvPr id="25" name="PlaceHolder 4"/>
+            <a:ext cx="4428360" cy="2761920"/>
+          </a:xfrm>
+          <a:prstGeom prst="rect">
+            <a:avLst/>
+          </a:prstGeom>
+        </p:spPr>
+        <p:txBody>
+          <a:bodyPr lIns="0" rIns="0" tIns="0" bIns="0"/>
+          <a:p>
+            <a:endParaRPr/>
+          </a:p>
+        </p:txBody>
+      </p:sp>
+      <p:sp>
+        <p:nvSpPr>
+          <p:cNvPr id="21" name="PlaceHolder 3"/>
+          <p:cNvSpPr>
+            <a:spLocks noGrp="1"/>
+          </p:cNvSpPr>
+          <p:nvPr>
+            <p:ph type="body"/>
+          </p:nvPr>
+        </p:nvSpPr>
+        <p:spPr>
+          <a:xfrm>
+            <a:off x="5153760" y="1769040"/>
+            <a:ext cx="4428360" cy="2761920"/>
+          </a:xfrm>
+          <a:prstGeom prst="rect">
+            <a:avLst/>
+          </a:prstGeom>
+        </p:spPr>
+        <p:txBody>
+          <a:bodyPr lIns="0" rIns="0" tIns="0" bIns="0"/>
+          <a:p>
+            <a:endParaRPr/>
+          </a:p>
+        </p:txBody>
+      </p:sp>
+      <p:sp>
+        <p:nvSpPr>
+          <p:cNvPr id="22" name="PlaceHolder 4"/>
           <p:cNvSpPr>
             <a:spLocks noGrp="1"/>
           </p:cNvSpPr>
@@ -5724,7 +4621,7 @@
         <p:spPr>
           <a:xfrm>
             <a:off x="503640" y="4793760"/>
-            <a:ext cx="9075600" cy="2761920"/>
+            <a:ext cx="9075240" cy="2761920"/>
           </a:xfrm>
           <a:prstGeom prst="rect">
             <a:avLst/>
@@ -5745,6 +4642,13 @@
 <file path=ppt/slideMasters/slideMaster1.xml><?xml version="1.0" encoding="utf-8"?>
 <p:sldMaster xmlns:a="http://schemas.openxmlformats.org/drawingml/2006/main" xmlns:p="http://schemas.openxmlformats.org/presentationml/2006/main" xmlns:r="http://schemas.openxmlformats.org/officeDocument/2006/relationships">
   <p:cSld>
+    <p:bg>
+      <p:bgPr>
+        <a:solidFill>
+          <a:srgbClr val="ffffff"/>
+        </a:solidFill>
+      </p:bgPr>
+    </p:bg>
     <p:spTree>
       <p:nvGrpSpPr>
         <p:cNvPr id="1" name=""/>
@@ -5771,8 +4675,8 @@
         </p:nvSpPr>
         <p:spPr>
           <a:xfrm>
-            <a:off x="504000" y="301320"/>
-            <a:ext cx="9071640" cy="1262160"/>
+            <a:off x="503640" y="93600"/>
+            <a:ext cx="9075240" cy="1674720"/>
           </a:xfrm>
           <a:prstGeom prst="rect">
             <a:avLst/>
@@ -5781,9 +4685,8 @@
         <p:txBody>
           <a:bodyPr lIns="0" rIns="0" tIns="0" bIns="0" anchor="ctr"/>
           <a:p>
-            <a:pPr algn="ctr"/>
-            <a:r>
-              <a:rPr lang="en-US" sz="4400">
+            <a:r>
+              <a:rPr lang="en-US" strike="noStrike">
                 <a:latin typeface="Arial"/>
               </a:rPr>
               <a:t>Click to edit the title text format</a:t>
@@ -5804,23 +4707,18 @@
         </p:nvSpPr>
         <p:spPr>
           <a:xfrm>
-            <a:off x="504000" y="1769040"/>
-            <a:ext cx="9071640" cy="4384440"/>
-          </a:xfrm>
-          <a:prstGeom prst="rect">
-            <a:avLst/>
-          </a:prstGeom>
-        </p:spPr>
-        <p:txBody>
-          <a:bodyPr lIns="0" rIns="0" tIns="0" bIns="0"/>
-          <a:p>
-            <a:pPr>
-              <a:buSzPct val="45000"/>
-              <a:buFont typeface="StarSymbol"/>
-              <a:buChar char=""/>
-            </a:pPr>
-            <a:r>
-              <a:rPr lang="en-US" sz="3200">
+            <a:off x="503640" y="1769040"/>
+            <a:ext cx="9075240" cy="5790240"/>
+          </a:xfrm>
+          <a:prstGeom prst="rect">
+            <a:avLst/>
+          </a:prstGeom>
+        </p:spPr>
+        <p:txBody>
+          <a:bodyPr lIns="0" rIns="0" tIns="0" bIns="0"/>
+          <a:p>
+            <a:r>
+              <a:rPr lang="en-US" strike="noStrike">
                 <a:latin typeface="Arial"/>
               </a:rPr>
               <a:t>Click to edit the outline text format</a:t>
@@ -5834,7 +4732,7 @@
               <a:buChar char=""/>
             </a:pPr>
             <a:r>
-              <a:rPr lang="en-US" sz="2800">
+              <a:rPr lang="en-US" strike="noStrike">
                 <a:latin typeface="Arial"/>
               </a:rPr>
               <a:t>Second Outline Level</a:t>
@@ -5848,7 +4746,7 @@
               <a:buChar char=""/>
             </a:pPr>
             <a:r>
-              <a:rPr lang="en-US" sz="2400">
+              <a:rPr lang="en-US" strike="noStrike">
                 <a:latin typeface="Arial"/>
               </a:rPr>
               <a:t>Third Outline Level</a:t>
@@ -5862,7 +4760,7 @@
               <a:buChar char=""/>
             </a:pPr>
             <a:r>
-              <a:rPr lang="en-US" sz="2000">
+              <a:rPr lang="en-US" strike="noStrike">
                 <a:latin typeface="Arial"/>
               </a:rPr>
               <a:t>Fourth Outline Level</a:t>
@@ -5876,7 +4774,7 @@
               <a:buChar char=""/>
             </a:pPr>
             <a:r>
-              <a:rPr lang="en-US" sz="2000">
+              <a:rPr lang="en-US" strike="noStrike">
                 <a:latin typeface="Arial"/>
               </a:rPr>
               <a:t>Fifth Outline Level</a:t>
@@ -5890,7 +4788,7 @@
               <a:buChar char=""/>
             </a:pPr>
             <a:r>
-              <a:rPr lang="en-US" sz="2000">
+              <a:rPr lang="en-US" strike="noStrike">
                 <a:latin typeface="Arial"/>
               </a:rPr>
               <a:t>Sixth Outline Level</a:t>
@@ -5904,109 +4802,11 @@
               <a:buChar char=""/>
             </a:pPr>
             <a:r>
-              <a:rPr lang="en-US" sz="2000">
+              <a:rPr lang="en-US" strike="noStrike">
                 <a:latin typeface="Arial"/>
               </a:rPr>
               <a:t>Seventh Outline Level</a:t>
             </a:r>
-            <a:endParaRPr/>
-          </a:p>
-        </p:txBody>
-      </p:sp>
-      <p:sp>
-        <p:nvSpPr>
-          <p:cNvPr id="2" name="PlaceHolder 3"/>
-          <p:cNvSpPr>
-            <a:spLocks noGrp="1"/>
-          </p:cNvSpPr>
-          <p:nvPr>
-            <p:ph type="dt"/>
-          </p:nvPr>
-        </p:nvSpPr>
-        <p:spPr>
-          <a:xfrm>
-            <a:off x="504000" y="6887160"/>
-            <a:ext cx="2348280" cy="521280"/>
-          </a:xfrm>
-          <a:prstGeom prst="rect">
-            <a:avLst/>
-          </a:prstGeom>
-        </p:spPr>
-        <p:txBody>
-          <a:bodyPr lIns="0" rIns="0" tIns="0" bIns="0"/>
-          <a:p>
-            <a:r>
-              <a:rPr lang="en-US" sz="1400">
-                <a:latin typeface="Times New Roman"/>
-              </a:rPr>
-              <a:t>&lt;date/time&gt;</a:t>
-            </a:r>
-            <a:endParaRPr/>
-          </a:p>
-        </p:txBody>
-      </p:sp>
-      <p:sp>
-        <p:nvSpPr>
-          <p:cNvPr id="3" name="PlaceHolder 4"/>
-          <p:cNvSpPr>
-            <a:spLocks noGrp="1"/>
-          </p:cNvSpPr>
-          <p:nvPr>
-            <p:ph type="ftr"/>
-          </p:nvPr>
-        </p:nvSpPr>
-        <p:spPr>
-          <a:xfrm>
-            <a:off x="3447360" y="6887160"/>
-            <a:ext cx="3195000" cy="521280"/>
-          </a:xfrm>
-          <a:prstGeom prst="rect">
-            <a:avLst/>
-          </a:prstGeom>
-        </p:spPr>
-        <p:txBody>
-          <a:bodyPr lIns="0" rIns="0" tIns="0" bIns="0"/>
-          <a:p>
-            <a:pPr algn="ctr"/>
-            <a:r>
-              <a:rPr lang="en-US" sz="1400">
-                <a:latin typeface="Times New Roman"/>
-              </a:rPr>
-              <a:t>&lt;footer&gt;</a:t>
-            </a:r>
-            <a:endParaRPr/>
-          </a:p>
-        </p:txBody>
-      </p:sp>
-      <p:sp>
-        <p:nvSpPr>
-          <p:cNvPr id="4" name="PlaceHolder 5"/>
-          <p:cNvSpPr>
-            <a:spLocks noGrp="1"/>
-          </p:cNvSpPr>
-          <p:nvPr>
-            <p:ph type="sldNum"/>
-          </p:nvPr>
-        </p:nvSpPr>
-        <p:spPr>
-          <a:xfrm>
-            <a:off x="7227360" y="6887160"/>
-            <a:ext cx="2348280" cy="521280"/>
-          </a:xfrm>
-          <a:prstGeom prst="rect">
-            <a:avLst/>
-          </a:prstGeom>
-        </p:spPr>
-        <p:txBody>
-          <a:bodyPr lIns="0" rIns="0" tIns="0" bIns="0"/>
-          <a:p>
-            <a:pPr algn="r"/>
-            <a:fld id="{15A965D9-2B4E-41D5-9F29-8C7DDB543F04}" type="slidenum">
-              <a:rPr lang="en-US" sz="1400">
-                <a:latin typeface="Times New Roman"/>
-              </a:rPr>
-              <a:t>&lt;number&gt;</a:t>
-            </a:fld>
             <a:endParaRPr/>
           </a:p>
         </p:txBody>
@@ -6055,6 +4855,159 @@
           <a:chExt cx="0" cy="0"/>
         </a:xfrm>
       </p:grpSpPr>
+      <p:sp>
+        <p:nvSpPr>
+          <p:cNvPr id="36" name="PlaceHolder 1"/>
+          <p:cNvSpPr>
+            <a:spLocks noGrp="1"/>
+          </p:cNvSpPr>
+          <p:nvPr>
+            <p:ph type="title"/>
+          </p:nvPr>
+        </p:nvSpPr>
+        <p:spPr>
+          <a:xfrm>
+            <a:off x="503640" y="93600"/>
+            <a:ext cx="9075240" cy="1674720"/>
+          </a:xfrm>
+          <a:prstGeom prst="rect">
+            <a:avLst/>
+          </a:prstGeom>
+        </p:spPr>
+        <p:txBody>
+          <a:bodyPr lIns="0" rIns="0" tIns="0" bIns="0" anchor="ctr"/>
+          <a:p>
+            <a:r>
+              <a:rPr lang="en-US">
+                <a:latin typeface="Arial"/>
+              </a:rPr>
+              <a:t>Click to edit the title text format</a:t>
+            </a:r>
+            <a:endParaRPr/>
+          </a:p>
+        </p:txBody>
+      </p:sp>
+      <p:sp>
+        <p:nvSpPr>
+          <p:cNvPr id="37" name="PlaceHolder 2"/>
+          <p:cNvSpPr>
+            <a:spLocks noGrp="1"/>
+          </p:cNvSpPr>
+          <p:nvPr>
+            <p:ph type="body"/>
+          </p:nvPr>
+        </p:nvSpPr>
+        <p:spPr>
+          <a:xfrm>
+            <a:off x="503640" y="1769040"/>
+            <a:ext cx="9075240" cy="5790240"/>
+          </a:xfrm>
+          <a:prstGeom prst="rect">
+            <a:avLst/>
+          </a:prstGeom>
+        </p:spPr>
+        <p:txBody>
+          <a:bodyPr lIns="0" rIns="0" tIns="0" bIns="0"/>
+          <a:p>
+            <a:pPr>
+              <a:buSzPct val="45000"/>
+              <a:buFont typeface="StarSymbol"/>
+              <a:buChar char=""/>
+            </a:pPr>
+            <a:r>
+              <a:rPr lang="en-US">
+                <a:latin typeface="Arial"/>
+              </a:rPr>
+              <a:t>Click to edit the outline text format</a:t>
+            </a:r>
+            <a:endParaRPr/>
+          </a:p>
+          <a:p>
+            <a:pPr lvl="1">
+              <a:buSzPct val="75000"/>
+              <a:buFont typeface="StarSymbol"/>
+              <a:buChar char=""/>
+            </a:pPr>
+            <a:r>
+              <a:rPr lang="en-US">
+                <a:latin typeface="Arial"/>
+              </a:rPr>
+              <a:t>Second Outline Level</a:t>
+            </a:r>
+            <a:endParaRPr/>
+          </a:p>
+          <a:p>
+            <a:pPr lvl="2">
+              <a:buSzPct val="45000"/>
+              <a:buFont typeface="StarSymbol"/>
+              <a:buChar char=""/>
+            </a:pPr>
+            <a:r>
+              <a:rPr lang="en-US">
+                <a:latin typeface="Arial"/>
+              </a:rPr>
+              <a:t>Third Outline Level</a:t>
+            </a:r>
+            <a:endParaRPr/>
+          </a:p>
+          <a:p>
+            <a:pPr lvl="3">
+              <a:buSzPct val="75000"/>
+              <a:buFont typeface="StarSymbol"/>
+              <a:buChar char=""/>
+            </a:pPr>
+            <a:r>
+              <a:rPr lang="en-US">
+                <a:latin typeface="Arial"/>
+              </a:rPr>
+              <a:t>Fourth Outline Level</a:t>
+            </a:r>
+            <a:endParaRPr/>
+          </a:p>
+          <a:p>
+            <a:pPr lvl="4">
+              <a:buSzPct val="45000"/>
+              <a:buFont typeface="StarSymbol"/>
+              <a:buChar char=""/>
+            </a:pPr>
+            <a:r>
+              <a:rPr lang="en-US">
+                <a:latin typeface="Arial"/>
+              </a:rPr>
+              <a:t>Fifth Outline Level</a:t>
+            </a:r>
+            <a:endParaRPr/>
+          </a:p>
+          <a:p>
+            <a:pPr lvl="5">
+              <a:buSzPct val="45000"/>
+              <a:buFont typeface="StarSymbol"/>
+              <a:buChar char=""/>
+            </a:pPr>
+            <a:r>
+              <a:rPr lang="en-US">
+                <a:latin typeface="Arial"/>
+              </a:rPr>
+              <a:t>Sixth Outline Level</a:t>
+            </a:r>
+            <a:endParaRPr/>
+          </a:p>
+          <a:p>
+            <a:pPr lvl="6">
+              <a:buSzPct val="45000"/>
+              <a:buFont typeface="StarSymbol"/>
+              <a:buChar char=""/>
+            </a:pPr>
+            <a:r>
+              <a:rPr lang="en-US">
+                <a:latin typeface="Arial"/>
+              </a:rPr>
+              <a:t>Seventh Outline Level</a:t>
+            </a:r>
+            <a:endParaRPr/>
+          </a:p>
+        </p:txBody>
+      </p:sp>
     </p:spTree>
   </p:cSld>
   <p:clrMap bg1="lt1" bg2="lt2" tx1="dk1" tx2="dk2" accent1="accent1" accent2="accent2" accent3="accent3" accent4="accent4" accent5="accent5" accent6="accent6" hlink="hlink" folHlink="folHlink"/>
@@ -6101,33 +5054,7 @@
       </p:grpSpPr>
       <p:sp>
         <p:nvSpPr>
-          <p:cNvPr id="73" name="PlaceHolder 1"/>
-          <p:cNvSpPr>
-            <a:spLocks noGrp="1"/>
-          </p:cNvSpPr>
-          <p:nvPr>
-            <p:ph type="sldNum"/>
-          </p:nvPr>
-        </p:nvSpPr>
-        <p:spPr>
-          <a:xfrm>
-            <a:off x="7233840" y="6889680"/>
-            <a:ext cx="2346480" cy="258840"/>
-          </a:xfrm>
-          <a:prstGeom prst="rect">
-            <a:avLst/>
-          </a:prstGeom>
-        </p:spPr>
-        <p:txBody>
-          <a:bodyPr lIns="0" rIns="0" tIns="0" bIns="0"/>
-          <a:p>
-            <a:endParaRPr/>
-          </a:p>
-        </p:txBody>
-      </p:sp>
-      <p:sp>
-        <p:nvSpPr>
-          <p:cNvPr id="74" name="PlaceHolder 2"/>
+          <p:cNvPr id="72" name="PlaceHolder 1"/>
           <p:cNvSpPr>
             <a:spLocks noGrp="1"/>
           </p:cNvSpPr>
@@ -6138,7 +5065,7 @@
         <p:spPr>
           <a:xfrm>
             <a:off x="503640" y="93600"/>
-            <a:ext cx="9075600" cy="1675080"/>
+            <a:ext cx="9075240" cy="1674720"/>
           </a:xfrm>
           <a:prstGeom prst="rect">
             <a:avLst/>
@@ -6148,8 +5075,8 @@
           <a:bodyPr lIns="0" rIns="0" tIns="0" bIns="0" anchor="ctr"/>
           <a:p>
             <a:r>
-              <a:rPr lang="en-US" sz="4400">
-                <a:latin typeface="Times New Roman"/>
+              <a:rPr lang="en-US">
+                <a:latin typeface="Arial"/>
               </a:rPr>
               <a:t>Click to edit the title text format</a:t>
             </a:r>
@@ -6159,7 +5086,7 @@
       </p:sp>
       <p:sp>
         <p:nvSpPr>
-          <p:cNvPr id="75" name="PlaceHolder 3"/>
+          <p:cNvPr id="73" name="PlaceHolder 2"/>
           <p:cNvSpPr>
             <a:spLocks noGrp="1"/>
           </p:cNvSpPr>
@@ -6170,7 +5097,7 @@
         <p:spPr>
           <a:xfrm>
             <a:off x="503640" y="1769040"/>
-            <a:ext cx="4453560" cy="5790600"/>
+            <a:ext cx="9075240" cy="5790240"/>
           </a:xfrm>
           <a:prstGeom prst="rect">
             <a:avLst/>
@@ -6185,7 +5112,7 @@
               <a:buChar char=""/>
             </a:pPr>
             <a:r>
-              <a:rPr lang="en-US" sz="3200">
+              <a:rPr lang="en-US">
                 <a:latin typeface="Arial"/>
               </a:rPr>
               <a:t>Click to edit the outline text format</a:t>
@@ -6199,7 +5126,7 @@
               <a:buChar char=""/>
             </a:pPr>
             <a:r>
-              <a:rPr lang="en-US" sz="3200">
+              <a:rPr lang="en-US">
                 <a:latin typeface="Arial"/>
               </a:rPr>
               <a:t>Second Outline Level</a:t>
@@ -6213,7 +5140,7 @@
               <a:buChar char=""/>
             </a:pPr>
             <a:r>
-              <a:rPr lang="en-US" sz="3200">
+              <a:rPr lang="en-US">
                 <a:latin typeface="Arial"/>
               </a:rPr>
               <a:t>Third Outline Level</a:t>
@@ -6227,7 +5154,7 @@
               <a:buChar char=""/>
             </a:pPr>
             <a:r>
-              <a:rPr lang="en-US" sz="3200">
+              <a:rPr lang="en-US">
                 <a:latin typeface="Arial"/>
               </a:rPr>
               <a:t>Fourth Outline Level</a:t>
@@ -6241,7 +5168,7 @@
               <a:buChar char=""/>
             </a:pPr>
             <a:r>
-              <a:rPr lang="en-US" sz="3200">
+              <a:rPr lang="en-US">
                 <a:latin typeface="Arial"/>
               </a:rPr>
               <a:t>Fifth Outline Level</a:t>
@@ -6255,7 +5182,7 @@
               <a:buChar char=""/>
             </a:pPr>
             <a:r>
-              <a:rPr lang="en-US" sz="3200">
+              <a:rPr lang="en-US">
                 <a:latin typeface="Arial"/>
               </a:rPr>
               <a:t>Sixth Outline Level</a:t>
@@ -6269,7 +5196,7 @@
               <a:buChar char=""/>
             </a:pPr>
             <a:r>
-              <a:rPr lang="en-US" sz="3200">
+              <a:rPr lang="en-US">
                 <a:latin typeface="Arial"/>
               </a:rPr>
               <a:t>Seventh Outline Level</a:t>
@@ -6324,33 +5251,7 @@
       </p:grpSpPr>
       <p:sp>
         <p:nvSpPr>
-          <p:cNvPr id="110" name="PlaceHolder 1"/>
-          <p:cNvSpPr>
-            <a:spLocks noGrp="1"/>
-          </p:cNvSpPr>
-          <p:nvPr>
-            <p:ph type="sldNum"/>
-          </p:nvPr>
-        </p:nvSpPr>
-        <p:spPr>
-          <a:xfrm>
-            <a:off x="7233840" y="6889680"/>
-            <a:ext cx="2346480" cy="258840"/>
-          </a:xfrm>
-          <a:prstGeom prst="rect">
-            <a:avLst/>
-          </a:prstGeom>
-        </p:spPr>
-        <p:txBody>
-          <a:bodyPr lIns="0" rIns="0" tIns="0" bIns="0"/>
-          <a:p>
-            <a:endParaRPr/>
-          </a:p>
-        </p:txBody>
-      </p:sp>
-      <p:sp>
-        <p:nvSpPr>
-          <p:cNvPr id="111" name="PlaceHolder 2"/>
+          <p:cNvPr id="108" name="PlaceHolder 1"/>
           <p:cNvSpPr>
             <a:spLocks noGrp="1"/>
           </p:cNvSpPr>
@@ -6360,8 +5261,8 @@
         </p:nvSpPr>
         <p:spPr>
           <a:xfrm>
-            <a:off x="755640" y="2033280"/>
-            <a:ext cx="8567640" cy="2250000"/>
+            <a:off x="503640" y="93600"/>
+            <a:ext cx="9075240" cy="1674720"/>
           </a:xfrm>
           <a:prstGeom prst="rect">
             <a:avLst/>
@@ -6371,8 +5272,8 @@
           <a:bodyPr lIns="0" rIns="0" tIns="0" bIns="0" anchor="ctr"/>
           <a:p>
             <a:r>
-              <a:rPr lang="en-US" sz="4400">
-                <a:latin typeface="Times New Roman"/>
+              <a:rPr lang="en-US">
+                <a:latin typeface="Arial"/>
               </a:rPr>
               <a:t>Click to edit the title text format</a:t>
             </a:r>
@@ -6382,18 +5283,18 @@
       </p:sp>
       <p:sp>
         <p:nvSpPr>
-          <p:cNvPr id="112" name="PlaceHolder 3"/>
-          <p:cNvSpPr>
-            <a:spLocks noGrp="1"/>
-          </p:cNvSpPr>
-          <p:nvPr>
-            <p:ph type="body"/>
-          </p:nvPr>
-        </p:nvSpPr>
-        <p:spPr>
-          <a:xfrm>
-            <a:off x="1511640" y="4283640"/>
-            <a:ext cx="7055640" cy="3275640"/>
+          <p:cNvPr id="109" name="PlaceHolder 2"/>
+          <p:cNvSpPr>
+            <a:spLocks noGrp="1"/>
+          </p:cNvSpPr>
+          <p:nvPr>
+            <p:ph type="body"/>
+          </p:nvPr>
+        </p:nvSpPr>
+        <p:spPr>
+          <a:xfrm>
+            <a:off x="503640" y="1769040"/>
+            <a:ext cx="9075240" cy="5790240"/>
           </a:xfrm>
           <a:prstGeom prst="rect">
             <a:avLst/>
@@ -6408,7 +5309,7 @@
               <a:buChar char=""/>
             </a:pPr>
             <a:r>
-              <a:rPr lang="en-US" sz="3200">
+              <a:rPr lang="en-US">
                 <a:latin typeface="Arial"/>
               </a:rPr>
               <a:t>Click to edit the outline text format</a:t>
@@ -6422,7 +5323,7 @@
               <a:buChar char=""/>
             </a:pPr>
             <a:r>
-              <a:rPr lang="en-US" sz="3200">
+              <a:rPr lang="en-US">
                 <a:latin typeface="Arial"/>
               </a:rPr>
               <a:t>Second Outline Level</a:t>
@@ -6436,7 +5337,7 @@
               <a:buChar char=""/>
             </a:pPr>
             <a:r>
-              <a:rPr lang="en-US" sz="3200">
+              <a:rPr lang="en-US">
                 <a:latin typeface="Arial"/>
               </a:rPr>
               <a:t>Third Outline Level</a:t>
@@ -6450,7 +5351,7 @@
               <a:buChar char=""/>
             </a:pPr>
             <a:r>
-              <a:rPr lang="en-US" sz="3200">
+              <a:rPr lang="en-US">
                 <a:latin typeface="Arial"/>
               </a:rPr>
               <a:t>Fourth Outline Level</a:t>
@@ -6464,7 +5365,7 @@
               <a:buChar char=""/>
             </a:pPr>
             <a:r>
-              <a:rPr lang="en-US" sz="3200">
+              <a:rPr lang="en-US">
                 <a:latin typeface="Arial"/>
               </a:rPr>
               <a:t>Fifth Outline Level</a:t>
@@ -6478,7 +5379,7 @@
               <a:buChar char=""/>
             </a:pPr>
             <a:r>
-              <a:rPr lang="en-US" sz="3200">
+              <a:rPr lang="en-US">
                 <a:latin typeface="Arial"/>
               </a:rPr>
               <a:t>Sixth Outline Level</a:t>
@@ -6492,7 +5393,7 @@
               <a:buChar char=""/>
             </a:pPr>
             <a:r>
-              <a:rPr lang="en-US" sz="3200">
+              <a:rPr lang="en-US">
                 <a:latin typeface="Arial"/>
               </a:rPr>
               <a:t>Seventh Outline Level</a:t>
@@ -6517,229 +5418,6 @@
     <p:sldLayoutId id="2147483697" r:id="rId11"/>
     <p:sldLayoutId id="2147483698" r:id="rId12"/>
     <p:sldLayoutId id="2147483699" r:id="rId13"/>
-  </p:sldLayoutIdLst>
-</p:sldMaster>
-</file>
-
-<file path=ppt/slideMasters/slideMaster5.xml><?xml version="1.0" encoding="utf-8"?>
-<p:sldMaster xmlns:a="http://schemas.openxmlformats.org/drawingml/2006/main" xmlns:p="http://schemas.openxmlformats.org/presentationml/2006/main" xmlns:r="http://schemas.openxmlformats.org/officeDocument/2006/relationships">
-  <p:cSld>
-    <p:bg>
-      <p:bgPr>
-        <a:solidFill>
-          <a:srgbClr val="ffffff"/>
-        </a:solidFill>
-      </p:bgPr>
-    </p:bg>
-    <p:spTree>
-      <p:nvGrpSpPr>
-        <p:cNvPr id="1" name=""/>
-        <p:cNvGrpSpPr/>
-        <p:nvPr/>
-      </p:nvGrpSpPr>
-      <p:grpSpPr>
-        <a:xfrm>
-          <a:off x="0" y="0"/>
-          <a:ext cx="0" cy="0"/>
-          <a:chOff x="0" y="0"/>
-          <a:chExt cx="0" cy="0"/>
-        </a:xfrm>
-      </p:grpSpPr>
-      <p:sp>
-        <p:nvSpPr>
-          <p:cNvPr id="147" name="PlaceHolder 1"/>
-          <p:cNvSpPr>
-            <a:spLocks noGrp="1"/>
-          </p:cNvSpPr>
-          <p:nvPr>
-            <p:ph type="sldNum"/>
-          </p:nvPr>
-        </p:nvSpPr>
-        <p:spPr>
-          <a:xfrm>
-            <a:off x="7233840" y="6889680"/>
-            <a:ext cx="2346480" cy="258840"/>
-          </a:xfrm>
-          <a:prstGeom prst="rect">
-            <a:avLst/>
-          </a:prstGeom>
-        </p:spPr>
-        <p:txBody>
-          <a:bodyPr lIns="0" rIns="0" tIns="0" bIns="0"/>
-          <a:p>
-            <a:endParaRPr/>
-          </a:p>
-        </p:txBody>
-      </p:sp>
-      <p:sp>
-        <p:nvSpPr>
-          <p:cNvPr id="148" name="PlaceHolder 2"/>
-          <p:cNvSpPr>
-            <a:spLocks noGrp="1"/>
-          </p:cNvSpPr>
-          <p:nvPr>
-            <p:ph type="title"/>
-          </p:nvPr>
-        </p:nvSpPr>
-        <p:spPr>
-          <a:xfrm>
-            <a:off x="503640" y="93600"/>
-            <a:ext cx="9075600" cy="1675080"/>
-          </a:xfrm>
-          <a:prstGeom prst="rect">
-            <a:avLst/>
-          </a:prstGeom>
-        </p:spPr>
-        <p:txBody>
-          <a:bodyPr lIns="0" rIns="0" tIns="0" bIns="0" anchor="ctr"/>
-          <a:p>
-            <a:r>
-              <a:rPr lang="en-US" sz="4400">
-                <a:latin typeface="Times New Roman"/>
-              </a:rPr>
-              <a:t>Click to edit the title text format</a:t>
-            </a:r>
-            <a:endParaRPr/>
-          </a:p>
-        </p:txBody>
-      </p:sp>
-      <p:sp>
-        <p:nvSpPr>
-          <p:cNvPr id="149" name="PlaceHolder 3"/>
-          <p:cNvSpPr>
-            <a:spLocks noGrp="1"/>
-          </p:cNvSpPr>
-          <p:nvPr>
-            <p:ph type="body"/>
-          </p:nvPr>
-        </p:nvSpPr>
-        <p:spPr>
-          <a:xfrm>
-            <a:off x="503640" y="1769040"/>
-            <a:ext cx="9075600" cy="5790600"/>
-          </a:xfrm>
-          <a:prstGeom prst="rect">
-            <a:avLst/>
-          </a:prstGeom>
-        </p:spPr>
-        <p:txBody>
-          <a:bodyPr lIns="0" rIns="0" tIns="0" bIns="0"/>
-          <a:p>
-            <a:pPr>
-              <a:buSzPct val="45000"/>
-              <a:buFont typeface="StarSymbol"/>
-              <a:buChar char=""/>
-            </a:pPr>
-            <a:r>
-              <a:rPr lang="en-US" sz="3200">
-                <a:latin typeface="Arial"/>
-              </a:rPr>
-              <a:t>Click to edit the outline text format</a:t>
-            </a:r>
-            <a:endParaRPr/>
-          </a:p>
-          <a:p>
-            <a:pPr lvl="1">
-              <a:buSzPct val="75000"/>
-              <a:buFont typeface="StarSymbol"/>
-              <a:buChar char=""/>
-            </a:pPr>
-            <a:r>
-              <a:rPr lang="en-US" sz="3200">
-                <a:latin typeface="Arial"/>
-              </a:rPr>
-              <a:t>Second Outline Level</a:t>
-            </a:r>
-            <a:endParaRPr/>
-          </a:p>
-          <a:p>
-            <a:pPr lvl="2">
-              <a:buSzPct val="45000"/>
-              <a:buFont typeface="StarSymbol"/>
-              <a:buChar char=""/>
-            </a:pPr>
-            <a:r>
-              <a:rPr lang="en-US" sz="3200">
-                <a:latin typeface="Arial"/>
-              </a:rPr>
-              <a:t>Third Outline Level</a:t>
-            </a:r>
-            <a:endParaRPr/>
-          </a:p>
-          <a:p>
-            <a:pPr lvl="3">
-              <a:buSzPct val="75000"/>
-              <a:buFont typeface="StarSymbol"/>
-              <a:buChar char=""/>
-            </a:pPr>
-            <a:r>
-              <a:rPr lang="en-US" sz="3200">
-                <a:latin typeface="Arial"/>
-              </a:rPr>
-              <a:t>Fourth Outline Level</a:t>
-            </a:r>
-            <a:endParaRPr/>
-          </a:p>
-          <a:p>
-            <a:pPr lvl="4">
-              <a:buSzPct val="45000"/>
-              <a:buFont typeface="StarSymbol"/>
-              <a:buChar char=""/>
-            </a:pPr>
-            <a:r>
-              <a:rPr lang="en-US" sz="3200">
-                <a:latin typeface="Arial"/>
-              </a:rPr>
-              <a:t>Fifth Outline Level</a:t>
-            </a:r>
-            <a:endParaRPr/>
-          </a:p>
-          <a:p>
-            <a:pPr lvl="5">
-              <a:buSzPct val="45000"/>
-              <a:buFont typeface="StarSymbol"/>
-              <a:buChar char=""/>
-            </a:pPr>
-            <a:r>
-              <a:rPr lang="en-US" sz="3200">
-                <a:latin typeface="Arial"/>
-              </a:rPr>
-              <a:t>Sixth Outline Level</a:t>
-            </a:r>
-            <a:endParaRPr/>
-          </a:p>
-          <a:p>
-            <a:pPr lvl="6">
-              <a:buSzPct val="45000"/>
-              <a:buFont typeface="StarSymbol"/>
-              <a:buChar char=""/>
-            </a:pPr>
-            <a:r>
-              <a:rPr lang="en-US" sz="3200">
-                <a:latin typeface="Arial"/>
-              </a:rPr>
-              <a:t>Seventh Outline Level</a:t>
-            </a:r>
-            <a:endParaRPr/>
-          </a:p>
-        </p:txBody>
-      </p:sp>
-    </p:spTree>
-  </p:cSld>
-  <p:clrMap bg1="lt1" bg2="lt2" tx1="dk1" tx2="dk2" accent1="accent1" accent2="accent2" accent3="accent3" accent4="accent4" accent5="accent5" accent6="accent6" hlink="hlink" folHlink="folHlink"/>
-  <p:sldLayoutIdLst>
-    <p:sldLayoutId id="2147483701" r:id="rId2"/>
-    <p:sldLayoutId id="2147483702" r:id="rId3"/>
-    <p:sldLayoutId id="2147483703" r:id="rId4"/>
-    <p:sldLayoutId id="2147483704" r:id="rId5"/>
-    <p:sldLayoutId id="2147483705" r:id="rId6"/>
-    <p:sldLayoutId id="2147483706" r:id="rId7"/>
-    <p:sldLayoutId id="2147483707" r:id="rId8"/>
-    <p:sldLayoutId id="2147483708" r:id="rId9"/>
-    <p:sldLayoutId id="2147483709" r:id="rId10"/>
-    <p:sldLayoutId id="2147483710" r:id="rId11"/>
-    <p:sldLayoutId id="2147483711" r:id="rId12"/>
-    <p:sldLayoutId id="2147483712" r:id="rId13"/>
   </p:sldLayoutIdLst>
 </p:sldMaster>
 </file>
@@ -6763,7 +5441,7 @@
       </p:grpSpPr>
       <p:pic>
         <p:nvPicPr>
-          <p:cNvPr id="184" name="image.png" descr=""/>
+          <p:cNvPr id="144" name="image.png" descr=""/>
           <p:cNvPicPr/>
           <p:nvPr/>
         </p:nvPicPr>
@@ -6774,7 +5452,7 @@
         <p:spPr>
           <a:xfrm>
             <a:off x="413280" y="1829520"/>
-            <a:ext cx="9380520" cy="2127960"/>
+            <a:ext cx="9380160" cy="2127600"/>
           </a:xfrm>
           <a:prstGeom prst="rect">
             <a:avLst/>
@@ -6786,14 +5464,14 @@
       </p:pic>
       <p:sp>
         <p:nvSpPr>
-          <p:cNvPr id="185" name="TextShape 1"/>
-          <p:cNvSpPr txBox="1"/>
+          <p:cNvPr id="145" name="CustomShape 1"/>
+          <p:cNvSpPr/>
           <p:nvPr/>
         </p:nvSpPr>
         <p:spPr>
           <a:xfrm>
             <a:off x="3020400" y="4860000"/>
-            <a:ext cx="4431240" cy="2091600"/>
+            <a:ext cx="4430880" cy="2091240"/>
           </a:xfrm>
           <a:prstGeom prst="rect">
             <a:avLst/>
@@ -6803,6 +5481,12 @@
             <a:noFill/>
           </a:ln>
         </p:spPr>
+        <p:style>
+          <a:lnRef idx="0"/>
+          <a:fillRef idx="0"/>
+          <a:effectRef idx="0"/>
+          <a:fontRef idx="minor"/>
+        </p:style>
         <p:txBody>
           <a:bodyPr lIns="0" rIns="0" tIns="0" bIns="0"/>
           <a:p>
@@ -7012,14 +5696,14 @@
       </p:grpSpPr>
       <p:sp>
         <p:nvSpPr>
-          <p:cNvPr id="186" name="TextShape 1"/>
-          <p:cNvSpPr txBox="1"/>
+          <p:cNvPr id="146" name="CustomShape 1"/>
+          <p:cNvSpPr/>
           <p:nvPr/>
         </p:nvSpPr>
         <p:spPr>
           <a:xfrm>
             <a:off x="503640" y="301680"/>
-            <a:ext cx="9078840" cy="1262520"/>
+            <a:ext cx="9078480" cy="1262160"/>
           </a:xfrm>
           <a:prstGeom prst="rect">
             <a:avLst/>
@@ -7029,6 +5713,12 @@
             <a:noFill/>
           </a:ln>
         </p:spPr>
+        <p:style>
+          <a:lnRef idx="0"/>
+          <a:fillRef idx="0"/>
+          <a:effectRef idx="0"/>
+          <a:fontRef idx="minor"/>
+        </p:style>
         <p:txBody>
           <a:bodyPr lIns="0" rIns="0" tIns="0" bIns="0" anchor="ctr"/>
           <a:p>
@@ -7057,14 +5747,14 @@
       </p:sp>
       <p:sp>
         <p:nvSpPr>
-          <p:cNvPr id="187" name="TextShape 2"/>
-          <p:cNvSpPr txBox="1"/>
+          <p:cNvPr id="147" name="CustomShape 2"/>
+          <p:cNvSpPr/>
           <p:nvPr/>
         </p:nvSpPr>
         <p:spPr>
           <a:xfrm>
             <a:off x="503640" y="1769040"/>
-            <a:ext cx="3336840" cy="5271840"/>
+            <a:ext cx="3336480" cy="5271480"/>
           </a:xfrm>
           <a:prstGeom prst="rect">
             <a:avLst/>
@@ -7074,6 +5764,12 @@
             <a:noFill/>
           </a:ln>
         </p:spPr>
+        <p:style>
+          <a:lnRef idx="0"/>
+          <a:fillRef idx="0"/>
+          <a:effectRef idx="0"/>
+          <a:fontRef idx="minor"/>
+        </p:style>
         <p:txBody>
           <a:bodyPr lIns="0" rIns="0" tIns="0" bIns="0"/>
           <a:p>
@@ -7220,14 +5916,14 @@
       </p:sp>
       <p:sp>
         <p:nvSpPr>
-          <p:cNvPr id="188" name="CustomShape 3"/>
+          <p:cNvPr id="148" name="CustomShape 3"/>
           <p:cNvSpPr/>
           <p:nvPr/>
         </p:nvSpPr>
         <p:spPr>
           <a:xfrm>
             <a:off x="3843360" y="1769040"/>
-            <a:ext cx="5743440" cy="4479480"/>
+            <a:ext cx="5743080" cy="4479120"/>
           </a:xfrm>
           <a:prstGeom prst="rect">
             <a:avLst/>
@@ -7256,6 +5952,9 @@
             </a:pPr>
             <a:r>
               <a:rPr lang="en-US" sz="3200" strike="noStrike">
+                <a:solidFill>
+                  <a:srgbClr val="000000"/>
+                </a:solidFill>
                 <a:latin typeface="Arial"/>
                 <a:ea typeface="Arial"/>
               </a:rPr>
@@ -7263,6 +5962,9 @@
             </a:r>
             <a:r>
               <a:rPr lang="en-US" sz="3200" strike="noStrike">
+                <a:solidFill>
+                  <a:srgbClr val="000000"/>
+                </a:solidFill>
                 <a:latin typeface="Arial"/>
                 <a:ea typeface="Arial"/>
               </a:rPr>
@@ -7281,6 +5983,9 @@
             </a:pPr>
             <a:r>
               <a:rPr lang="en-US" sz="3200" strike="noStrike">
+                <a:solidFill>
+                  <a:srgbClr val="000000"/>
+                </a:solidFill>
                 <a:latin typeface="Arial"/>
                 <a:ea typeface="Arial"/>
               </a:rPr>
@@ -7288,6 +5993,9 @@
             </a:r>
             <a:r>
               <a:rPr lang="en-US" sz="3200" strike="noStrike">
+                <a:solidFill>
+                  <a:srgbClr val="000000"/>
+                </a:solidFill>
                 <a:latin typeface="Arial"/>
                 <a:ea typeface="Arial"/>
               </a:rPr>
@@ -7306,6 +6014,9 @@
             </a:pPr>
             <a:r>
               <a:rPr lang="en-US" sz="3200" strike="noStrike">
+                <a:solidFill>
+                  <a:srgbClr val="000000"/>
+                </a:solidFill>
                 <a:latin typeface="Arial"/>
                 <a:ea typeface="Arial"/>
               </a:rPr>
@@ -7313,6 +6024,9 @@
             </a:r>
             <a:r>
               <a:rPr lang="en-US" sz="3200" strike="noStrike">
+                <a:solidFill>
+                  <a:srgbClr val="000000"/>
+                </a:solidFill>
                 <a:latin typeface="Arial"/>
                 <a:ea typeface="Arial"/>
               </a:rPr>
@@ -7331,6 +6045,9 @@
             </a:pPr>
             <a:r>
               <a:rPr lang="en-US" sz="3200" strike="noStrike">
+                <a:solidFill>
+                  <a:srgbClr val="000000"/>
+                </a:solidFill>
                 <a:latin typeface="Arial"/>
                 <a:ea typeface="Arial"/>
               </a:rPr>
@@ -7338,6 +6055,9 @@
             </a:r>
             <a:r>
               <a:rPr lang="en-US" sz="3200" strike="noStrike">
+                <a:solidFill>
+                  <a:srgbClr val="000000"/>
+                </a:solidFill>
                 <a:latin typeface="Arial"/>
                 <a:ea typeface="Arial"/>
               </a:rPr>
@@ -7356,6 +6076,9 @@
             </a:pPr>
             <a:r>
               <a:rPr lang="en-US" sz="3200" strike="noStrike">
+                <a:solidFill>
+                  <a:srgbClr val="000000"/>
+                </a:solidFill>
                 <a:latin typeface="Arial"/>
                 <a:ea typeface="Arial"/>
               </a:rPr>
@@ -7363,6 +6086,9 @@
             </a:r>
             <a:r>
               <a:rPr lang="en-US" sz="3200" strike="noStrike">
+                <a:solidFill>
+                  <a:srgbClr val="000000"/>
+                </a:solidFill>
                 <a:latin typeface="Arial"/>
                 <a:ea typeface="Arial"/>
               </a:rPr>
@@ -7381,6 +6107,9 @@
             </a:pPr>
             <a:r>
               <a:rPr lang="en-US" sz="3200" strike="noStrike">
+                <a:solidFill>
+                  <a:srgbClr val="000000"/>
+                </a:solidFill>
                 <a:latin typeface="Arial"/>
                 <a:ea typeface="Arial"/>
               </a:rPr>
@@ -7388,6 +6117,9 @@
             </a:r>
             <a:r>
               <a:rPr lang="en-US" sz="3200" strike="noStrike">
+                <a:solidFill>
+                  <a:srgbClr val="000000"/>
+                </a:solidFill>
                 <a:latin typeface="Arial"/>
                 <a:ea typeface="Arial"/>
               </a:rPr>
@@ -7406,6 +6138,9 @@
             </a:pPr>
             <a:r>
               <a:rPr lang="en-US" sz="3200" strike="noStrike">
+                <a:solidFill>
+                  <a:srgbClr val="000000"/>
+                </a:solidFill>
                 <a:latin typeface="Arial"/>
                 <a:ea typeface="Arial"/>
               </a:rPr>
@@ -7413,6 +6148,9 @@
             </a:r>
             <a:r>
               <a:rPr lang="en-US" sz="3200" strike="noStrike">
+                <a:solidFill>
+                  <a:srgbClr val="000000"/>
+                </a:solidFill>
                 <a:latin typeface="Arial"/>
                 <a:ea typeface="Arial"/>
               </a:rPr>
@@ -7473,14 +6211,14 @@
       </p:grpSpPr>
       <p:sp>
         <p:nvSpPr>
-          <p:cNvPr id="189" name="TextShape 1"/>
-          <p:cNvSpPr txBox="1"/>
+          <p:cNvPr id="149" name="CustomShape 1"/>
+          <p:cNvSpPr/>
           <p:nvPr/>
         </p:nvSpPr>
         <p:spPr>
           <a:xfrm>
             <a:off x="503640" y="301680"/>
-            <a:ext cx="9077400" cy="1260720"/>
+            <a:ext cx="9077040" cy="1260360"/>
           </a:xfrm>
           <a:prstGeom prst="rect">
             <a:avLst/>
@@ -7490,6 +6228,12 @@
             <a:noFill/>
           </a:ln>
         </p:spPr>
+        <p:style>
+          <a:lnRef idx="0"/>
+          <a:fillRef idx="0"/>
+          <a:effectRef idx="0"/>
+          <a:fontRef idx="minor"/>
+        </p:style>
         <p:txBody>
           <a:bodyPr lIns="0" rIns="0" tIns="0" bIns="0" anchor="ctr"/>
           <a:p>
@@ -7511,7 +6255,7 @@
       </p:sp>
       <p:pic>
         <p:nvPicPr>
-          <p:cNvPr id="190" name="flowchart.png" descr=""/>
+          <p:cNvPr id="150" name="flowchart.png" descr=""/>
           <p:cNvPicPr/>
           <p:nvPr/>
         </p:nvPicPr>
@@ -7522,7 +6266,7 @@
         <p:spPr>
           <a:xfrm>
             <a:off x="2864880" y="1446120"/>
-            <a:ext cx="5475960" cy="5703840"/>
+            <a:ext cx="5475600" cy="5703480"/>
           </a:xfrm>
           <a:prstGeom prst="rect">
             <a:avLst/>
@@ -7583,14 +6327,14 @@
       </p:grpSpPr>
       <p:sp>
         <p:nvSpPr>
-          <p:cNvPr id="191" name="TextShape 1"/>
-          <p:cNvSpPr txBox="1"/>
+          <p:cNvPr id="151" name="CustomShape 1"/>
+          <p:cNvSpPr/>
           <p:nvPr/>
         </p:nvSpPr>
         <p:spPr>
           <a:xfrm>
             <a:off x="503640" y="301680"/>
-            <a:ext cx="9077400" cy="1260720"/>
+            <a:ext cx="9077040" cy="1260360"/>
           </a:xfrm>
           <a:prstGeom prst="rect">
             <a:avLst/>
@@ -7600,6 +6344,12 @@
             <a:noFill/>
           </a:ln>
         </p:spPr>
+        <p:style>
+          <a:lnRef idx="0"/>
+          <a:fillRef idx="0"/>
+          <a:effectRef idx="0"/>
+          <a:fontRef idx="minor"/>
+        </p:style>
         <p:txBody>
           <a:bodyPr lIns="0" rIns="0" tIns="0" bIns="0" anchor="ctr"/>
           <a:p>
@@ -7621,14 +6371,14 @@
       </p:sp>
       <p:sp>
         <p:nvSpPr>
-          <p:cNvPr id="192" name="TextShape 2"/>
-          <p:cNvSpPr txBox="1"/>
+          <p:cNvPr id="152" name="CustomShape 2"/>
+          <p:cNvSpPr/>
           <p:nvPr/>
         </p:nvSpPr>
         <p:spPr>
           <a:xfrm>
             <a:off x="503640" y="1667520"/>
-            <a:ext cx="9077400" cy="5138640"/>
+            <a:ext cx="9077040" cy="5138280"/>
           </a:xfrm>
           <a:prstGeom prst="rect">
             <a:avLst/>
@@ -7638,6 +6388,12 @@
             <a:noFill/>
           </a:ln>
         </p:spPr>
+        <p:style>
+          <a:lnRef idx="0"/>
+          <a:fillRef idx="0"/>
+          <a:effectRef idx="0"/>
+          <a:fontRef idx="minor"/>
+        </p:style>
         <p:txBody>
           <a:bodyPr lIns="0" rIns="0" tIns="0" bIns="0"/>
           <a:p>
@@ -7647,11 +6403,11 @@
               </a:lnSpc>
             </a:pPr>
             <a:r>
-              <a:rPr b="1" lang="en-US" sz="1489" strike="noStrike">
+              <a:rPr b="1" lang="en-US" sz="3200" strike="noStrike">
                 <a:latin typeface="Arial"/>
                 <a:ea typeface="Arial"/>
               </a:rPr>
-              <a:t>???</a:t>
+              <a:t>Phrase Cards is an interactive free-to-play multiplayer web app. The game is centered around filling in an incomplete story. The players submit words to the "card czar" who chooses which word given is used to fill in the story. The card czar is a role which changes every turn, so every player gets a chance to create the story, using their favorite submitted word given by the others.</a:t>
             </a:r>
             <a:endParaRPr/>
           </a:p>
@@ -7708,124 +6464,87 @@
       </p:grpSpPr>
       <p:sp>
         <p:nvSpPr>
-          <p:cNvPr id="193" name="TextShape 1"/>
-          <p:cNvSpPr txBox="1"/>
+          <p:cNvPr id="153" name="CustomShape 1"/>
+          <p:cNvSpPr/>
           <p:nvPr/>
         </p:nvSpPr>
         <p:spPr>
           <a:xfrm>
-            <a:off x="503640" y="93600"/>
-            <a:ext cx="9075600" cy="1675080"/>
+            <a:off x="503640" y="301680"/>
+            <a:ext cx="9077040" cy="1260360"/>
           </a:xfrm>
           <a:prstGeom prst="rect">
             <a:avLst/>
           </a:prstGeom>
           <a:noFill/>
-          <a:ln>
+          <a:ln w="12600">
             <a:noFill/>
           </a:ln>
         </p:spPr>
+        <p:style>
+          <a:lnRef idx="0"/>
+          <a:fillRef idx="0"/>
+          <a:effectRef idx="0"/>
+          <a:fontRef idx="minor"/>
+        </p:style>
         <p:txBody>
           <a:bodyPr lIns="0" rIns="0" tIns="0" bIns="0" anchor="ctr"/>
           <a:p>
-            <a:r>
-              <a:rPr lang="en-US" sz="4400">
-                <a:latin typeface="Times New Roman"/>
-              </a:rPr>
-              <a:t>Problems</a:t>
-            </a:r>
-            <a:endParaRPr/>
-          </a:p>
-        </p:txBody>
-      </p:sp>
-      <p:sp>
-        <p:nvSpPr>
-          <p:cNvPr id="194" name="TextShape 2"/>
-          <p:cNvSpPr txBox="1"/>
+            <a:pPr>
+              <a:lnSpc>
+                <a:spcPct val="100000"/>
+              </a:lnSpc>
+            </a:pPr>
+            <a:r>
+              <a:rPr lang="en-US" sz="4400" strike="noStrike">
+                <a:latin typeface="Arial"/>
+                <a:ea typeface="Arial"/>
+              </a:rPr>
+              <a:t>Overview</a:t>
+            </a:r>
+            <a:endParaRPr/>
+          </a:p>
+        </p:txBody>
+      </p:sp>
+      <p:sp>
+        <p:nvSpPr>
+          <p:cNvPr id="154" name="CustomShape 2"/>
+          <p:cNvSpPr/>
           <p:nvPr/>
         </p:nvSpPr>
         <p:spPr>
           <a:xfrm>
-            <a:off x="503640" y="1769040"/>
-            <a:ext cx="9075600" cy="5790600"/>
+            <a:off x="503640" y="1667520"/>
+            <a:ext cx="9077040" cy="5138280"/>
           </a:xfrm>
           <a:prstGeom prst="rect">
             <a:avLst/>
           </a:prstGeom>
           <a:noFill/>
-          <a:ln>
+          <a:ln w="12600">
             <a:noFill/>
           </a:ln>
         </p:spPr>
+        <p:style>
+          <a:lnRef idx="0"/>
+          <a:fillRef idx="0"/>
+          <a:effectRef idx="0"/>
+          <a:fontRef idx="minor"/>
+        </p:style>
         <p:txBody>
           <a:bodyPr lIns="0" rIns="0" tIns="0" bIns="0"/>
           <a:p>
             <a:pPr>
-              <a:buSzPct val="45000"/>
-              <a:buFont typeface="StarSymbol"/>
-              <a:buChar char=""/>
+              <a:lnSpc>
+                <a:spcPct val="100000"/>
+              </a:lnSpc>
             </a:pPr>
             <a:r>
-              <a:rPr lang="en-US" sz="3200">
-                <a:latin typeface="Arial"/>
-              </a:rPr>
-              <a:t>Team members took different directions on how game would be played out.</a:t>
-            </a:r>
-            <a:endParaRPr/>
-          </a:p>
-          <a:p>
-            <a:pPr>
-              <a:buSzPct val="45000"/>
-              <a:buFont typeface="StarSymbol"/>
-              <a:buChar char=""/>
-            </a:pPr>
-            <a:r>
-              <a:rPr lang="en-US" sz="3200">
-                <a:latin typeface="Arial"/>
-              </a:rPr>
-              <a:t>Delegation of work was low in beginning which lead to too much catchup later in development</a:t>
-            </a:r>
-            <a:endParaRPr/>
-          </a:p>
-          <a:p>
-            <a:pPr>
-              <a:buSzPct val="45000"/>
-              <a:buFont typeface="StarSymbol"/>
-              <a:buChar char=""/>
-            </a:pPr>
-            <a:r>
-              <a:rPr lang="en-US" sz="3200">
-                <a:latin typeface="Arial"/>
-              </a:rPr>
-              <a:t>Absenteeism from class and group meeting lead to some members lack of understanding</a:t>
-            </a:r>
-            <a:endParaRPr/>
-          </a:p>
-          <a:p>
-            <a:pPr>
-              <a:buSzPct val="45000"/>
-              <a:buFont typeface="StarSymbol"/>
-              <a:buChar char=""/>
-            </a:pPr>
-            <a:r>
-              <a:rPr lang="en-US" sz="3200">
-                <a:latin typeface="Arial"/>
-              </a:rPr>
-              <a:t>Massiveness of project and libraries was difficult to learn</a:t>
-            </a:r>
-            <a:endParaRPr/>
-          </a:p>
-          <a:p>
-            <a:pPr>
-              <a:buSzPct val="45000"/>
-              <a:buFont typeface="StarSymbol"/>
-              <a:buChar char=""/>
-            </a:pPr>
-            <a:r>
-              <a:rPr lang="en-US" sz="3200">
-                <a:latin typeface="Arial"/>
-              </a:rPr>
-              <a:t> </a:t>
+              <a:rPr b="1" lang="en-US" sz="3200" strike="noStrike">
+                <a:latin typeface="Arial"/>
+                <a:ea typeface="Arial"/>
+              </a:rPr>
+              <a:t>Phrase Cards started as a (noun) of Cards Against Humanity, but after realizing that game was (adjective), we decided to combine it with MadLibs to make our project (Awesome)!</a:t>
             </a:r>
             <a:endParaRPr/>
           </a:p>
@@ -7882,97 +6601,88 @@
       </p:grpSpPr>
       <p:sp>
         <p:nvSpPr>
-          <p:cNvPr id="195" name="TextShape 1"/>
-          <p:cNvSpPr txBox="1"/>
+          <p:cNvPr id="155" name="CustomShape 1"/>
+          <p:cNvSpPr/>
           <p:nvPr/>
         </p:nvSpPr>
         <p:spPr>
           <a:xfrm>
-            <a:off x="503640" y="93600"/>
-            <a:ext cx="9075600" cy="1675080"/>
+            <a:off x="503640" y="301680"/>
+            <a:ext cx="9077040" cy="1260360"/>
           </a:xfrm>
           <a:prstGeom prst="rect">
             <a:avLst/>
           </a:prstGeom>
           <a:noFill/>
-          <a:ln>
+          <a:ln w="12600">
             <a:noFill/>
           </a:ln>
         </p:spPr>
+        <p:style>
+          <a:lnRef idx="0"/>
+          <a:fillRef idx="0"/>
+          <a:effectRef idx="0"/>
+          <a:fontRef idx="minor"/>
+        </p:style>
         <p:txBody>
           <a:bodyPr lIns="0" rIns="0" tIns="0" bIns="0" anchor="ctr"/>
           <a:p>
-            <a:r>
-              <a:rPr lang="en-US" sz="4400">
-                <a:latin typeface="Times New Roman"/>
-              </a:rPr>
-              <a:t>Not Implemented</a:t>
-            </a:r>
-            <a:r>
-              <a:rPr lang="en-US" sz="4400">
-                <a:latin typeface="Times New Roman"/>
-              </a:rPr>
-              <a:t>	</a:t>
-            </a:r>
-            <a:endParaRPr/>
-          </a:p>
-        </p:txBody>
-      </p:sp>
-      <p:sp>
-        <p:nvSpPr>
-          <p:cNvPr id="196" name="TextShape 2"/>
-          <p:cNvSpPr txBox="1"/>
+            <a:pPr>
+              <a:lnSpc>
+                <a:spcPct val="100000"/>
+              </a:lnSpc>
+            </a:pPr>
+            <a:r>
+              <a:rPr lang="en-US" sz="4400" strike="noStrike">
+                <a:latin typeface="Arial"/>
+                <a:ea typeface="Arial"/>
+              </a:rPr>
+              <a:t>Overview</a:t>
+            </a:r>
+            <a:endParaRPr/>
+          </a:p>
+        </p:txBody>
+      </p:sp>
+      <p:sp>
+        <p:nvSpPr>
+          <p:cNvPr id="156" name="CustomShape 2"/>
+          <p:cNvSpPr/>
           <p:nvPr/>
         </p:nvSpPr>
         <p:spPr>
           <a:xfrm>
-            <a:off x="503640" y="1769040"/>
-            <a:ext cx="9075600" cy="5790600"/>
+            <a:off x="503640" y="1667520"/>
+            <a:ext cx="9077040" cy="5138280"/>
           </a:xfrm>
           <a:prstGeom prst="rect">
             <a:avLst/>
           </a:prstGeom>
           <a:noFill/>
-          <a:ln>
+          <a:ln w="12600">
             <a:noFill/>
           </a:ln>
         </p:spPr>
+        <p:style>
+          <a:lnRef idx="0"/>
+          <a:fillRef idx="0"/>
+          <a:effectRef idx="0"/>
+          <a:fontRef idx="minor"/>
+        </p:style>
         <p:txBody>
           <a:bodyPr lIns="0" rIns="0" tIns="0" bIns="0"/>
           <a:p>
             <a:pPr>
-              <a:buSzPct val="45000"/>
-              <a:buFont typeface="StarSymbol"/>
-              <a:buChar char=""/>
+              <a:lnSpc>
+                <a:spcPct val="100000"/>
+              </a:lnSpc>
             </a:pPr>
             <a:r>
-              <a:rPr lang="en-US" sz="3200">
-                <a:latin typeface="Arial"/>
-              </a:rPr>
-              <a:t>Cards against Humanity style game was re-visioned into mad-lib style game</a:t>
-            </a:r>
-            <a:endParaRPr/>
-          </a:p>
-          <a:p>
-            <a:pPr>
-              <a:buSzPct val="45000"/>
-              <a:buFont typeface="StarSymbol"/>
-              <a:buChar char=""/>
-            </a:pPr>
-            <a:r>
-              <a:rPr lang="en-US" sz="3200">
-                <a:latin typeface="Arial"/>
-              </a:rPr>
-              <a:t>Implementing our own logo/avatar feature was abandoned for Gravatar web-service</a:t>
-            </a:r>
-            <a:endParaRPr/>
-          </a:p>
-          <a:p>
-            <a:pPr>
-              <a:buSzPct val="45000"/>
-              <a:buFont typeface="StarSymbol"/>
-              <a:buChar char=""/>
-            </a:pPr>
+              <a:rPr b="1" lang="en-US" sz="3200" strike="noStrike">
+                <a:latin typeface="Arial"/>
+                <a:ea typeface="Arial"/>
+              </a:rPr>
+              <a:t>The application presents a user friendly gui, a playing area with real-time updates, personal profile page with a friends list, search functionality for other players profiles and an in-game chat room.  Our back end development uses MongoDB to store user data, game state and structured story data, and shares this data with the client via AJAX and Socket.IO implementations.</a:t>
+            </a:r>
             <a:endParaRPr/>
           </a:p>
         </p:txBody>
@@ -8028,14 +6738,14 @@
       </p:grpSpPr>
       <p:sp>
         <p:nvSpPr>
-          <p:cNvPr id="197" name="TextShape 1"/>
-          <p:cNvSpPr txBox="1"/>
+          <p:cNvPr id="157" name="CustomShape 1"/>
+          <p:cNvSpPr/>
           <p:nvPr/>
         </p:nvSpPr>
         <p:spPr>
           <a:xfrm>
             <a:off x="503640" y="93600"/>
-            <a:ext cx="9075600" cy="1675080"/>
+            <a:ext cx="9075240" cy="1674720"/>
           </a:xfrm>
           <a:prstGeom prst="rect">
             <a:avLst/>
@@ -8045,29 +6755,35 @@
             <a:noFill/>
           </a:ln>
         </p:spPr>
+        <p:style>
+          <a:lnRef idx="0"/>
+          <a:fillRef idx="0"/>
+          <a:effectRef idx="0"/>
+          <a:fontRef idx="minor"/>
+        </p:style>
         <p:txBody>
           <a:bodyPr lIns="0" rIns="0" tIns="0" bIns="0" anchor="ctr"/>
           <a:p>
             <a:r>
-              <a:rPr lang="en-US" sz="4400">
+              <a:rPr lang="en-US" sz="4400" strike="noStrike">
                 <a:latin typeface="Times New Roman"/>
               </a:rPr>
-              <a:t>Future Content</a:t>
-            </a:r>
-            <a:endParaRPr/>
-          </a:p>
-        </p:txBody>
-      </p:sp>
-      <p:sp>
-        <p:nvSpPr>
-          <p:cNvPr id="198" name="TextShape 2"/>
-          <p:cNvSpPr txBox="1"/>
+              <a:t>Problems</a:t>
+            </a:r>
+            <a:endParaRPr/>
+          </a:p>
+        </p:txBody>
+      </p:sp>
+      <p:sp>
+        <p:nvSpPr>
+          <p:cNvPr id="158" name="CustomShape 2"/>
+          <p:cNvSpPr/>
           <p:nvPr/>
         </p:nvSpPr>
         <p:spPr>
           <a:xfrm>
             <a:off x="503640" y="1769040"/>
-            <a:ext cx="9075600" cy="5790600"/>
+            <a:ext cx="9075240" cy="5790240"/>
           </a:xfrm>
           <a:prstGeom prst="rect">
             <a:avLst/>
@@ -8077,61 +6793,96 @@
             <a:noFill/>
           </a:ln>
         </p:spPr>
+        <p:style>
+          <a:lnRef idx="0"/>
+          <a:fillRef idx="0"/>
+          <a:effectRef idx="0"/>
+          <a:fontRef idx="minor"/>
+        </p:style>
         <p:txBody>
           <a:bodyPr lIns="0" rIns="0" tIns="0" bIns="0"/>
           <a:p>
             <a:pPr>
+              <a:lnSpc>
+                <a:spcPct val="100000"/>
+              </a:lnSpc>
               <a:buSzPct val="45000"/>
               <a:buFont typeface="StarSymbol"/>
-              <a:buChar char=""/>
+              <a:buChar char="l"/>
             </a:pPr>
             <a:r>
-              <a:rPr lang="en-US" sz="3200">
-                <a:latin typeface="Arial"/>
-              </a:rPr>
-              <a:t>Custom, player made, stories </a:t>
+              <a:rPr lang="en-US" sz="3200" strike="noStrike">
+                <a:latin typeface="Arial"/>
+              </a:rPr>
+              <a:t>Team members took different directions on how game would be played out.</a:t>
             </a:r>
             <a:endParaRPr/>
           </a:p>
           <a:p>
             <a:pPr>
+              <a:lnSpc>
+                <a:spcPct val="100000"/>
+              </a:lnSpc>
               <a:buSzPct val="45000"/>
               <a:buFont typeface="StarSymbol"/>
-              <a:buChar char=""/>
+              <a:buChar char="l"/>
             </a:pPr>
             <a:r>
-              <a:rPr lang="en-US" sz="3200">
-                <a:latin typeface="Arial"/>
-              </a:rPr>
-              <a:t>Different game modes/ styles of mad-libs</a:t>
+              <a:rPr lang="en-US" sz="3200" strike="noStrike">
+                <a:latin typeface="Arial"/>
+              </a:rPr>
+              <a:t>Delegation of work was low in beginning which lead to too much catchup later in development</a:t>
             </a:r>
             <a:endParaRPr/>
           </a:p>
           <a:p>
             <a:pPr>
+              <a:lnSpc>
+                <a:spcPct val="100000"/>
+              </a:lnSpc>
               <a:buSzPct val="45000"/>
               <a:buFont typeface="StarSymbol"/>
-              <a:buChar char=""/>
+              <a:buChar char="l"/>
             </a:pPr>
             <a:r>
-              <a:rPr lang="en-US" sz="3200">
-                <a:latin typeface="Arial"/>
-              </a:rPr>
-              <a:t>Profanity Filter</a:t>
+              <a:rPr lang="en-US" sz="3200" strike="noStrike">
+                <a:latin typeface="Arial"/>
+              </a:rPr>
+              <a:t>Absenteeism from class and group meeting lead to some members lack of understanding</a:t>
             </a:r>
             <a:endParaRPr/>
           </a:p>
           <a:p>
             <a:pPr>
+              <a:lnSpc>
+                <a:spcPct val="100000"/>
+              </a:lnSpc>
               <a:buSzPct val="45000"/>
               <a:buFont typeface="StarSymbol"/>
-              <a:buChar char=""/>
+              <a:buChar char="l"/>
             </a:pPr>
             <a:r>
-              <a:rPr lang="en-US" sz="3200">
-                <a:latin typeface="Arial"/>
-              </a:rPr>
-              <a:t>Larger database of stories</a:t>
+              <a:rPr lang="en-US" sz="3200" strike="noStrike">
+                <a:latin typeface="Arial"/>
+              </a:rPr>
+              <a:t>Massiveness of project and libraries was difficult to learn</a:t>
+            </a:r>
+            <a:endParaRPr/>
+          </a:p>
+          <a:p>
+            <a:pPr>
+              <a:lnSpc>
+                <a:spcPct val="100000"/>
+              </a:lnSpc>
+              <a:buSzPct val="45000"/>
+              <a:buFont typeface="StarSymbol"/>
+              <a:buChar char="l"/>
+            </a:pPr>
+            <a:r>
+              <a:rPr lang="en-US" sz="3200" strike="noStrike">
+                <a:latin typeface="Arial"/>
+              </a:rPr>
+              <a:t> </a:t>
             </a:r>
             <a:endParaRPr/>
           </a:p>
@@ -8146,6 +6897,354 @@
           <p:childTnLst>
             <p:seq>
               <p:cTn id="14" nodeType="mainSeq"/>
+              <p:prevCondLst>
+                <p:cond delay="0" evt="onPrev">
+                  <p:tgtEl>
+                    <p:sldTgt/>
+                  </p:tgtEl>
+                </p:cond>
+              </p:prevCondLst>
+              <p:nextCondLst>
+                <p:cond delay="0" evt="onNext">
+                  <p:tgtEl>
+                    <p:sldTgt/>
+                  </p:tgtEl>
+                </p:cond>
+              </p:nextCondLst>
+            </p:seq>
+          </p:childTnLst>
+        </p:cTn>
+      </p:par>
+    </p:tnLst>
+  </p:timing>
+</p:sld>
+</file>
+
+<file path=ppt/slides/slide8.xml><?xml version="1.0" encoding="utf-8"?>
+<p:sld xmlns:a="http://schemas.openxmlformats.org/drawingml/2006/main" xmlns:p="http://schemas.openxmlformats.org/presentationml/2006/main" xmlns:r="http://schemas.openxmlformats.org/officeDocument/2006/relationships">
+  <p:cSld>
+    <p:spTree>
+      <p:nvGrpSpPr>
+        <p:cNvPr id="1" name=""/>
+        <p:cNvGrpSpPr/>
+        <p:nvPr/>
+      </p:nvGrpSpPr>
+      <p:grpSpPr>
+        <a:xfrm>
+          <a:off x="0" y="0"/>
+          <a:ext cx="0" cy="0"/>
+          <a:chOff x="0" y="0"/>
+          <a:chExt cx="0" cy="0"/>
+        </a:xfrm>
+      </p:grpSpPr>
+      <p:sp>
+        <p:nvSpPr>
+          <p:cNvPr id="159" name="CustomShape 1"/>
+          <p:cNvSpPr/>
+          <p:nvPr/>
+        </p:nvSpPr>
+        <p:spPr>
+          <a:xfrm>
+            <a:off x="503640" y="93600"/>
+            <a:ext cx="9075240" cy="1674720"/>
+          </a:xfrm>
+          <a:prstGeom prst="rect">
+            <a:avLst/>
+          </a:prstGeom>
+          <a:noFill/>
+          <a:ln>
+            <a:noFill/>
+          </a:ln>
+        </p:spPr>
+        <p:style>
+          <a:lnRef idx="0"/>
+          <a:fillRef idx="0"/>
+          <a:effectRef idx="0"/>
+          <a:fontRef idx="minor"/>
+        </p:style>
+        <p:txBody>
+          <a:bodyPr lIns="0" rIns="0" tIns="0" bIns="0" anchor="ctr"/>
+          <a:p>
+            <a:r>
+              <a:rPr lang="en-US" sz="4400" strike="noStrike">
+                <a:latin typeface="Times New Roman"/>
+              </a:rPr>
+              <a:t>Not Implemented</a:t>
+            </a:r>
+            <a:r>
+              <a:rPr lang="en-US" sz="4400" strike="noStrike">
+                <a:latin typeface="Times New Roman"/>
+              </a:rPr>
+              <a:t>	</a:t>
+            </a:r>
+            <a:endParaRPr/>
+          </a:p>
+        </p:txBody>
+      </p:sp>
+      <p:sp>
+        <p:nvSpPr>
+          <p:cNvPr id="160" name="CustomShape 2"/>
+          <p:cNvSpPr/>
+          <p:nvPr/>
+        </p:nvSpPr>
+        <p:spPr>
+          <a:xfrm>
+            <a:off x="503640" y="1769040"/>
+            <a:ext cx="9075240" cy="5790240"/>
+          </a:xfrm>
+          <a:prstGeom prst="rect">
+            <a:avLst/>
+          </a:prstGeom>
+          <a:noFill/>
+          <a:ln>
+            <a:noFill/>
+          </a:ln>
+        </p:spPr>
+        <p:style>
+          <a:lnRef idx="0"/>
+          <a:fillRef idx="0"/>
+          <a:effectRef idx="0"/>
+          <a:fontRef idx="minor"/>
+        </p:style>
+        <p:txBody>
+          <a:bodyPr lIns="0" rIns="0" tIns="0" bIns="0"/>
+          <a:p>
+            <a:pPr>
+              <a:lnSpc>
+                <a:spcPct val="100000"/>
+              </a:lnSpc>
+              <a:buSzPct val="45000"/>
+              <a:buFont typeface="StarSymbol"/>
+              <a:buChar char="l"/>
+            </a:pPr>
+            <a:r>
+              <a:rPr lang="en-US" sz="3200" strike="noStrike">
+                <a:latin typeface="Arial"/>
+              </a:rPr>
+              <a:t>Cards against Humanity style game was re-visioned into mad-lib style game</a:t>
+            </a:r>
+            <a:endParaRPr/>
+          </a:p>
+          <a:p>
+            <a:pPr>
+              <a:lnSpc>
+                <a:spcPct val="100000"/>
+              </a:lnSpc>
+              <a:buSzPct val="45000"/>
+              <a:buFont typeface="StarSymbol"/>
+              <a:buChar char="l"/>
+            </a:pPr>
+            <a:r>
+              <a:rPr lang="en-US" sz="3200" strike="noStrike">
+                <a:latin typeface="Arial"/>
+              </a:rPr>
+              <a:t>Implementing our own logo/avatar feature was abandoned for Gravatar web-service</a:t>
+            </a:r>
+            <a:endParaRPr/>
+          </a:p>
+          <a:p>
+            <a:pPr>
+              <a:lnSpc>
+                <a:spcPct val="100000"/>
+              </a:lnSpc>
+            </a:pPr>
+            <a:endParaRPr/>
+          </a:p>
+        </p:txBody>
+      </p:sp>
+    </p:spTree>
+  </p:cSld>
+  <p:timing>
+    <p:tnLst>
+      <p:par>
+        <p:cTn id="15" dur="indefinite" restart="never" nodeType="tmRoot">
+          <p:childTnLst>
+            <p:seq>
+              <p:cTn id="16" nodeType="mainSeq"/>
+              <p:prevCondLst>
+                <p:cond delay="0" evt="onPrev">
+                  <p:tgtEl>
+                    <p:sldTgt/>
+                  </p:tgtEl>
+                </p:cond>
+              </p:prevCondLst>
+              <p:nextCondLst>
+                <p:cond delay="0" evt="onNext">
+                  <p:tgtEl>
+                    <p:sldTgt/>
+                  </p:tgtEl>
+                </p:cond>
+              </p:nextCondLst>
+            </p:seq>
+          </p:childTnLst>
+        </p:cTn>
+      </p:par>
+    </p:tnLst>
+  </p:timing>
+</p:sld>
+</file>
+
+<file path=ppt/slides/slide9.xml><?xml version="1.0" encoding="utf-8"?>
+<p:sld xmlns:a="http://schemas.openxmlformats.org/drawingml/2006/main" xmlns:p="http://schemas.openxmlformats.org/presentationml/2006/main" xmlns:r="http://schemas.openxmlformats.org/officeDocument/2006/relationships">
+  <p:cSld>
+    <p:spTree>
+      <p:nvGrpSpPr>
+        <p:cNvPr id="1" name=""/>
+        <p:cNvGrpSpPr/>
+        <p:nvPr/>
+      </p:nvGrpSpPr>
+      <p:grpSpPr>
+        <a:xfrm>
+          <a:off x="0" y="0"/>
+          <a:ext cx="0" cy="0"/>
+          <a:chOff x="0" y="0"/>
+          <a:chExt cx="0" cy="0"/>
+        </a:xfrm>
+      </p:grpSpPr>
+      <p:sp>
+        <p:nvSpPr>
+          <p:cNvPr id="161" name="CustomShape 1"/>
+          <p:cNvSpPr/>
+          <p:nvPr/>
+        </p:nvSpPr>
+        <p:spPr>
+          <a:xfrm>
+            <a:off x="503640" y="93600"/>
+            <a:ext cx="9075240" cy="1674720"/>
+          </a:xfrm>
+          <a:prstGeom prst="rect">
+            <a:avLst/>
+          </a:prstGeom>
+          <a:noFill/>
+          <a:ln>
+            <a:noFill/>
+          </a:ln>
+        </p:spPr>
+        <p:style>
+          <a:lnRef idx="0"/>
+          <a:fillRef idx="0"/>
+          <a:effectRef idx="0"/>
+          <a:fontRef idx="minor"/>
+        </p:style>
+        <p:txBody>
+          <a:bodyPr lIns="0" rIns="0" tIns="0" bIns="0" anchor="ctr"/>
+          <a:p>
+            <a:r>
+              <a:rPr lang="en-US" sz="4400" strike="noStrike">
+                <a:latin typeface="Times New Roman"/>
+              </a:rPr>
+              <a:t>Future Content</a:t>
+            </a:r>
+            <a:endParaRPr/>
+          </a:p>
+        </p:txBody>
+      </p:sp>
+      <p:sp>
+        <p:nvSpPr>
+          <p:cNvPr id="162" name="CustomShape 2"/>
+          <p:cNvSpPr/>
+          <p:nvPr/>
+        </p:nvSpPr>
+        <p:spPr>
+          <a:xfrm>
+            <a:off x="503640" y="1769040"/>
+            <a:ext cx="9075240" cy="5790240"/>
+          </a:xfrm>
+          <a:prstGeom prst="rect">
+            <a:avLst/>
+          </a:prstGeom>
+          <a:noFill/>
+          <a:ln>
+            <a:noFill/>
+          </a:ln>
+        </p:spPr>
+        <p:style>
+          <a:lnRef idx="0"/>
+          <a:fillRef idx="0"/>
+          <a:effectRef idx="0"/>
+          <a:fontRef idx="minor"/>
+        </p:style>
+        <p:txBody>
+          <a:bodyPr lIns="0" rIns="0" tIns="0" bIns="0"/>
+          <a:p>
+            <a:pPr>
+              <a:lnSpc>
+                <a:spcPct val="100000"/>
+              </a:lnSpc>
+              <a:buSzPct val="45000"/>
+              <a:buFont typeface="StarSymbol"/>
+              <a:buChar char="l"/>
+            </a:pPr>
+            <a:r>
+              <a:rPr lang="en-US" sz="3200" strike="noStrike">
+                <a:latin typeface="Arial"/>
+              </a:rPr>
+              <a:t>Custom, player made, stories </a:t>
+            </a:r>
+            <a:endParaRPr/>
+          </a:p>
+          <a:p>
+            <a:pPr>
+              <a:lnSpc>
+                <a:spcPct val="100000"/>
+              </a:lnSpc>
+              <a:buSzPct val="45000"/>
+              <a:buFont typeface="StarSymbol"/>
+              <a:buChar char="l"/>
+            </a:pPr>
+            <a:r>
+              <a:rPr lang="en-US" sz="3200" strike="noStrike">
+                <a:latin typeface="Arial"/>
+              </a:rPr>
+              <a:t>Different game modes/ styles of mad-libs</a:t>
+            </a:r>
+            <a:endParaRPr/>
+          </a:p>
+          <a:p>
+            <a:pPr>
+              <a:lnSpc>
+                <a:spcPct val="100000"/>
+              </a:lnSpc>
+              <a:buSzPct val="45000"/>
+              <a:buFont typeface="StarSymbol"/>
+              <a:buChar char="l"/>
+            </a:pPr>
+            <a:r>
+              <a:rPr lang="en-US" sz="3200" strike="noStrike">
+                <a:latin typeface="Arial"/>
+              </a:rPr>
+              <a:t>Profanity Filter</a:t>
+            </a:r>
+            <a:endParaRPr/>
+          </a:p>
+          <a:p>
+            <a:pPr>
+              <a:lnSpc>
+                <a:spcPct val="100000"/>
+              </a:lnSpc>
+              <a:buSzPct val="45000"/>
+              <a:buFont typeface="StarSymbol"/>
+              <a:buChar char="l"/>
+            </a:pPr>
+            <a:r>
+              <a:rPr lang="en-US" sz="3200" strike="noStrike">
+                <a:latin typeface="Arial"/>
+              </a:rPr>
+              <a:t>Larger database of stories</a:t>
+            </a:r>
+            <a:endParaRPr/>
+          </a:p>
+        </p:txBody>
+      </p:sp>
+    </p:spTree>
+  </p:cSld>
+  <p:timing>
+    <p:tnLst>
+      <p:par>
+        <p:cTn id="17" dur="indefinite" restart="never" nodeType="tmRoot">
+          <p:childTnLst>
+            <p:seq>
+              <p:cTn id="18" nodeType="mainSeq"/>
               <p:prevCondLst>
                 <p:cond delay="0" evt="onPrev">
                   <p:tgtEl>
@@ -9059,227 +8158,4 @@
     </a:fmtScheme>
   </a:themeElements>
 </a:theme>
-</file>
-
-<file path=ppt/theme/theme5.xml><?xml version="1.0" encoding="utf-8"?>
-<a:theme xmlns:a="http://schemas.openxmlformats.org/drawingml/2006/main" name="Office Theme">
-  <a:themeElements>
-    <a:clrScheme name="Office">
-      <a:dk1>
-        <a:sysClr val="windowText" lastClr="000000"/>
-      </a:dk1>
-      <a:lt1>
-        <a:sysClr val="window" lastClr="FFFFFF"/>
-      </a:lt1>
-      <a:dk2>
-        <a:srgbClr val="1F497D"/>
-      </a:dk2>
-      <a:lt2>
-        <a:srgbClr val="EEECE1"/>
-      </a:lt2>
-      <a:accent1>
-        <a:srgbClr val="4F81BD"/>
-      </a:accent1>
-      <a:accent2>
-        <a:srgbClr val="C0504D"/>
-      </a:accent2>
-      <a:accent3>
-        <a:srgbClr val="9BBB59"/>
-      </a:accent3>
-      <a:accent4>
-        <a:srgbClr val="8064A2"/>
-      </a:accent4>
-      <a:accent5>
-        <a:srgbClr val="4BACC6"/>
-      </a:accent5>
-      <a:accent6>
-        <a:srgbClr val="F79646"/>
-      </a:accent6>
-      <a:hlink>
-        <a:srgbClr val="0000FF"/>
-      </a:hlink>
-      <a:folHlink>
-        <a:srgbClr val="800080"/>
-      </a:folHlink>
-    </a:clrScheme>
-    <a:fontScheme name="Office">
-      <a:majorFont>
-        <a:latin typeface="Arial"/>
-        <a:ea typeface="DejaVu Sans"/>
-        <a:cs typeface="DejaVu Sans"/>
-      </a:majorFont>
-      <a:minorFont>
-        <a:latin typeface="Arial"/>
-        <a:ea typeface="DejaVu Sans"/>
-        <a:cs typeface="DejaVu Sans"/>
-      </a:minorFont>
-    </a:fontScheme>
-    <a:fmtScheme name="Office">
-      <a:fillStyleLst>
-        <a:solidFill>
-          <a:schemeClr val="phClr"/>
-        </a:solidFill>
-        <a:gradFill rotWithShape="1">
-          <a:gsLst>
-            <a:gs pos="0">
-              <a:schemeClr val="phClr">
-                <a:tint val="50000"/>
-                <a:satMod val="300000"/>
-              </a:schemeClr>
-            </a:gs>
-            <a:gs pos="35000">
-              <a:schemeClr val="phClr">
-                <a:tint val="37000"/>
-                <a:satMod val="300000"/>
-              </a:schemeClr>
-            </a:gs>
-            <a:gs pos="100000">
-              <a:schemeClr val="phClr">
-                <a:tint val="15000"/>
-                <a:satMod val="350000"/>
-              </a:schemeClr>
-            </a:gs>
-          </a:gsLst>
-          <a:lin ang="16200000" scaled="1"/>
-        </a:gradFill>
-        <a:gradFill rotWithShape="1">
-          <a:gsLst>
-            <a:gs pos="0">
-              <a:schemeClr val="phClr">
-                <a:shade val="51000"/>
-                <a:satMod val="130000"/>
-              </a:schemeClr>
-            </a:gs>
-            <a:gs pos="80000">
-              <a:schemeClr val="phClr">
-                <a:shade val="93000"/>
-                <a:satMod val="130000"/>
-              </a:schemeClr>
-            </a:gs>
-            <a:gs pos="100000">
-              <a:schemeClr val="phClr">
-                <a:shade val="94000"/>
-                <a:satMod val="135000"/>
-              </a:schemeClr>
-            </a:gs>
-          </a:gsLst>
-          <a:lin ang="16200000" scaled="0"/>
-        </a:gradFill>
-      </a:fillStyleLst>
-      <a:lnStyleLst>
-        <a:ln w="9525" cap="flat" cmpd="sng" algn="ctr">
-          <a:solidFill>
-            <a:schemeClr val="phClr">
-              <a:shade val="95000"/>
-              <a:satMod val="105000"/>
-            </a:schemeClr>
-          </a:solidFill>
-          <a:prstDash val="solid"/>
-        </a:ln>
-        <a:ln w="25400" cap="flat" cmpd="sng" algn="ctr">
-          <a:solidFill>
-            <a:schemeClr val="phClr"/>
-          </a:solidFill>
-          <a:prstDash val="solid"/>
-        </a:ln>
-        <a:ln w="38100" cap="flat" cmpd="sng" algn="ctr">
-          <a:solidFill>
-            <a:schemeClr val="phClr"/>
-          </a:solidFill>
-          <a:prstDash val="solid"/>
-        </a:ln>
-      </a:lnStyleLst>
-      <a:effectStyleLst>
-        <a:effectStyle>
-          <a:effectLst>
-            <a:outerShdw blurRad="40000" dist="20000" dir="5400000" rotWithShape="0">
-              <a:srgbClr val="000000">
-                <a:alpha val="38000"/>
-              </a:srgbClr>
-            </a:outerShdw>
-          </a:effectLst>
-        </a:effectStyle>
-        <a:effectStyle>
-          <a:effectLst>
-            <a:outerShdw blurRad="40000" dist="23000" dir="5400000" rotWithShape="0">
-              <a:srgbClr val="000000">
-                <a:alpha val="35000"/>
-              </a:srgbClr>
-            </a:outerShdw>
-          </a:effectLst>
-        </a:effectStyle>
-        <a:effectStyle>
-          <a:effectLst>
-            <a:outerShdw blurRad="40000" dist="23000" dir="5400000" rotWithShape="0">
-              <a:srgbClr val="000000">
-                <a:alpha val="35000"/>
-              </a:srgbClr>
-            </a:outerShdw>
-          </a:effectLst>
-          <a:scene3d>
-            <a:camera prst="orthographicFront">
-              <a:rot lat="0" lon="0" rev="0"/>
-            </a:camera>
-            <a:lightRig rig="threePt" dir="t">
-              <a:rot lat="0" lon="0" rev="1200000"/>
-            </a:lightRig>
-          </a:scene3d>
-          <a:sp3d>
-            <a:bevelT w="63500" h="25400"/>
-          </a:sp3d>
-        </a:effectStyle>
-      </a:effectStyleLst>
-      <a:bgFillStyleLst>
-        <a:solidFill>
-          <a:schemeClr val="phClr"/>
-        </a:solidFill>
-        <a:gradFill rotWithShape="1">
-          <a:gsLst>
-            <a:gs pos="0">
-              <a:schemeClr val="phClr">
-                <a:tint val="40000"/>
-                <a:satMod val="350000"/>
-              </a:schemeClr>
-            </a:gs>
-            <a:gs pos="40000">
-              <a:schemeClr val="phClr">
-                <a:tint val="45000"/>
-                <a:shade val="99000"/>
-                <a:satMod val="350000"/>
-              </a:schemeClr>
-            </a:gs>
-            <a:gs pos="100000">
-              <a:schemeClr val="phClr">
-                <a:shade val="20000"/>
-                <a:satMod val="255000"/>
-              </a:schemeClr>
-            </a:gs>
-          </a:gsLst>
-          <a:path path="circle">
-            <a:fillToRect l="50000" t="-80000" r="50000" b="180000"/>
-          </a:path>
-        </a:gradFill>
-        <a:gradFill rotWithShape="1">
-          <a:gsLst>
-            <a:gs pos="0">
-              <a:schemeClr val="phClr">
-                <a:tint val="80000"/>
-                <a:satMod val="300000"/>
-              </a:schemeClr>
-            </a:gs>
-            <a:gs pos="100000">
-              <a:schemeClr val="phClr">
-                <a:shade val="30000"/>
-                <a:satMod val="200000"/>
-              </a:schemeClr>
-            </a:gs>
-          </a:gsLst>
-          <a:path path="circle">
-            <a:fillToRect l="50000" t="50000" r="50000" b="50000"/>
-          </a:path>
-        </a:gradFill>
-      </a:bgFillStyleLst>
-    </a:fmtScheme>
-  </a:themeElements>
-</a:theme>
 </file>